--- a/Project Presentation.pptx
+++ b/Project Presentation.pptx
@@ -5,12 +5,16 @@
     <p:sldMasterId id="2147483660" r:id="rId4"/>
   </p:sldMasterIdLst>
   <p:sldIdLst>
-    <p:sldId id="298" r:id="rId5"/>
-    <p:sldId id="306" r:id="rId6"/>
-    <p:sldId id="301" r:id="rId7"/>
-    <p:sldId id="302" r:id="rId8"/>
-    <p:sldId id="304" r:id="rId9"/>
-    <p:sldId id="305" r:id="rId10"/>
+    <p:sldId id="306" r:id="rId5"/>
+    <p:sldId id="301" r:id="rId6"/>
+    <p:sldId id="302" r:id="rId7"/>
+    <p:sldId id="304" r:id="rId8"/>
+    <p:sldId id="311" r:id="rId9"/>
+    <p:sldId id="308" r:id="rId10"/>
+    <p:sldId id="309" r:id="rId11"/>
+    <p:sldId id="310" r:id="rId12"/>
+    <p:sldId id="312" r:id="rId13"/>
+    <p:sldId id="305" r:id="rId14"/>
   </p:sldIdLst>
   <p:sldSz cx="12192000" cy="6858000"/>
   <p:notesSz cx="6858000" cy="9144000"/>
@@ -361,7 +365,7 @@
           <a:p>
             <a:fld id="{9184DA70-C731-4C70-880D-CCD4705E623C}" type="datetime1">
               <a:rPr lang="en-US" smtClean="0"/>
-              <a:t>10/24/2020</a:t>
+              <a:t>10/26/2020</a:t>
             </a:fld>
             <a:endParaRPr lang="en-US" dirty="0"/>
           </a:p>
@@ -549,7 +553,7 @@
           <a:p>
             <a:fld id="{4BE1D723-8F53-4F53-90B0-1982A396982E}" type="datetime1">
               <a:rPr lang="en-US" smtClean="0"/>
-              <a:t>10/24/2020</a:t>
+              <a:t>10/26/2020</a:t>
             </a:fld>
             <a:endParaRPr lang="en-US" dirty="0"/>
           </a:p>
@@ -922,7 +926,7 @@
           <a:p>
             <a:fld id="{97669AF7-7BEB-44E4-9852-375E34362B5B}" type="datetime1">
               <a:rPr lang="en-US" smtClean="0"/>
-              <a:t>10/24/2020</a:t>
+              <a:t>10/26/2020</a:t>
             </a:fld>
             <a:endParaRPr lang="en-US" dirty="0"/>
           </a:p>
@@ -1177,7 +1181,7 @@
           <a:p>
             <a:fld id="{BAAAC38D-0552-4C82-B593-E6124DFADBE2}" type="datetime1">
               <a:rPr lang="en-US" smtClean="0"/>
-              <a:t>10/24/2020</a:t>
+              <a:t>10/26/2020</a:t>
             </a:fld>
             <a:endParaRPr lang="en-US" dirty="0"/>
           </a:p>
@@ -1574,7 +1578,7 @@
           <a:p>
             <a:fld id="{D9DF0F1C-5577-4ACB-BB62-DF8F3C494C7E}" type="datetime1">
               <a:rPr lang="en-US" smtClean="0"/>
-              <a:t>10/24/2020</a:t>
+              <a:t>10/26/2020</a:t>
             </a:fld>
             <a:endParaRPr lang="en-US" dirty="0"/>
           </a:p>
@@ -1710,7 +1714,7 @@
           <a:p>
             <a:fld id="{1775B394-D9F9-4F0C-B15D-605F45CB9E9F}" type="datetime1">
               <a:rPr lang="en-US" smtClean="0"/>
-              <a:t>10/24/2020</a:t>
+              <a:t>10/26/2020</a:t>
             </a:fld>
             <a:endParaRPr lang="en-US" dirty="0"/>
           </a:p>
@@ -1867,7 +1871,7 @@
           <a:p>
             <a:fld id="{39667345-2558-425A-8533-9BFDBCE15005}" type="datetime1">
               <a:rPr lang="en-US" smtClean="0"/>
-              <a:t>10/24/2020</a:t>
+              <a:t>10/26/2020</a:t>
             </a:fld>
             <a:endParaRPr lang="en-US" dirty="0"/>
           </a:p>
@@ -2196,7 +2200,7 @@
           <a:p>
             <a:fld id="{92BEA474-078D-4E9B-9B14-09A87B19DC46}" type="datetime1">
               <a:rPr lang="en-US" smtClean="0"/>
-              <a:t>10/24/2020</a:t>
+              <a:t>10/26/2020</a:t>
             </a:fld>
             <a:endParaRPr lang="en-US" dirty="0"/>
           </a:p>
@@ -2546,7 +2550,7 @@
           <a:p>
             <a:fld id="{4907D986-8816-4272-A432-0437A28A9828}" type="datetime1">
               <a:rPr lang="en-US" smtClean="0"/>
-              <a:t>10/24/2020</a:t>
+              <a:t>10/26/2020</a:t>
             </a:fld>
             <a:endParaRPr lang="en-US" dirty="0"/>
           </a:p>
@@ -2807,7 +2811,7 @@
           <a:p>
             <a:fld id="{62D6E202-B606-4609-B914-27C9371A1F6D}" type="datetime1">
               <a:rPr lang="en-US" smtClean="0"/>
-              <a:t>10/24/2020</a:t>
+              <a:t>10/26/2020</a:t>
             </a:fld>
             <a:endParaRPr lang="en-US" dirty="0"/>
           </a:p>
@@ -3464,13 +3468,14 @@
           </a:bodyPr>
           <a:lstStyle/>
           <a:p>
+            <a:pPr algn="ctr"/>
             <a:r>
               <a:rPr lang="en-US" sz="5400" dirty="0">
                 <a:solidFill>
                   <a:srgbClr val="FFFFFF"/>
                 </a:solidFill>
               </a:rPr>
-              <a:t>The Impact of Wages in Employment </a:t>
+              <a:t>The Effect of Minimum Wage on Employment</a:t>
             </a:r>
           </a:p>
         </p:txBody>
@@ -3595,12 +3600,224 @@
     </p:spTree>
     <p:extLst>
       <p:ext uri="{BB962C8B-B14F-4D97-AF65-F5344CB8AC3E}">
-        <p14:creationId xmlns:p14="http://schemas.microsoft.com/office/powerpoint/2010/main" val="193143965"/>
+        <p14:creationId xmlns:p14="http://schemas.microsoft.com/office/powerpoint/2010/main" val="1885805844"/>
       </p:ext>
     </p:extLst>
   </p:cSld>
   <p:clrMapOvr>
     <a:overrideClrMapping bg1="dk1" tx1="lt1" bg2="dk2" tx2="lt2" accent1="accent1" accent2="accent2" accent3="accent3" accent4="accent4" accent5="accent5" accent6="accent6" hlink="hlink" folHlink="folHlink"/>
+  </p:clrMapOvr>
+</p:sld>
+</file>
+
+<file path=ppt/slides/slide10.xml><?xml version="1.0" encoding="utf-8"?>
+<p:sld xmlns:a="http://schemas.openxmlformats.org/drawingml/2006/main" xmlns:r="http://schemas.openxmlformats.org/officeDocument/2006/relationships" xmlns:p="http://schemas.openxmlformats.org/presentationml/2006/main">
+  <p:cSld>
+    <p:bg>
+      <p:bgPr>
+        <a:solidFill>
+          <a:schemeClr val="bg1"/>
+        </a:solidFill>
+        <a:effectLst/>
+      </p:bgPr>
+    </p:bg>
+    <p:spTree>
+      <p:nvGrpSpPr>
+        <p:cNvPr id="1" name=""/>
+        <p:cNvGrpSpPr/>
+        <p:nvPr/>
+      </p:nvGrpSpPr>
+      <p:grpSpPr>
+        <a:xfrm>
+          <a:off x="0" y="0"/>
+          <a:ext cx="0" cy="0"/>
+          <a:chOff x="0" y="0"/>
+          <a:chExt cx="0" cy="0"/>
+        </a:xfrm>
+      </p:grpSpPr>
+      <p:pic>
+        <p:nvPicPr>
+          <p:cNvPr id="3078" name="Picture 6" descr="5 Questions the Most Interesting People Will Always Ask in Conversations |  Inc.com">
+            <a:extLst>
+              <a:ext uri="{FF2B5EF4-FFF2-40B4-BE49-F238E27FC236}">
+                <a16:creationId xmlns:a16="http://schemas.microsoft.com/office/drawing/2014/main" id="{8B91B1CE-4314-4F1D-8AB2-C3BCBFFE6F2A}"/>
+              </a:ext>
+            </a:extLst>
+          </p:cNvPr>
+          <p:cNvPicPr>
+            <a:picLocks noChangeAspect="1" noChangeArrowheads="1"/>
+          </p:cNvPicPr>
+          <p:nvPr/>
+        </p:nvPicPr>
+        <p:blipFill rotWithShape="1">
+          <a:blip r:embed="rId2">
+            <a:extLst>
+              <a:ext uri="{28A0092B-C50C-407E-A947-70E740481C1C}">
+                <a14:useLocalDpi xmlns:a14="http://schemas.microsoft.com/office/drawing/2010/main" val="0"/>
+              </a:ext>
+            </a:extLst>
+          </a:blip>
+          <a:srcRect/>
+          <a:stretch/>
+        </p:blipFill>
+        <p:spPr bwMode="auto">
+          <a:xfrm>
+            <a:off x="0" y="0"/>
+            <a:ext cx="12192000" cy="6858000"/>
+          </a:xfrm>
+          <a:prstGeom prst="rect">
+            <a:avLst/>
+          </a:prstGeom>
+          <a:noFill/>
+          <a:extLst>
+            <a:ext uri="{909E8E84-426E-40DD-AFC4-6F175D3DCCD1}">
+              <a14:hiddenFill xmlns:a14="http://schemas.microsoft.com/office/drawing/2010/main">
+                <a:solidFill>
+                  <a:srgbClr val="FFFFFF"/>
+                </a:solidFill>
+              </a14:hiddenFill>
+            </a:ext>
+          </a:extLst>
+        </p:spPr>
+      </p:pic>
+      <p:sp>
+        <p:nvSpPr>
+          <p:cNvPr id="75" name="Rectangle 74">
+            <a:extLst>
+              <a:ext uri="{FF2B5EF4-FFF2-40B4-BE49-F238E27FC236}">
+                <a16:creationId xmlns:a16="http://schemas.microsoft.com/office/drawing/2014/main" id="{8DA9D5E3-3A22-4873-81C8-59749E2165B5}"/>
+              </a:ext>
+              <a:ext uri="{C183D7F6-B498-43B3-948B-1728B52AA6E4}">
+                <adec:decorative xmlns:adec="http://schemas.microsoft.com/office/drawing/2017/decorative" val="1"/>
+              </a:ext>
+            </a:extLst>
+          </p:cNvPr>
+          <p:cNvSpPr>
+            <a:spLocks noGrp="1" noRot="1" noChangeAspect="1" noMove="1" noResize="1" noEditPoints="1" noAdjustHandles="1" noChangeArrowheads="1" noChangeShapeType="1" noTextEdit="1"/>
+          </p:cNvSpPr>
+          <p:nvPr>
+            <p:extLst>
+              <p:ext uri="{386F3935-93C4-4BCD-93E2-E3B085C9AB24}">
+                <p16:designElem xmlns:p16="http://schemas.microsoft.com/office/powerpoint/2015/main" val="1"/>
+              </p:ext>
+            </p:extLst>
+          </p:nvPr>
+        </p:nvSpPr>
+        <p:spPr>
+          <a:xfrm>
+            <a:off x="3175" y="6400800"/>
+            <a:ext cx="12188825" cy="457200"/>
+          </a:xfrm>
+          <a:prstGeom prst="rect">
+            <a:avLst/>
+          </a:prstGeom>
+          <a:solidFill>
+            <a:srgbClr val="262626"/>
+          </a:solidFill>
+          <a:ln>
+            <a:noFill/>
+          </a:ln>
+        </p:spPr>
+        <p:style>
+          <a:lnRef idx="2">
+            <a:schemeClr val="accent1">
+              <a:shade val="50000"/>
+            </a:schemeClr>
+          </a:lnRef>
+          <a:fillRef idx="1">
+            <a:schemeClr val="accent1"/>
+          </a:fillRef>
+          <a:effectRef idx="0">
+            <a:schemeClr val="accent1"/>
+          </a:effectRef>
+          <a:fontRef idx="minor">
+            <a:schemeClr val="lt1"/>
+          </a:fontRef>
+        </p:style>
+      </p:sp>
+      <p:sp>
+        <p:nvSpPr>
+          <p:cNvPr id="2" name="TextBox 1">
+            <a:extLst>
+              <a:ext uri="{FF2B5EF4-FFF2-40B4-BE49-F238E27FC236}">
+                <a16:creationId xmlns:a16="http://schemas.microsoft.com/office/drawing/2014/main" id="{D7AE5DB4-1C44-4883-A4E1-04093ED18438}"/>
+              </a:ext>
+            </a:extLst>
+          </p:cNvPr>
+          <p:cNvSpPr txBox="1"/>
+          <p:nvPr/>
+        </p:nvSpPr>
+        <p:spPr>
+          <a:xfrm>
+            <a:off x="2835479" y="3343013"/>
+            <a:ext cx="2877424" cy="707886"/>
+          </a:xfrm>
+          <a:prstGeom prst="rect">
+            <a:avLst/>
+          </a:prstGeom>
+          <a:noFill/>
+        </p:spPr>
+        <p:txBody>
+          <a:bodyPr wrap="square" rtlCol="0">
+            <a:spAutoFit/>
+          </a:bodyPr>
+          <a:lstStyle/>
+          <a:p>
+            <a:r>
+              <a:rPr lang="en-US" sz="4000" b="1" dirty="0">
+                <a:latin typeface="+mj-lt"/>
+              </a:rPr>
+              <a:t>Questions</a:t>
+            </a:r>
+          </a:p>
+        </p:txBody>
+      </p:sp>
+      <p:sp>
+        <p:nvSpPr>
+          <p:cNvPr id="3" name="TextBox 2">
+            <a:extLst>
+              <a:ext uri="{FF2B5EF4-FFF2-40B4-BE49-F238E27FC236}">
+                <a16:creationId xmlns:a16="http://schemas.microsoft.com/office/drawing/2014/main" id="{83D0A8C5-2C78-42B3-B2A0-2272562C59CC}"/>
+              </a:ext>
+            </a:extLst>
+          </p:cNvPr>
+          <p:cNvSpPr txBox="1"/>
+          <p:nvPr/>
+        </p:nvSpPr>
+        <p:spPr>
+          <a:xfrm>
+            <a:off x="6645479" y="1767281"/>
+            <a:ext cx="2877424" cy="707886"/>
+          </a:xfrm>
+          <a:prstGeom prst="rect">
+            <a:avLst/>
+          </a:prstGeom>
+          <a:noFill/>
+        </p:spPr>
+        <p:txBody>
+          <a:bodyPr wrap="square" rtlCol="0">
+            <a:spAutoFit/>
+          </a:bodyPr>
+          <a:lstStyle/>
+          <a:p>
+            <a:r>
+              <a:rPr lang="en-US" sz="4000" b="1" dirty="0">
+                <a:latin typeface="+mj-lt"/>
+              </a:rPr>
+              <a:t>Questions</a:t>
+            </a:r>
+          </a:p>
+        </p:txBody>
+      </p:sp>
+    </p:spTree>
+    <p:extLst>
+      <p:ext uri="{BB962C8B-B14F-4D97-AF65-F5344CB8AC3E}">
+        <p14:creationId xmlns:p14="http://schemas.microsoft.com/office/powerpoint/2010/main" val="2084987383"/>
+      </p:ext>
+    </p:extLst>
+  </p:cSld>
+  <p:clrMapOvr>
+    <a:masterClrMapping/>
   </p:clrMapOvr>
 </p:sld>
 </file>
@@ -3630,57 +3847,12 @@
           <a:chExt cx="0" cy="0"/>
         </a:xfrm>
       </p:grpSpPr>
-      <p:pic>
-        <p:nvPicPr>
-          <p:cNvPr id="1028" name="Picture 4" descr="See the source image">
-            <a:extLst>
-              <a:ext uri="{FF2B5EF4-FFF2-40B4-BE49-F238E27FC236}">
-                <a16:creationId xmlns:a16="http://schemas.microsoft.com/office/drawing/2014/main" id="{9EE557FC-6E67-4C4D-A2C9-667F634E6FF7}"/>
-              </a:ext>
-            </a:extLst>
-          </p:cNvPr>
-          <p:cNvPicPr>
-            <a:picLocks noChangeAspect="1" noChangeArrowheads="1"/>
-          </p:cNvPicPr>
-          <p:nvPr/>
-        </p:nvPicPr>
-        <p:blipFill rotWithShape="1">
-          <a:blip r:embed="rId3">
-            <a:extLst>
-              <a:ext uri="{28A0092B-C50C-407E-A947-70E740481C1C}">
-                <a14:useLocalDpi xmlns:a14="http://schemas.microsoft.com/office/drawing/2010/main" val="0"/>
-              </a:ext>
-            </a:extLst>
-          </a:blip>
-          <a:srcRect l="15291" r="4545"/>
-          <a:stretch/>
-        </p:blipFill>
-        <p:spPr bwMode="auto">
-          <a:xfrm>
-            <a:off x="16" y="10"/>
-            <a:ext cx="7556889" cy="6857990"/>
-          </a:xfrm>
-          <a:prstGeom prst="rect">
-            <a:avLst/>
-          </a:prstGeom>
-          <a:noFill/>
-          <a:extLst>
-            <a:ext uri="{909E8E84-426E-40DD-AFC4-6F175D3DCCD1}">
-              <a14:hiddenFill xmlns:a14="http://schemas.microsoft.com/office/drawing/2010/main">
-                <a:solidFill>
-                  <a:srgbClr val="FFFFFF"/>
-                </a:solidFill>
-              </a14:hiddenFill>
-            </a:ext>
-          </a:extLst>
-        </p:spPr>
-      </p:pic>
-      <p:sp>
-        <p:nvSpPr>
-          <p:cNvPr id="73" name="Rectangle 72">
-            <a:extLst>
-              <a:ext uri="{FF2B5EF4-FFF2-40B4-BE49-F238E27FC236}">
-                <a16:creationId xmlns:a16="http://schemas.microsoft.com/office/drawing/2014/main" id="{6482F060-A4AF-4E0B-B364-7C6BA4AE9C03}"/>
+      <p:sp>
+        <p:nvSpPr>
+          <p:cNvPr id="16" name="Rectangle 8">
+            <a:extLst>
+              <a:ext uri="{FF2B5EF4-FFF2-40B4-BE49-F238E27FC236}">
+                <a16:creationId xmlns:a16="http://schemas.microsoft.com/office/drawing/2014/main" id="{39E3965E-AC41-4711-9D10-E25ABB132D86}"/>
               </a:ext>
               <a:ext uri="{C183D7F6-B498-43B3-948B-1728B52AA6E4}">
                 <adec:decorative xmlns:adec="http://schemas.microsoft.com/office/drawing/2017/decorative" val="1"/>
@@ -3698,10 +3870,10 @@
             </p:extLst>
           </p:nvPr>
         </p:nvSpPr>
-        <p:spPr bwMode="white">
-          <a:xfrm>
-            <a:off x="7556905" y="0"/>
-            <a:ext cx="4641315" cy="6858000"/>
+        <p:spPr>
+          <a:xfrm>
+            <a:off x="3175" y="6400800"/>
+            <a:ext cx="12188825" cy="457200"/>
           </a:xfrm>
           <a:prstGeom prst="rect">
             <a:avLst/>
@@ -3730,117 +3902,12 @@
           </a:fontRef>
         </p:style>
       </p:sp>
-      <p:sp>
-        <p:nvSpPr>
-          <p:cNvPr id="2" name="Title 1">
-            <a:extLst>
-              <a:ext uri="{FF2B5EF4-FFF2-40B4-BE49-F238E27FC236}">
-                <a16:creationId xmlns:a16="http://schemas.microsoft.com/office/drawing/2014/main" id="{9AB2EA78-AEB3-469B-9025-3B17201A457B}"/>
-              </a:ext>
-            </a:extLst>
-          </p:cNvPr>
-          <p:cNvSpPr>
-            <a:spLocks noGrp="1"/>
-          </p:cNvSpPr>
-          <p:nvPr>
-            <p:ph type="ctrTitle"/>
-          </p:nvPr>
-        </p:nvSpPr>
-        <p:spPr>
-          <a:xfrm>
-            <a:off x="8047939" y="640079"/>
-            <a:ext cx="4015430" cy="2916837"/>
-          </a:xfrm>
-        </p:spPr>
-        <p:txBody>
-          <a:bodyPr>
-            <a:normAutofit fontScale="90000"/>
-          </a:bodyPr>
-          <a:lstStyle/>
-          <a:p>
-            <a:pPr algn="ctr"/>
-            <a:r>
-              <a:rPr lang="en-US" sz="5400" dirty="0">
-                <a:solidFill>
-                  <a:srgbClr val="FFFFFF"/>
-                </a:solidFill>
-              </a:rPr>
-              <a:t>The Effect of Minimum Wage on Employment</a:t>
-            </a:r>
-          </a:p>
-        </p:txBody>
-      </p:sp>
-      <p:sp>
-        <p:nvSpPr>
-          <p:cNvPr id="3" name="Subtitle 2">
-            <a:extLst>
-              <a:ext uri="{FF2B5EF4-FFF2-40B4-BE49-F238E27FC236}">
-                <a16:creationId xmlns:a16="http://schemas.microsoft.com/office/drawing/2014/main" id="{255E1F2F-E259-4EA8-9FFD-3A10AF541859}"/>
-              </a:ext>
-            </a:extLst>
-          </p:cNvPr>
-          <p:cNvSpPr>
-            <a:spLocks noGrp="1"/>
-          </p:cNvSpPr>
-          <p:nvPr>
-            <p:ph type="subTitle" idx="1"/>
-          </p:nvPr>
-        </p:nvSpPr>
-        <p:spPr>
-          <a:xfrm>
-            <a:off x="8047939" y="3812135"/>
-            <a:ext cx="3659246" cy="1596655"/>
-          </a:xfrm>
-        </p:spPr>
-        <p:txBody>
-          <a:bodyPr>
-            <a:normAutofit/>
-          </a:bodyPr>
-          <a:lstStyle/>
-          <a:p>
-            <a:r>
-              <a:rPr lang="en-US" sz="1800" dirty="0">
-                <a:solidFill>
-                  <a:srgbClr val="FFFFFF"/>
-                </a:solidFill>
-              </a:rPr>
-              <a:t>Team Name</a:t>
-            </a:r>
-          </a:p>
-          <a:p>
-            <a:r>
-              <a:rPr lang="en-US" sz="1800" dirty="0">
-                <a:solidFill>
-                  <a:srgbClr val="FFFFFF"/>
-                </a:solidFill>
-              </a:rPr>
-              <a:t>Devin, </a:t>
-            </a:r>
-            <a:r>
-              <a:rPr lang="en-US" sz="1800" dirty="0" err="1">
-                <a:solidFill>
-                  <a:srgbClr val="FFFFFF"/>
-                </a:solidFill>
-              </a:rPr>
-              <a:t>Kosel</a:t>
-            </a:r>
-            <a:r>
-              <a:rPr lang="en-US" sz="1800" dirty="0">
-                <a:solidFill>
-                  <a:srgbClr val="FFFFFF"/>
-                </a:solidFill>
-              </a:rPr>
-              <a:t>, Lesly, Mark, Will</a:t>
-            </a:r>
-          </a:p>
-        </p:txBody>
-      </p:sp>
       <p:cxnSp>
         <p:nvCxnSpPr>
-          <p:cNvPr id="75" name="Straight Connector 74">
-            <a:extLst>
-              <a:ext uri="{FF2B5EF4-FFF2-40B4-BE49-F238E27FC236}">
-                <a16:creationId xmlns:a16="http://schemas.microsoft.com/office/drawing/2014/main" id="{B9EB6DAA-2F0C-43D5-A577-15D5D2C4E3F5}"/>
+          <p:cNvPr id="18" name="Straight Connector 10">
+            <a:extLst>
+              <a:ext uri="{FF2B5EF4-FFF2-40B4-BE49-F238E27FC236}">
+                <a16:creationId xmlns:a16="http://schemas.microsoft.com/office/drawing/2014/main" id="{1F5DC8C3-BA5F-4EED-BB9A-A14272BD82A1}"/>
               </a:ext>
               <a:ext uri="{C183D7F6-B498-43B3-948B-1728B52AA6E4}">
                 <adec:decorative xmlns:adec="http://schemas.microsoft.com/office/drawing/2017/decorative" val="1"/>
@@ -3860,7 +3927,217 @@
         </p:nvCxnSpPr>
         <p:spPr>
           <a:xfrm>
-            <a:off x="8185922" y="3651268"/>
+            <a:off x="1207658" y="4474741"/>
+            <a:ext cx="9875520" cy="0"/>
+          </a:xfrm>
+          <a:prstGeom prst="line">
+            <a:avLst/>
+          </a:prstGeom>
+          <a:ln w="12700">
+            <a:solidFill>
+              <a:schemeClr val="tx1">
+                <a:lumMod val="75000"/>
+                <a:lumOff val="25000"/>
+              </a:schemeClr>
+            </a:solidFill>
+          </a:ln>
+        </p:spPr>
+        <p:style>
+          <a:lnRef idx="1">
+            <a:schemeClr val="accent1"/>
+          </a:lnRef>
+          <a:fillRef idx="0">
+            <a:schemeClr val="accent1"/>
+          </a:fillRef>
+          <a:effectRef idx="0">
+            <a:schemeClr val="accent1"/>
+          </a:effectRef>
+          <a:fontRef idx="minor">
+            <a:schemeClr val="tx1"/>
+          </a:fontRef>
+        </p:style>
+      </p:cxnSp>
+      <p:sp useBgFill="1">
+        <p:nvSpPr>
+          <p:cNvPr id="19" name="Rectangle 12">
+            <a:extLst>
+              <a:ext uri="{FF2B5EF4-FFF2-40B4-BE49-F238E27FC236}">
+                <a16:creationId xmlns:a16="http://schemas.microsoft.com/office/drawing/2014/main" id="{B4D0E555-16F6-44D0-BF56-AF5FF5BDE9D6}"/>
+              </a:ext>
+              <a:ext uri="{C183D7F6-B498-43B3-948B-1728B52AA6E4}">
+                <adec:decorative xmlns:adec="http://schemas.microsoft.com/office/drawing/2017/decorative" val="1"/>
+              </a:ext>
+            </a:extLst>
+          </p:cNvPr>
+          <p:cNvSpPr>
+            <a:spLocks noGrp="1" noRot="1" noChangeAspect="1" noMove="1" noResize="1" noEditPoints="1" noAdjustHandles="1" noChangeArrowheads="1" noChangeShapeType="1" noTextEdit="1"/>
+          </p:cNvSpPr>
+          <p:nvPr>
+            <p:extLst>
+              <p:ext uri="{386F3935-93C4-4BCD-93E2-E3B085C9AB24}">
+                <p16:designElem xmlns:p16="http://schemas.microsoft.com/office/powerpoint/2015/main" val="1"/>
+              </p:ext>
+            </p:extLst>
+          </p:nvPr>
+        </p:nvSpPr>
+        <p:spPr>
+          <a:xfrm>
+            <a:off x="0" y="0"/>
+            <a:ext cx="12192000" cy="6858000"/>
+          </a:xfrm>
+          <a:prstGeom prst="rect">
+            <a:avLst/>
+          </a:prstGeom>
+          <a:ln>
+            <a:noFill/>
+          </a:ln>
+        </p:spPr>
+        <p:style>
+          <a:lnRef idx="2">
+            <a:schemeClr val="accent1">
+              <a:shade val="50000"/>
+            </a:schemeClr>
+          </a:lnRef>
+          <a:fillRef idx="1001">
+            <a:schemeClr val="lt1"/>
+          </a:fillRef>
+          <a:effectRef idx="0">
+            <a:schemeClr val="accent1"/>
+          </a:effectRef>
+          <a:fontRef idx="minor">
+            <a:schemeClr val="lt1"/>
+          </a:fontRef>
+        </p:style>
+        <p:txBody>
+          <a:bodyPr rtlCol="0" anchor="ctr"/>
+          <a:lstStyle/>
+          <a:p>
+            <a:pPr algn="ctr"/>
+            <a:endParaRPr lang="en-US"/>
+          </a:p>
+        </p:txBody>
+      </p:sp>
+      <p:sp>
+        <p:nvSpPr>
+          <p:cNvPr id="15" name="Rectangle 14">
+            <a:extLst>
+              <a:ext uri="{FF2B5EF4-FFF2-40B4-BE49-F238E27FC236}">
+                <a16:creationId xmlns:a16="http://schemas.microsoft.com/office/drawing/2014/main" id="{8117041D-1A7B-4ECA-AB68-3CFDB6726B8E}"/>
+              </a:ext>
+              <a:ext uri="{C183D7F6-B498-43B3-948B-1728B52AA6E4}">
+                <adec:decorative xmlns:adec="http://schemas.microsoft.com/office/drawing/2017/decorative" val="1"/>
+              </a:ext>
+            </a:extLst>
+          </p:cNvPr>
+          <p:cNvSpPr>
+            <a:spLocks noGrp="1" noRot="1" noChangeAspect="1" noMove="1" noResize="1" noEditPoints="1" noAdjustHandles="1" noChangeArrowheads="1" noChangeShapeType="1" noTextEdit="1"/>
+          </p:cNvSpPr>
+          <p:nvPr>
+            <p:extLst>
+              <p:ext uri="{386F3935-93C4-4BCD-93E2-E3B085C9AB24}">
+                <p16:designElem xmlns:p16="http://schemas.microsoft.com/office/powerpoint/2015/main" val="1"/>
+              </p:ext>
+            </p:extLst>
+          </p:nvPr>
+        </p:nvSpPr>
+        <p:spPr bwMode="white">
+          <a:xfrm>
+            <a:off x="-6220" y="0"/>
+            <a:ext cx="4641314" cy="6858000"/>
+          </a:xfrm>
+          <a:prstGeom prst="rect">
+            <a:avLst/>
+          </a:prstGeom>
+          <a:solidFill>
+            <a:srgbClr val="262626"/>
+          </a:solidFill>
+          <a:ln>
+            <a:noFill/>
+          </a:ln>
+        </p:spPr>
+        <p:style>
+          <a:lnRef idx="2">
+            <a:schemeClr val="accent1">
+              <a:shade val="50000"/>
+            </a:schemeClr>
+          </a:lnRef>
+          <a:fillRef idx="1">
+            <a:schemeClr val="accent1"/>
+          </a:fillRef>
+          <a:effectRef idx="0">
+            <a:schemeClr val="accent1"/>
+          </a:effectRef>
+          <a:fontRef idx="minor">
+            <a:schemeClr val="lt1"/>
+          </a:fontRef>
+        </p:style>
+      </p:sp>
+      <p:sp>
+        <p:nvSpPr>
+          <p:cNvPr id="2" name="Title 1">
+            <a:extLst>
+              <a:ext uri="{FF2B5EF4-FFF2-40B4-BE49-F238E27FC236}">
+                <a16:creationId xmlns:a16="http://schemas.microsoft.com/office/drawing/2014/main" id="{75AC86D3-8FD1-4F47-A319-7D0542E48B2F}"/>
+              </a:ext>
+            </a:extLst>
+          </p:cNvPr>
+          <p:cNvSpPr>
+            <a:spLocks noGrp="1"/>
+          </p:cNvSpPr>
+          <p:nvPr>
+            <p:ph type="title"/>
+          </p:nvPr>
+        </p:nvSpPr>
+        <p:spPr>
+          <a:xfrm>
+            <a:off x="435869" y="326503"/>
+            <a:ext cx="3659246" cy="2135792"/>
+          </a:xfrm>
+        </p:spPr>
+        <p:txBody>
+          <a:bodyPr vert="horz" lIns="91440" tIns="45720" rIns="91440" bIns="45720" rtlCol="0" anchor="b">
+            <a:noAutofit/>
+          </a:bodyPr>
+          <a:lstStyle/>
+          <a:p>
+            <a:pPr algn="ctr"/>
+            <a:r>
+              <a:rPr lang="en-US" sz="4800" dirty="0">
+                <a:solidFill>
+                  <a:srgbClr val="FFFFFF"/>
+                </a:solidFill>
+              </a:rPr>
+              <a:t>Minimum Wage in America</a:t>
+            </a:r>
+          </a:p>
+        </p:txBody>
+      </p:sp>
+      <p:cxnSp>
+        <p:nvCxnSpPr>
+          <p:cNvPr id="17" name="Straight Connector 16">
+            <a:extLst>
+              <a:ext uri="{FF2B5EF4-FFF2-40B4-BE49-F238E27FC236}">
+                <a16:creationId xmlns:a16="http://schemas.microsoft.com/office/drawing/2014/main" id="{ABCD2462-4C1E-401A-AC2D-F799A138B245}"/>
+              </a:ext>
+              <a:ext uri="{C183D7F6-B498-43B3-948B-1728B52AA6E4}">
+                <adec:decorative xmlns:adec="http://schemas.microsoft.com/office/drawing/2017/decorative" val="1"/>
+              </a:ext>
+            </a:extLst>
+          </p:cNvPr>
+          <p:cNvCxnSpPr>
+            <a:cxnSpLocks noGrp="1" noRot="1" noChangeAspect="1" noMove="1" noResize="1" noEditPoints="1" noAdjustHandles="1" noChangeArrowheads="1" noChangeShapeType="1"/>
+          </p:cNvCxnSpPr>
+          <p:nvPr>
+            <p:extLst>
+              <p:ext uri="{386F3935-93C4-4BCD-93E2-E3B085C9AB24}">
+                <p16:designElem xmlns:p16="http://schemas.microsoft.com/office/powerpoint/2015/main" val="1"/>
+              </p:ext>
+            </p:extLst>
+          </p:nvPr>
+        </p:nvCxnSpPr>
+        <p:spPr>
+          <a:xfrm>
+            <a:off x="573852" y="3663649"/>
             <a:ext cx="3383280" cy="0"/>
           </a:xfrm>
           <a:prstGeom prst="line">
@@ -3887,15 +4164,155 @@
           </a:fontRef>
         </p:style>
       </p:cxnSp>
+      <p:sp>
+        <p:nvSpPr>
+          <p:cNvPr id="6" name="TextBox 5">
+            <a:extLst>
+              <a:ext uri="{FF2B5EF4-FFF2-40B4-BE49-F238E27FC236}">
+                <a16:creationId xmlns:a16="http://schemas.microsoft.com/office/drawing/2014/main" id="{8B2378F9-B171-4CD5-BB5F-F898666FB4BB}"/>
+              </a:ext>
+            </a:extLst>
+          </p:cNvPr>
+          <p:cNvSpPr txBox="1"/>
+          <p:nvPr/>
+        </p:nvSpPr>
+        <p:spPr>
+          <a:xfrm>
+            <a:off x="5680667" y="474345"/>
+            <a:ext cx="5402511" cy="5909310"/>
+          </a:xfrm>
+          <a:prstGeom prst="rect">
+            <a:avLst/>
+          </a:prstGeom>
+          <a:noFill/>
+        </p:spPr>
+        <p:txBody>
+          <a:bodyPr wrap="square" rtlCol="0">
+            <a:spAutoFit/>
+          </a:bodyPr>
+          <a:lstStyle/>
+          <a:p>
+            <a:r>
+              <a:rPr lang="en-US" dirty="0">
+                <a:solidFill>
+                  <a:srgbClr val="000000"/>
+                </a:solidFill>
+                <a:latin typeface="Verdana" panose="020B0604030504040204" pitchFamily="34" charset="0"/>
+              </a:rPr>
+              <a:t>Minimum wage was established in 1938 under the Fair Labor Standard Act, which established a federal minimum wage of 25 cents per hour. The bill was signed into law by President Roosevelt as part of the New Deal to protect workers during the Great Depression. </a:t>
+            </a:r>
+          </a:p>
+          <a:p>
+            <a:endParaRPr lang="en-US" dirty="0">
+              <a:solidFill>
+                <a:srgbClr val="000000"/>
+              </a:solidFill>
+              <a:latin typeface="Verdana" panose="020B0604030504040204" pitchFamily="34" charset="0"/>
+            </a:endParaRPr>
+          </a:p>
+          <a:p>
+            <a:endParaRPr lang="en-US" dirty="0">
+              <a:solidFill>
+                <a:srgbClr val="000000"/>
+              </a:solidFill>
+              <a:latin typeface="Verdana" panose="020B0604030504040204" pitchFamily="34" charset="0"/>
+            </a:endParaRPr>
+          </a:p>
+          <a:p>
+            <a:r>
+              <a:rPr lang="en-US" dirty="0">
+                <a:solidFill>
+                  <a:srgbClr val="000000"/>
+                </a:solidFill>
+                <a:latin typeface="Verdana" panose="020B0604030504040204" pitchFamily="34" charset="0"/>
+              </a:rPr>
+              <a:t>The purpose of the minimum wage is to provide a base pay rate for employees and protect workers against unduly low pay. </a:t>
+            </a:r>
+          </a:p>
+          <a:p>
+            <a:endParaRPr lang="en-US" dirty="0">
+              <a:solidFill>
+                <a:srgbClr val="000000"/>
+              </a:solidFill>
+              <a:latin typeface="Verdana" panose="020B0604030504040204" pitchFamily="34" charset="0"/>
+            </a:endParaRPr>
+          </a:p>
+          <a:p>
+            <a:endParaRPr lang="en-US" dirty="0">
+              <a:solidFill>
+                <a:srgbClr val="000000"/>
+              </a:solidFill>
+              <a:latin typeface="Verdana" panose="020B0604030504040204" pitchFamily="34" charset="0"/>
+            </a:endParaRPr>
+          </a:p>
+          <a:p>
+            <a:r>
+              <a:rPr lang="en-US" dirty="0">
+                <a:solidFill>
+                  <a:srgbClr val="000000"/>
+                </a:solidFill>
+                <a:latin typeface="Verdana" panose="020B0604030504040204" pitchFamily="34" charset="0"/>
+              </a:rPr>
+              <a:t>The U.S. current national minimum wage is $7.25 per hour. Many states and cities have their own minimum wage. Employees receive whichever is higher, the federal or local minimum wage.</a:t>
+            </a:r>
+          </a:p>
+          <a:p>
+            <a:endParaRPr lang="en-US" dirty="0">
+              <a:solidFill>
+                <a:srgbClr val="000000"/>
+              </a:solidFill>
+              <a:latin typeface="Verdana" panose="020B0604030504040204" pitchFamily="34" charset="0"/>
+            </a:endParaRPr>
+          </a:p>
+          <a:p>
+            <a:endParaRPr lang="en-US" dirty="0">
+              <a:solidFill>
+                <a:srgbClr val="000000"/>
+              </a:solidFill>
+              <a:latin typeface="Verdana" panose="020B0604030504040204" pitchFamily="34" charset="0"/>
+            </a:endParaRPr>
+          </a:p>
+        </p:txBody>
+      </p:sp>
+      <p:pic>
+        <p:nvPicPr>
+          <p:cNvPr id="7" name="Picture 6" descr="Chart, line chart&#10;&#10;Description automatically generated">
+            <a:extLst>
+              <a:ext uri="{FF2B5EF4-FFF2-40B4-BE49-F238E27FC236}">
+                <a16:creationId xmlns:a16="http://schemas.microsoft.com/office/drawing/2014/main" id="{83E91FC8-1ED9-4094-B1D6-AEAA9AA88B42}"/>
+              </a:ext>
+            </a:extLst>
+          </p:cNvPr>
+          <p:cNvPicPr>
+            <a:picLocks noChangeAspect="1"/>
+          </p:cNvPicPr>
+          <p:nvPr/>
+        </p:nvPicPr>
+        <p:blipFill>
+          <a:blip r:embed="rId3"/>
+          <a:stretch>
+            <a:fillRect/>
+          </a:stretch>
+        </p:blipFill>
+        <p:spPr>
+          <a:xfrm>
+            <a:off x="235655" y="2981915"/>
+            <a:ext cx="4157563" cy="3206449"/>
+          </a:xfrm>
+          <a:prstGeom prst="rect">
+            <a:avLst/>
+          </a:prstGeom>
+        </p:spPr>
+      </p:pic>
     </p:spTree>
     <p:extLst>
       <p:ext uri="{BB962C8B-B14F-4D97-AF65-F5344CB8AC3E}">
-        <p14:creationId xmlns:p14="http://schemas.microsoft.com/office/powerpoint/2010/main" val="1885805844"/>
+        <p14:creationId xmlns:p14="http://schemas.microsoft.com/office/powerpoint/2010/main" val="971555765"/>
       </p:ext>
     </p:extLst>
   </p:cSld>
   <p:clrMapOvr>
-    <a:overrideClrMapping bg1="dk1" tx1="lt1" bg2="dk2" tx2="lt2" accent1="accent1" accent2="accent2" accent3="accent3" accent4="accent4" accent5="accent5" accent6="accent6" hlink="hlink" folHlink="folHlink"/>
+    <a:masterClrMapping/>
   </p:clrMapOvr>
 </p:sld>
 </file>
@@ -3925,471 +4342,6 @@
           <a:chExt cx="0" cy="0"/>
         </a:xfrm>
       </p:grpSpPr>
-      <p:sp>
-        <p:nvSpPr>
-          <p:cNvPr id="16" name="Rectangle 8">
-            <a:extLst>
-              <a:ext uri="{FF2B5EF4-FFF2-40B4-BE49-F238E27FC236}">
-                <a16:creationId xmlns:a16="http://schemas.microsoft.com/office/drawing/2014/main" id="{39E3965E-AC41-4711-9D10-E25ABB132D86}"/>
-              </a:ext>
-              <a:ext uri="{C183D7F6-B498-43B3-948B-1728B52AA6E4}">
-                <adec:decorative xmlns:adec="http://schemas.microsoft.com/office/drawing/2017/decorative" val="1"/>
-              </a:ext>
-            </a:extLst>
-          </p:cNvPr>
-          <p:cNvSpPr>
-            <a:spLocks noGrp="1" noRot="1" noChangeAspect="1" noMove="1" noResize="1" noEditPoints="1" noAdjustHandles="1" noChangeArrowheads="1" noChangeShapeType="1" noTextEdit="1"/>
-          </p:cNvSpPr>
-          <p:nvPr>
-            <p:extLst>
-              <p:ext uri="{386F3935-93C4-4BCD-93E2-E3B085C9AB24}">
-                <p16:designElem xmlns:p16="http://schemas.microsoft.com/office/powerpoint/2015/main" val="1"/>
-              </p:ext>
-            </p:extLst>
-          </p:nvPr>
-        </p:nvSpPr>
-        <p:spPr>
-          <a:xfrm>
-            <a:off x="3175" y="6400800"/>
-            <a:ext cx="12188825" cy="457200"/>
-          </a:xfrm>
-          <a:prstGeom prst="rect">
-            <a:avLst/>
-          </a:prstGeom>
-          <a:solidFill>
-            <a:srgbClr val="262626"/>
-          </a:solidFill>
-          <a:ln>
-            <a:noFill/>
-          </a:ln>
-        </p:spPr>
-        <p:style>
-          <a:lnRef idx="2">
-            <a:schemeClr val="accent1">
-              <a:shade val="50000"/>
-            </a:schemeClr>
-          </a:lnRef>
-          <a:fillRef idx="1">
-            <a:schemeClr val="accent1"/>
-          </a:fillRef>
-          <a:effectRef idx="0">
-            <a:schemeClr val="accent1"/>
-          </a:effectRef>
-          <a:fontRef idx="minor">
-            <a:schemeClr val="lt1"/>
-          </a:fontRef>
-        </p:style>
-      </p:sp>
-      <p:cxnSp>
-        <p:nvCxnSpPr>
-          <p:cNvPr id="18" name="Straight Connector 10">
-            <a:extLst>
-              <a:ext uri="{FF2B5EF4-FFF2-40B4-BE49-F238E27FC236}">
-                <a16:creationId xmlns:a16="http://schemas.microsoft.com/office/drawing/2014/main" id="{1F5DC8C3-BA5F-4EED-BB9A-A14272BD82A1}"/>
-              </a:ext>
-              <a:ext uri="{C183D7F6-B498-43B3-948B-1728B52AA6E4}">
-                <adec:decorative xmlns:adec="http://schemas.microsoft.com/office/drawing/2017/decorative" val="1"/>
-              </a:ext>
-            </a:extLst>
-          </p:cNvPr>
-          <p:cNvCxnSpPr>
-            <a:cxnSpLocks noGrp="1" noRot="1" noChangeAspect="1" noMove="1" noResize="1" noEditPoints="1" noAdjustHandles="1" noChangeArrowheads="1" noChangeShapeType="1"/>
-          </p:cNvCxnSpPr>
-          <p:nvPr>
-            <p:extLst>
-              <p:ext uri="{386F3935-93C4-4BCD-93E2-E3B085C9AB24}">
-                <p16:designElem xmlns:p16="http://schemas.microsoft.com/office/powerpoint/2015/main" val="1"/>
-              </p:ext>
-            </p:extLst>
-          </p:nvPr>
-        </p:nvCxnSpPr>
-        <p:spPr>
-          <a:xfrm>
-            <a:off x="1207658" y="4474741"/>
-            <a:ext cx="9875520" cy="0"/>
-          </a:xfrm>
-          <a:prstGeom prst="line">
-            <a:avLst/>
-          </a:prstGeom>
-          <a:ln w="12700">
-            <a:solidFill>
-              <a:schemeClr val="tx1">
-                <a:lumMod val="75000"/>
-                <a:lumOff val="25000"/>
-              </a:schemeClr>
-            </a:solidFill>
-          </a:ln>
-        </p:spPr>
-        <p:style>
-          <a:lnRef idx="1">
-            <a:schemeClr val="accent1"/>
-          </a:lnRef>
-          <a:fillRef idx="0">
-            <a:schemeClr val="accent1"/>
-          </a:fillRef>
-          <a:effectRef idx="0">
-            <a:schemeClr val="accent1"/>
-          </a:effectRef>
-          <a:fontRef idx="minor">
-            <a:schemeClr val="tx1"/>
-          </a:fontRef>
-        </p:style>
-      </p:cxnSp>
-      <p:sp useBgFill="1">
-        <p:nvSpPr>
-          <p:cNvPr id="19" name="Rectangle 12">
-            <a:extLst>
-              <a:ext uri="{FF2B5EF4-FFF2-40B4-BE49-F238E27FC236}">
-                <a16:creationId xmlns:a16="http://schemas.microsoft.com/office/drawing/2014/main" id="{B4D0E555-16F6-44D0-BF56-AF5FF5BDE9D6}"/>
-              </a:ext>
-              <a:ext uri="{C183D7F6-B498-43B3-948B-1728B52AA6E4}">
-                <adec:decorative xmlns:adec="http://schemas.microsoft.com/office/drawing/2017/decorative" val="1"/>
-              </a:ext>
-            </a:extLst>
-          </p:cNvPr>
-          <p:cNvSpPr>
-            <a:spLocks noGrp="1" noRot="1" noChangeAspect="1" noMove="1" noResize="1" noEditPoints="1" noAdjustHandles="1" noChangeArrowheads="1" noChangeShapeType="1" noTextEdit="1"/>
-          </p:cNvSpPr>
-          <p:nvPr>
-            <p:extLst>
-              <p:ext uri="{386F3935-93C4-4BCD-93E2-E3B085C9AB24}">
-                <p16:designElem xmlns:p16="http://schemas.microsoft.com/office/powerpoint/2015/main" val="1"/>
-              </p:ext>
-            </p:extLst>
-          </p:nvPr>
-        </p:nvSpPr>
-        <p:spPr>
-          <a:xfrm>
-            <a:off x="0" y="0"/>
-            <a:ext cx="12192000" cy="6858000"/>
-          </a:xfrm>
-          <a:prstGeom prst="rect">
-            <a:avLst/>
-          </a:prstGeom>
-          <a:ln>
-            <a:noFill/>
-          </a:ln>
-        </p:spPr>
-        <p:style>
-          <a:lnRef idx="2">
-            <a:schemeClr val="accent1">
-              <a:shade val="50000"/>
-            </a:schemeClr>
-          </a:lnRef>
-          <a:fillRef idx="1001">
-            <a:schemeClr val="lt1"/>
-          </a:fillRef>
-          <a:effectRef idx="0">
-            <a:schemeClr val="accent1"/>
-          </a:effectRef>
-          <a:fontRef idx="minor">
-            <a:schemeClr val="lt1"/>
-          </a:fontRef>
-        </p:style>
-        <p:txBody>
-          <a:bodyPr rtlCol="0" anchor="ctr"/>
-          <a:lstStyle/>
-          <a:p>
-            <a:pPr algn="ctr"/>
-            <a:endParaRPr lang="en-US"/>
-          </a:p>
-        </p:txBody>
-      </p:sp>
-      <p:sp>
-        <p:nvSpPr>
-          <p:cNvPr id="15" name="Rectangle 14">
-            <a:extLst>
-              <a:ext uri="{FF2B5EF4-FFF2-40B4-BE49-F238E27FC236}">
-                <a16:creationId xmlns:a16="http://schemas.microsoft.com/office/drawing/2014/main" id="{8117041D-1A7B-4ECA-AB68-3CFDB6726B8E}"/>
-              </a:ext>
-              <a:ext uri="{C183D7F6-B498-43B3-948B-1728B52AA6E4}">
-                <adec:decorative xmlns:adec="http://schemas.microsoft.com/office/drawing/2017/decorative" val="1"/>
-              </a:ext>
-            </a:extLst>
-          </p:cNvPr>
-          <p:cNvSpPr>
-            <a:spLocks noGrp="1" noRot="1" noChangeAspect="1" noMove="1" noResize="1" noEditPoints="1" noAdjustHandles="1" noChangeArrowheads="1" noChangeShapeType="1" noTextEdit="1"/>
-          </p:cNvSpPr>
-          <p:nvPr>
-            <p:extLst>
-              <p:ext uri="{386F3935-93C4-4BCD-93E2-E3B085C9AB24}">
-                <p16:designElem xmlns:p16="http://schemas.microsoft.com/office/powerpoint/2015/main" val="1"/>
-              </p:ext>
-            </p:extLst>
-          </p:nvPr>
-        </p:nvSpPr>
-        <p:spPr bwMode="white">
-          <a:xfrm>
-            <a:off x="-6220" y="0"/>
-            <a:ext cx="4641314" cy="6858000"/>
-          </a:xfrm>
-          <a:prstGeom prst="rect">
-            <a:avLst/>
-          </a:prstGeom>
-          <a:solidFill>
-            <a:srgbClr val="262626"/>
-          </a:solidFill>
-          <a:ln>
-            <a:noFill/>
-          </a:ln>
-        </p:spPr>
-        <p:style>
-          <a:lnRef idx="2">
-            <a:schemeClr val="accent1">
-              <a:shade val="50000"/>
-            </a:schemeClr>
-          </a:lnRef>
-          <a:fillRef idx="1">
-            <a:schemeClr val="accent1"/>
-          </a:fillRef>
-          <a:effectRef idx="0">
-            <a:schemeClr val="accent1"/>
-          </a:effectRef>
-          <a:fontRef idx="minor">
-            <a:schemeClr val="lt1"/>
-          </a:fontRef>
-        </p:style>
-      </p:sp>
-      <p:sp>
-        <p:nvSpPr>
-          <p:cNvPr id="2" name="Title 1">
-            <a:extLst>
-              <a:ext uri="{FF2B5EF4-FFF2-40B4-BE49-F238E27FC236}">
-                <a16:creationId xmlns:a16="http://schemas.microsoft.com/office/drawing/2014/main" id="{75AC86D3-8FD1-4F47-A319-7D0542E48B2F}"/>
-              </a:ext>
-            </a:extLst>
-          </p:cNvPr>
-          <p:cNvSpPr>
-            <a:spLocks noGrp="1"/>
-          </p:cNvSpPr>
-          <p:nvPr>
-            <p:ph type="title"/>
-          </p:nvPr>
-        </p:nvSpPr>
-        <p:spPr>
-          <a:xfrm>
-            <a:off x="435869" y="640080"/>
-            <a:ext cx="3659246" cy="2862699"/>
-          </a:xfrm>
-        </p:spPr>
-        <p:txBody>
-          <a:bodyPr vert="horz" lIns="91440" tIns="45720" rIns="91440" bIns="45720" rtlCol="0" anchor="b">
-            <a:noAutofit/>
-          </a:bodyPr>
-          <a:lstStyle/>
-          <a:p>
-            <a:pPr algn="ctr"/>
-            <a:r>
-              <a:rPr lang="en-US" sz="4800" dirty="0">
-                <a:solidFill>
-                  <a:srgbClr val="FFFFFF"/>
-                </a:solidFill>
-              </a:rPr>
-              <a:t>Minimum Wage in America</a:t>
-            </a:r>
-          </a:p>
-        </p:txBody>
-      </p:sp>
-      <p:cxnSp>
-        <p:nvCxnSpPr>
-          <p:cNvPr id="17" name="Straight Connector 16">
-            <a:extLst>
-              <a:ext uri="{FF2B5EF4-FFF2-40B4-BE49-F238E27FC236}">
-                <a16:creationId xmlns:a16="http://schemas.microsoft.com/office/drawing/2014/main" id="{ABCD2462-4C1E-401A-AC2D-F799A138B245}"/>
-              </a:ext>
-              <a:ext uri="{C183D7F6-B498-43B3-948B-1728B52AA6E4}">
-                <adec:decorative xmlns:adec="http://schemas.microsoft.com/office/drawing/2017/decorative" val="1"/>
-              </a:ext>
-            </a:extLst>
-          </p:cNvPr>
-          <p:cNvCxnSpPr>
-            <a:cxnSpLocks noGrp="1" noRot="1" noChangeAspect="1" noMove="1" noResize="1" noEditPoints="1" noAdjustHandles="1" noChangeArrowheads="1" noChangeShapeType="1"/>
-          </p:cNvCxnSpPr>
-          <p:nvPr>
-            <p:extLst>
-              <p:ext uri="{386F3935-93C4-4BCD-93E2-E3B085C9AB24}">
-                <p16:designElem xmlns:p16="http://schemas.microsoft.com/office/powerpoint/2015/main" val="1"/>
-              </p:ext>
-            </p:extLst>
-          </p:nvPr>
-        </p:nvCxnSpPr>
-        <p:spPr>
-          <a:xfrm>
-            <a:off x="573852" y="3663649"/>
-            <a:ext cx="3383280" cy="0"/>
-          </a:xfrm>
-          <a:prstGeom prst="line">
-            <a:avLst/>
-          </a:prstGeom>
-          <a:ln w="19050">
-            <a:solidFill>
-              <a:schemeClr val="accent1"/>
-            </a:solidFill>
-          </a:ln>
-        </p:spPr>
-        <p:style>
-          <a:lnRef idx="1">
-            <a:schemeClr val="accent1"/>
-          </a:lnRef>
-          <a:fillRef idx="0">
-            <a:schemeClr val="accent1"/>
-          </a:fillRef>
-          <a:effectRef idx="0">
-            <a:schemeClr val="accent1"/>
-          </a:effectRef>
-          <a:fontRef idx="minor">
-            <a:schemeClr val="tx1"/>
-          </a:fontRef>
-        </p:style>
-      </p:cxnSp>
-      <p:sp>
-        <p:nvSpPr>
-          <p:cNvPr id="6" name="TextBox 5">
-            <a:extLst>
-              <a:ext uri="{FF2B5EF4-FFF2-40B4-BE49-F238E27FC236}">
-                <a16:creationId xmlns:a16="http://schemas.microsoft.com/office/drawing/2014/main" id="{8B2378F9-B171-4CD5-BB5F-F898666FB4BB}"/>
-              </a:ext>
-            </a:extLst>
-          </p:cNvPr>
-          <p:cNvSpPr txBox="1"/>
-          <p:nvPr/>
-        </p:nvSpPr>
-        <p:spPr>
-          <a:xfrm>
-            <a:off x="5680667" y="474345"/>
-            <a:ext cx="5402511" cy="5909310"/>
-          </a:xfrm>
-          <a:prstGeom prst="rect">
-            <a:avLst/>
-          </a:prstGeom>
-          <a:noFill/>
-        </p:spPr>
-        <p:txBody>
-          <a:bodyPr wrap="square" rtlCol="0">
-            <a:spAutoFit/>
-          </a:bodyPr>
-          <a:lstStyle/>
-          <a:p>
-            <a:r>
-              <a:rPr lang="en-US" dirty="0">
-                <a:solidFill>
-                  <a:srgbClr val="000000"/>
-                </a:solidFill>
-                <a:latin typeface="Verdana" panose="020B0604030504040204" pitchFamily="34" charset="0"/>
-              </a:rPr>
-              <a:t>Minimum wage was established in 1938 under the Fair Labor Standard Act, which established a federal minimum wage of 25 cents per hour. The bill was signed into law by President Roosevelt as part of the New Deal to protect workers during the Great Depression. </a:t>
-            </a:r>
-          </a:p>
-          <a:p>
-            <a:endParaRPr lang="en-US" dirty="0">
-              <a:solidFill>
-                <a:srgbClr val="000000"/>
-              </a:solidFill>
-              <a:latin typeface="Verdana" panose="020B0604030504040204" pitchFamily="34" charset="0"/>
-            </a:endParaRPr>
-          </a:p>
-          <a:p>
-            <a:endParaRPr lang="en-US" dirty="0">
-              <a:solidFill>
-                <a:srgbClr val="000000"/>
-              </a:solidFill>
-              <a:latin typeface="Verdana" panose="020B0604030504040204" pitchFamily="34" charset="0"/>
-            </a:endParaRPr>
-          </a:p>
-          <a:p>
-            <a:r>
-              <a:rPr lang="en-US" dirty="0">
-                <a:solidFill>
-                  <a:srgbClr val="000000"/>
-                </a:solidFill>
-                <a:latin typeface="Verdana" panose="020B0604030504040204" pitchFamily="34" charset="0"/>
-              </a:rPr>
-              <a:t>The purpose of the minimum wage is to provide a base pay rate for employees and protect workers against unduly low pay. </a:t>
-            </a:r>
-          </a:p>
-          <a:p>
-            <a:endParaRPr lang="en-US" dirty="0">
-              <a:solidFill>
-                <a:srgbClr val="000000"/>
-              </a:solidFill>
-              <a:latin typeface="Verdana" panose="020B0604030504040204" pitchFamily="34" charset="0"/>
-            </a:endParaRPr>
-          </a:p>
-          <a:p>
-            <a:endParaRPr lang="en-US" dirty="0">
-              <a:solidFill>
-                <a:srgbClr val="000000"/>
-              </a:solidFill>
-              <a:latin typeface="Verdana" panose="020B0604030504040204" pitchFamily="34" charset="0"/>
-            </a:endParaRPr>
-          </a:p>
-          <a:p>
-            <a:r>
-              <a:rPr lang="en-US" dirty="0">
-                <a:solidFill>
-                  <a:srgbClr val="000000"/>
-                </a:solidFill>
-                <a:latin typeface="Verdana" panose="020B0604030504040204" pitchFamily="34" charset="0"/>
-              </a:rPr>
-              <a:t>The U.S. current national minimum wage is $7.25 per hour. Many states and cities have their own minimum wage. Employees receive whichever is higher, the federal or local minimum wage.</a:t>
-            </a:r>
-          </a:p>
-          <a:p>
-            <a:endParaRPr lang="en-US" dirty="0">
-              <a:solidFill>
-                <a:srgbClr val="000000"/>
-              </a:solidFill>
-              <a:latin typeface="Verdana" panose="020B0604030504040204" pitchFamily="34" charset="0"/>
-            </a:endParaRPr>
-          </a:p>
-          <a:p>
-            <a:endParaRPr lang="en-US" dirty="0">
-              <a:solidFill>
-                <a:srgbClr val="000000"/>
-              </a:solidFill>
-              <a:latin typeface="Verdana" panose="020B0604030504040204" pitchFamily="34" charset="0"/>
-            </a:endParaRPr>
-          </a:p>
-        </p:txBody>
-      </p:sp>
-    </p:spTree>
-    <p:extLst>
-      <p:ext uri="{BB962C8B-B14F-4D97-AF65-F5344CB8AC3E}">
-        <p14:creationId xmlns:p14="http://schemas.microsoft.com/office/powerpoint/2010/main" val="971555765"/>
-      </p:ext>
-    </p:extLst>
-  </p:cSld>
-  <p:clrMapOvr>
-    <a:masterClrMapping/>
-  </p:clrMapOvr>
-</p:sld>
-</file>
-
-<file path=ppt/slides/slide4.xml><?xml version="1.0" encoding="utf-8"?>
-<p:sld xmlns:a="http://schemas.openxmlformats.org/drawingml/2006/main" xmlns:r="http://schemas.openxmlformats.org/officeDocument/2006/relationships" xmlns:p="http://schemas.openxmlformats.org/presentationml/2006/main">
-  <p:cSld>
-    <p:bg>
-      <p:bgPr>
-        <a:solidFill>
-          <a:schemeClr val="bg1"/>
-        </a:solidFill>
-        <a:effectLst/>
-      </p:bgPr>
-    </p:bg>
-    <p:spTree>
-      <p:nvGrpSpPr>
-        <p:cNvPr id="1" name=""/>
-        <p:cNvGrpSpPr/>
-        <p:nvPr/>
-      </p:nvGrpSpPr>
-      <p:grpSpPr>
-        <a:xfrm>
-          <a:off x="0" y="0"/>
-          <a:ext cx="0" cy="0"/>
-          <a:chOff x="0" y="0"/>
-          <a:chExt cx="0" cy="0"/>
-        </a:xfrm>
-      </p:grpSpPr>
       <p:sp useBgFill="1">
         <p:nvSpPr>
           <p:cNvPr id="24" name="Rectangle 23">
@@ -4679,7 +4631,7 @@
 </p:sld>
 </file>
 
-<file path=ppt/slides/slide5.xml><?xml version="1.0" encoding="utf-8"?>
+<file path=ppt/slides/slide4.xml><?xml version="1.0" encoding="utf-8"?>
 <p:sld xmlns:a="http://schemas.openxmlformats.org/drawingml/2006/main" xmlns:r="http://schemas.openxmlformats.org/officeDocument/2006/relationships" xmlns:p="http://schemas.openxmlformats.org/presentationml/2006/main">
   <p:cSld>
     <p:bg>
@@ -5122,6 +5074,387 @@
 </p:sld>
 </file>
 
+<file path=ppt/slides/slide5.xml><?xml version="1.0" encoding="utf-8"?>
+<p:sld xmlns:a="http://schemas.openxmlformats.org/drawingml/2006/main" xmlns:r="http://schemas.openxmlformats.org/officeDocument/2006/relationships" xmlns:p="http://schemas.openxmlformats.org/presentationml/2006/main">
+  <p:cSld>
+    <p:bg>
+      <p:bgPr>
+        <a:solidFill>
+          <a:schemeClr val="bg1"/>
+        </a:solidFill>
+        <a:effectLst/>
+      </p:bgPr>
+    </p:bg>
+    <p:spTree>
+      <p:nvGrpSpPr>
+        <p:cNvPr id="1" name=""/>
+        <p:cNvGrpSpPr/>
+        <p:nvPr/>
+      </p:nvGrpSpPr>
+      <p:grpSpPr>
+        <a:xfrm>
+          <a:off x="0" y="0"/>
+          <a:ext cx="0" cy="0"/>
+          <a:chOff x="0" y="0"/>
+          <a:chExt cx="0" cy="0"/>
+        </a:xfrm>
+      </p:grpSpPr>
+      <p:sp>
+        <p:nvSpPr>
+          <p:cNvPr id="35" name="Rectangle 34">
+            <a:extLst>
+              <a:ext uri="{FF2B5EF4-FFF2-40B4-BE49-F238E27FC236}">
+                <a16:creationId xmlns:a16="http://schemas.microsoft.com/office/drawing/2014/main" id="{416A0E3C-60E6-4F39-BC55-5F7C224E1F7C}"/>
+              </a:ext>
+              <a:ext uri="{C183D7F6-B498-43B3-948B-1728B52AA6E4}">
+                <adec:decorative xmlns:adec="http://schemas.microsoft.com/office/drawing/2017/decorative" val="1"/>
+              </a:ext>
+            </a:extLst>
+          </p:cNvPr>
+          <p:cNvSpPr>
+            <a:spLocks noGrp="1" noRot="1" noChangeAspect="1" noMove="1" noResize="1" noEditPoints="1" noAdjustHandles="1" noChangeArrowheads="1" noChangeShapeType="1" noTextEdit="1"/>
+          </p:cNvSpPr>
+          <p:nvPr>
+            <p:extLst>
+              <p:ext uri="{386F3935-93C4-4BCD-93E2-E3B085C9AB24}">
+                <p16:designElem xmlns:p16="http://schemas.microsoft.com/office/powerpoint/2015/main" val="1"/>
+              </p:ext>
+            </p:extLst>
+          </p:nvPr>
+        </p:nvSpPr>
+        <p:spPr>
+          <a:xfrm>
+            <a:off x="3175" y="6400800"/>
+            <a:ext cx="12188825" cy="457200"/>
+          </a:xfrm>
+          <a:prstGeom prst="rect">
+            <a:avLst/>
+          </a:prstGeom>
+          <a:solidFill>
+            <a:srgbClr val="262626"/>
+          </a:solidFill>
+          <a:ln>
+            <a:noFill/>
+          </a:ln>
+        </p:spPr>
+        <p:style>
+          <a:lnRef idx="2">
+            <a:schemeClr val="accent1">
+              <a:shade val="50000"/>
+            </a:schemeClr>
+          </a:lnRef>
+          <a:fillRef idx="1">
+            <a:schemeClr val="accent1"/>
+          </a:fillRef>
+          <a:effectRef idx="0">
+            <a:schemeClr val="accent1"/>
+          </a:effectRef>
+          <a:fontRef idx="minor">
+            <a:schemeClr val="lt1"/>
+          </a:fontRef>
+        </p:style>
+      </p:sp>
+      <p:cxnSp>
+        <p:nvCxnSpPr>
+          <p:cNvPr id="37" name="Straight Connector 36">
+            <a:extLst>
+              <a:ext uri="{FF2B5EF4-FFF2-40B4-BE49-F238E27FC236}">
+                <a16:creationId xmlns:a16="http://schemas.microsoft.com/office/drawing/2014/main" id="{C5025DAC-8B93-4160-B017-3A274A5828C0}"/>
+              </a:ext>
+              <a:ext uri="{C183D7F6-B498-43B3-948B-1728B52AA6E4}">
+                <adec:decorative xmlns:adec="http://schemas.microsoft.com/office/drawing/2017/decorative" val="1"/>
+              </a:ext>
+            </a:extLst>
+          </p:cNvPr>
+          <p:cNvCxnSpPr>
+            <a:cxnSpLocks noGrp="1" noRot="1" noChangeAspect="1" noMove="1" noResize="1" noEditPoints="1" noAdjustHandles="1" noChangeArrowheads="1" noChangeShapeType="1"/>
+          </p:cNvCxnSpPr>
+          <p:nvPr>
+            <p:extLst>
+              <p:ext uri="{386F3935-93C4-4BCD-93E2-E3B085C9AB24}">
+                <p16:designElem xmlns:p16="http://schemas.microsoft.com/office/powerpoint/2015/main" val="1"/>
+              </p:ext>
+            </p:extLst>
+          </p:nvPr>
+        </p:nvCxnSpPr>
+        <p:spPr>
+          <a:xfrm>
+            <a:off x="1193532" y="1897380"/>
+            <a:ext cx="9966960" cy="0"/>
+          </a:xfrm>
+          <a:prstGeom prst="line">
+            <a:avLst/>
+          </a:prstGeom>
+          <a:ln w="12700">
+            <a:solidFill>
+              <a:schemeClr val="tx1">
+                <a:lumMod val="75000"/>
+                <a:lumOff val="25000"/>
+              </a:schemeClr>
+            </a:solidFill>
+          </a:ln>
+        </p:spPr>
+        <p:style>
+          <a:lnRef idx="1">
+            <a:schemeClr val="accent1"/>
+          </a:lnRef>
+          <a:fillRef idx="0">
+            <a:schemeClr val="accent1"/>
+          </a:fillRef>
+          <a:effectRef idx="0">
+            <a:schemeClr val="accent1"/>
+          </a:effectRef>
+          <a:fontRef idx="minor">
+            <a:schemeClr val="tx1"/>
+          </a:fontRef>
+        </p:style>
+      </p:cxnSp>
+      <p:sp useBgFill="1">
+        <p:nvSpPr>
+          <p:cNvPr id="39" name="Rectangle 38">
+            <a:extLst>
+              <a:ext uri="{FF2B5EF4-FFF2-40B4-BE49-F238E27FC236}">
+                <a16:creationId xmlns:a16="http://schemas.microsoft.com/office/drawing/2014/main" id="{990D0034-F768-41E7-85D4-F38C4DE85770}"/>
+              </a:ext>
+              <a:ext uri="{C183D7F6-B498-43B3-948B-1728B52AA6E4}">
+                <adec:decorative xmlns:adec="http://schemas.microsoft.com/office/drawing/2017/decorative" val="1"/>
+              </a:ext>
+            </a:extLst>
+          </p:cNvPr>
+          <p:cNvSpPr>
+            <a:spLocks noGrp="1" noRot="1" noChangeAspect="1" noMove="1" noResize="1" noEditPoints="1" noAdjustHandles="1" noChangeArrowheads="1" noChangeShapeType="1" noTextEdit="1"/>
+          </p:cNvSpPr>
+          <p:nvPr>
+            <p:extLst>
+              <p:ext uri="{386F3935-93C4-4BCD-93E2-E3B085C9AB24}">
+                <p16:designElem xmlns:p16="http://schemas.microsoft.com/office/powerpoint/2015/main" val="1"/>
+              </p:ext>
+            </p:extLst>
+          </p:nvPr>
+        </p:nvSpPr>
+        <p:spPr>
+          <a:xfrm>
+            <a:off x="0" y="0"/>
+            <a:ext cx="12186315" cy="6858000"/>
+          </a:xfrm>
+          <a:prstGeom prst="rect">
+            <a:avLst/>
+          </a:prstGeom>
+          <a:ln>
+            <a:noFill/>
+          </a:ln>
+        </p:spPr>
+        <p:style>
+          <a:lnRef idx="2">
+            <a:schemeClr val="accent6">
+              <a:shade val="50000"/>
+            </a:schemeClr>
+          </a:lnRef>
+          <a:fillRef idx="1001">
+            <a:schemeClr val="lt1"/>
+          </a:fillRef>
+          <a:effectRef idx="0">
+            <a:schemeClr val="accent6"/>
+          </a:effectRef>
+          <a:fontRef idx="minor">
+            <a:schemeClr val="lt1"/>
+          </a:fontRef>
+        </p:style>
+        <p:txBody>
+          <a:bodyPr rtlCol="0" anchor="ctr"/>
+          <a:lstStyle/>
+          <a:p>
+            <a:pPr algn="ctr"/>
+            <a:endParaRPr lang="en-US"/>
+          </a:p>
+        </p:txBody>
+      </p:sp>
+      <p:cxnSp>
+        <p:nvCxnSpPr>
+          <p:cNvPr id="41" name="Straight Connector 40">
+            <a:extLst>
+              <a:ext uri="{FF2B5EF4-FFF2-40B4-BE49-F238E27FC236}">
+                <a16:creationId xmlns:a16="http://schemas.microsoft.com/office/drawing/2014/main" id="{5A0A5CF6-407C-4691-8122-49DF69D0020D}"/>
+              </a:ext>
+              <a:ext uri="{C183D7F6-B498-43B3-948B-1728B52AA6E4}">
+                <adec:decorative xmlns:adec="http://schemas.microsoft.com/office/drawing/2017/decorative" val="1"/>
+              </a:ext>
+            </a:extLst>
+          </p:cNvPr>
+          <p:cNvCxnSpPr>
+            <a:cxnSpLocks noGrp="1" noRot="1" noChangeAspect="1" noMove="1" noResize="1" noEditPoints="1" noAdjustHandles="1" noChangeArrowheads="1" noChangeShapeType="1"/>
+          </p:cNvCxnSpPr>
+          <p:nvPr>
+            <p:extLst>
+              <p:ext uri="{386F3935-93C4-4BCD-93E2-E3B085C9AB24}">
+                <p16:designElem xmlns:p16="http://schemas.microsoft.com/office/powerpoint/2015/main" val="1"/>
+              </p:ext>
+            </p:extLst>
+          </p:nvPr>
+        </p:nvCxnSpPr>
+        <p:spPr>
+          <a:xfrm>
+            <a:off x="590927" y="2633962"/>
+            <a:ext cx="2834640" cy="0"/>
+          </a:xfrm>
+          <a:prstGeom prst="line">
+            <a:avLst/>
+          </a:prstGeom>
+          <a:ln w="12700">
+            <a:solidFill>
+              <a:schemeClr val="tx1">
+                <a:lumMod val="75000"/>
+                <a:lumOff val="25000"/>
+              </a:schemeClr>
+            </a:solidFill>
+          </a:ln>
+        </p:spPr>
+        <p:style>
+          <a:lnRef idx="1">
+            <a:schemeClr val="accent1"/>
+          </a:lnRef>
+          <a:fillRef idx="0">
+            <a:schemeClr val="accent1"/>
+          </a:fillRef>
+          <a:effectRef idx="0">
+            <a:schemeClr val="accent1"/>
+          </a:effectRef>
+          <a:fontRef idx="minor">
+            <a:schemeClr val="tx1"/>
+          </a:fontRef>
+        </p:style>
+      </p:cxnSp>
+      <p:pic>
+        <p:nvPicPr>
+          <p:cNvPr id="6" name="Content Placeholder 13" descr="Chart, histogram&#10;&#10;Description automatically generated">
+            <a:extLst>
+              <a:ext uri="{FF2B5EF4-FFF2-40B4-BE49-F238E27FC236}">
+                <a16:creationId xmlns:a16="http://schemas.microsoft.com/office/drawing/2014/main" id="{41B0B022-3881-4796-9666-F55523CE043E}"/>
+              </a:ext>
+            </a:extLst>
+          </p:cNvPr>
+          <p:cNvPicPr>
+            <a:picLocks noGrp="1" noChangeAspect="1"/>
+          </p:cNvPicPr>
+          <p:nvPr>
+            <p:ph idx="1"/>
+          </p:nvPr>
+        </p:nvPicPr>
+        <p:blipFill rotWithShape="1">
+          <a:blip r:embed="rId2"/>
+          <a:srcRect l="11861"/>
+          <a:stretch/>
+        </p:blipFill>
+        <p:spPr>
+          <a:xfrm>
+            <a:off x="6544718" y="0"/>
+            <a:ext cx="5641597" cy="6400794"/>
+          </a:xfrm>
+          <a:prstGeom prst="rect">
+            <a:avLst/>
+          </a:prstGeom>
+        </p:spPr>
+      </p:pic>
+      <p:sp>
+        <p:nvSpPr>
+          <p:cNvPr id="43" name="Rectangle 42">
+            <a:extLst>
+              <a:ext uri="{FF2B5EF4-FFF2-40B4-BE49-F238E27FC236}">
+                <a16:creationId xmlns:a16="http://schemas.microsoft.com/office/drawing/2014/main" id="{7A3E0404-86A9-40FA-8DB8-302414EE2D9E}"/>
+              </a:ext>
+              <a:ext uri="{C183D7F6-B498-43B3-948B-1728B52AA6E4}">
+                <adec:decorative xmlns:adec="http://schemas.microsoft.com/office/drawing/2017/decorative" val="1"/>
+              </a:ext>
+            </a:extLst>
+          </p:cNvPr>
+          <p:cNvSpPr>
+            <a:spLocks noGrp="1" noRot="1" noChangeAspect="1" noMove="1" noResize="1" noEditPoints="1" noAdjustHandles="1" noChangeArrowheads="1" noChangeShapeType="1" noTextEdit="1"/>
+          </p:cNvSpPr>
+          <p:nvPr>
+            <p:extLst>
+              <p:ext uri="{386F3935-93C4-4BCD-93E2-E3B085C9AB24}">
+                <p16:designElem xmlns:p16="http://schemas.microsoft.com/office/powerpoint/2015/main" val="1"/>
+              </p:ext>
+            </p:extLst>
+          </p:nvPr>
+        </p:nvSpPr>
+        <p:spPr>
+          <a:xfrm>
+            <a:off x="1" y="6400800"/>
+            <a:ext cx="12192000" cy="457200"/>
+          </a:xfrm>
+          <a:prstGeom prst="rect">
+            <a:avLst/>
+          </a:prstGeom>
+          <a:solidFill>
+            <a:srgbClr val="262626">
+              <a:alpha val="95000"/>
+            </a:srgbClr>
+          </a:solidFill>
+          <a:ln>
+            <a:noFill/>
+          </a:ln>
+        </p:spPr>
+        <p:style>
+          <a:lnRef idx="2">
+            <a:schemeClr val="accent1">
+              <a:shade val="50000"/>
+            </a:schemeClr>
+          </a:lnRef>
+          <a:fillRef idx="1">
+            <a:schemeClr val="accent1"/>
+          </a:fillRef>
+          <a:effectRef idx="0">
+            <a:schemeClr val="accent1"/>
+          </a:effectRef>
+          <a:fontRef idx="minor">
+            <a:schemeClr val="lt1"/>
+          </a:fontRef>
+        </p:style>
+      </p:sp>
+      <p:pic>
+        <p:nvPicPr>
+          <p:cNvPr id="12" name="Picture 11" descr="Chart, line chart&#10;&#10;Description automatically generated">
+            <a:extLst>
+              <a:ext uri="{FF2B5EF4-FFF2-40B4-BE49-F238E27FC236}">
+                <a16:creationId xmlns:a16="http://schemas.microsoft.com/office/drawing/2014/main" id="{56C039EA-81E5-4ADD-92D6-49A729E49809}"/>
+              </a:ext>
+            </a:extLst>
+          </p:cNvPr>
+          <p:cNvPicPr>
+            <a:picLocks noChangeAspect="1"/>
+          </p:cNvPicPr>
+          <p:nvPr/>
+        </p:nvPicPr>
+        <p:blipFill>
+          <a:blip r:embed="rId3"/>
+          <a:stretch>
+            <a:fillRect/>
+          </a:stretch>
+        </p:blipFill>
+        <p:spPr>
+          <a:xfrm>
+            <a:off x="0" y="822037"/>
+            <a:ext cx="6233356" cy="4887624"/>
+          </a:xfrm>
+          <a:prstGeom prst="rect">
+            <a:avLst/>
+          </a:prstGeom>
+        </p:spPr>
+      </p:pic>
+    </p:spTree>
+    <p:extLst>
+      <p:ext uri="{BB962C8B-B14F-4D97-AF65-F5344CB8AC3E}">
+        <p14:creationId xmlns:p14="http://schemas.microsoft.com/office/powerpoint/2010/main" val="3777247076"/>
+      </p:ext>
+    </p:extLst>
+  </p:cSld>
+  <p:clrMapOvr>
+    <a:masterClrMapping/>
+  </p:clrMapOvr>
+</p:sld>
+</file>
+
 <file path=ppt/slides/slide6.xml><?xml version="1.0" encoding="utf-8"?>
 <p:sld xmlns:a="http://schemas.openxmlformats.org/drawingml/2006/main" xmlns:r="http://schemas.openxmlformats.org/officeDocument/2006/relationships" xmlns:p="http://schemas.openxmlformats.org/presentationml/2006/main">
   <p:cSld>
@@ -5147,57 +5480,12 @@
           <a:chExt cx="0" cy="0"/>
         </a:xfrm>
       </p:grpSpPr>
-      <p:pic>
-        <p:nvPicPr>
-          <p:cNvPr id="3078" name="Picture 6" descr="5 Questions the Most Interesting People Will Always Ask in Conversations |  Inc.com">
-            <a:extLst>
-              <a:ext uri="{FF2B5EF4-FFF2-40B4-BE49-F238E27FC236}">
-                <a16:creationId xmlns:a16="http://schemas.microsoft.com/office/drawing/2014/main" id="{8B91B1CE-4314-4F1D-8AB2-C3BCBFFE6F2A}"/>
-              </a:ext>
-            </a:extLst>
-          </p:cNvPr>
-          <p:cNvPicPr>
-            <a:picLocks noChangeAspect="1" noChangeArrowheads="1"/>
-          </p:cNvPicPr>
-          <p:nvPr/>
-        </p:nvPicPr>
-        <p:blipFill rotWithShape="1">
-          <a:blip r:embed="rId2">
-            <a:extLst>
-              <a:ext uri="{28A0092B-C50C-407E-A947-70E740481C1C}">
-                <a14:useLocalDpi xmlns:a14="http://schemas.microsoft.com/office/drawing/2010/main" val="0"/>
-              </a:ext>
-            </a:extLst>
-          </a:blip>
-          <a:srcRect/>
-          <a:stretch/>
-        </p:blipFill>
-        <p:spPr bwMode="auto">
-          <a:xfrm>
-            <a:off x="0" y="0"/>
-            <a:ext cx="12192000" cy="6858000"/>
-          </a:xfrm>
-          <a:prstGeom prst="rect">
-            <a:avLst/>
-          </a:prstGeom>
-          <a:noFill/>
-          <a:extLst>
-            <a:ext uri="{909E8E84-426E-40DD-AFC4-6F175D3DCCD1}">
-              <a14:hiddenFill xmlns:a14="http://schemas.microsoft.com/office/drawing/2010/main">
-                <a:solidFill>
-                  <a:srgbClr val="FFFFFF"/>
-                </a:solidFill>
-              </a14:hiddenFill>
-            </a:ext>
-          </a:extLst>
-        </p:spPr>
-      </p:pic>
-      <p:sp>
-        <p:nvSpPr>
-          <p:cNvPr id="75" name="Rectangle 74">
-            <a:extLst>
-              <a:ext uri="{FF2B5EF4-FFF2-40B4-BE49-F238E27FC236}">
-                <a16:creationId xmlns:a16="http://schemas.microsoft.com/office/drawing/2014/main" id="{8DA9D5E3-3A22-4873-81C8-59749E2165B5}"/>
+      <p:sp>
+        <p:nvSpPr>
+          <p:cNvPr id="24" name="Rectangle 23">
+            <a:extLst>
+              <a:ext uri="{FF2B5EF4-FFF2-40B4-BE49-F238E27FC236}">
+                <a16:creationId xmlns:a16="http://schemas.microsoft.com/office/drawing/2014/main" id="{416A0E3C-60E6-4F39-BC55-5F7C224E1F7C}"/>
               </a:ext>
               <a:ext uri="{C183D7F6-B498-43B3-948B-1728B52AA6E4}">
                 <adec:decorative xmlns:adec="http://schemas.microsoft.com/office/drawing/2017/decorative" val="1"/>
@@ -5247,84 +5535,925 @@
           </a:fontRef>
         </p:style>
       </p:sp>
-      <p:sp>
-        <p:nvSpPr>
-          <p:cNvPr id="2" name="TextBox 1">
-            <a:extLst>
-              <a:ext uri="{FF2B5EF4-FFF2-40B4-BE49-F238E27FC236}">
-                <a16:creationId xmlns:a16="http://schemas.microsoft.com/office/drawing/2014/main" id="{D7AE5DB4-1C44-4883-A4E1-04093ED18438}"/>
-              </a:ext>
-            </a:extLst>
-          </p:cNvPr>
-          <p:cNvSpPr txBox="1"/>
-          <p:nvPr/>
-        </p:nvSpPr>
-        <p:spPr>
-          <a:xfrm>
-            <a:off x="2835479" y="3343013"/>
-            <a:ext cx="2877424" cy="707886"/>
+      <p:cxnSp>
+        <p:nvCxnSpPr>
+          <p:cNvPr id="26" name="Straight Connector 25">
+            <a:extLst>
+              <a:ext uri="{FF2B5EF4-FFF2-40B4-BE49-F238E27FC236}">
+                <a16:creationId xmlns:a16="http://schemas.microsoft.com/office/drawing/2014/main" id="{C5025DAC-8B93-4160-B017-3A274A5828C0}"/>
+              </a:ext>
+              <a:ext uri="{C183D7F6-B498-43B3-948B-1728B52AA6E4}">
+                <adec:decorative xmlns:adec="http://schemas.microsoft.com/office/drawing/2017/decorative" val="1"/>
+              </a:ext>
+            </a:extLst>
+          </p:cNvPr>
+          <p:cNvCxnSpPr>
+            <a:cxnSpLocks noGrp="1" noRot="1" noChangeAspect="1" noMove="1" noResize="1" noEditPoints="1" noAdjustHandles="1" noChangeArrowheads="1" noChangeShapeType="1"/>
+          </p:cNvCxnSpPr>
+          <p:nvPr>
+            <p:extLst>
+              <p:ext uri="{386F3935-93C4-4BCD-93E2-E3B085C9AB24}">
+                <p16:designElem xmlns:p16="http://schemas.microsoft.com/office/powerpoint/2015/main" val="1"/>
+              </p:ext>
+            </p:extLst>
+          </p:nvPr>
+        </p:nvCxnSpPr>
+        <p:spPr>
+          <a:xfrm>
+            <a:off x="1193532" y="1897380"/>
+            <a:ext cx="9966960" cy="0"/>
+          </a:xfrm>
+          <a:prstGeom prst="line">
+            <a:avLst/>
+          </a:prstGeom>
+          <a:ln w="12700">
+            <a:solidFill>
+              <a:schemeClr val="tx1">
+                <a:lumMod val="75000"/>
+                <a:lumOff val="25000"/>
+              </a:schemeClr>
+            </a:solidFill>
+          </a:ln>
+        </p:spPr>
+        <p:style>
+          <a:lnRef idx="1">
+            <a:schemeClr val="accent1"/>
+          </a:lnRef>
+          <a:fillRef idx="0">
+            <a:schemeClr val="accent1"/>
+          </a:fillRef>
+          <a:effectRef idx="0">
+            <a:schemeClr val="accent1"/>
+          </a:effectRef>
+          <a:fontRef idx="minor">
+            <a:schemeClr val="tx1"/>
+          </a:fontRef>
+        </p:style>
+      </p:cxnSp>
+      <p:sp useBgFill="1">
+        <p:nvSpPr>
+          <p:cNvPr id="28" name="Rectangle 27">
+            <a:extLst>
+              <a:ext uri="{FF2B5EF4-FFF2-40B4-BE49-F238E27FC236}">
+                <a16:creationId xmlns:a16="http://schemas.microsoft.com/office/drawing/2014/main" id="{F64BBAA4-C62B-4146-B49F-FE4CC4655EE0}"/>
+              </a:ext>
+              <a:ext uri="{C183D7F6-B498-43B3-948B-1728B52AA6E4}">
+                <adec:decorative xmlns:adec="http://schemas.microsoft.com/office/drawing/2017/decorative" val="1"/>
+              </a:ext>
+            </a:extLst>
+          </p:cNvPr>
+          <p:cNvSpPr>
+            <a:spLocks noGrp="1" noRot="1" noChangeAspect="1" noMove="1" noResize="1" noEditPoints="1" noAdjustHandles="1" noChangeArrowheads="1" noChangeShapeType="1" noTextEdit="1"/>
+          </p:cNvSpPr>
+          <p:nvPr>
+            <p:extLst>
+              <p:ext uri="{386F3935-93C4-4BCD-93E2-E3B085C9AB24}">
+                <p16:designElem xmlns:p16="http://schemas.microsoft.com/office/powerpoint/2015/main" val="1"/>
+              </p:ext>
+            </p:extLst>
+          </p:nvPr>
+        </p:nvSpPr>
+        <p:spPr>
+          <a:xfrm>
+            <a:off x="0" y="0"/>
+            <a:ext cx="12192001" cy="6858000"/>
           </a:xfrm>
           <a:prstGeom prst="rect">
             <a:avLst/>
           </a:prstGeom>
-          <a:noFill/>
-        </p:spPr>
+          <a:ln>
+            <a:noFill/>
+          </a:ln>
+        </p:spPr>
+        <p:style>
+          <a:lnRef idx="2">
+            <a:schemeClr val="accent1">
+              <a:shade val="50000"/>
+            </a:schemeClr>
+          </a:lnRef>
+          <a:fillRef idx="1">
+            <a:schemeClr val="accent1"/>
+          </a:fillRef>
+          <a:effectRef idx="0">
+            <a:schemeClr val="accent1"/>
+          </a:effectRef>
+          <a:fontRef idx="minor">
+            <a:schemeClr val="lt1"/>
+          </a:fontRef>
+        </p:style>
         <p:txBody>
-          <a:bodyPr wrap="square" rtlCol="0">
-            <a:spAutoFit/>
-          </a:bodyPr>
+          <a:bodyPr rtlCol="0" anchor="ctr"/>
           <a:lstStyle/>
           <a:p>
-            <a:r>
-              <a:rPr lang="en-US" sz="4000" b="1" dirty="0">
-                <a:latin typeface="+mj-lt"/>
-              </a:rPr>
-              <a:t>Questions</a:t>
-            </a:r>
+            <a:pPr algn="ctr"/>
+            <a:endParaRPr lang="en-US"/>
           </a:p>
         </p:txBody>
       </p:sp>
-      <p:sp>
-        <p:nvSpPr>
-          <p:cNvPr id="3" name="TextBox 2">
-            <a:extLst>
-              <a:ext uri="{FF2B5EF4-FFF2-40B4-BE49-F238E27FC236}">
-                <a16:creationId xmlns:a16="http://schemas.microsoft.com/office/drawing/2014/main" id="{83D0A8C5-2C78-42B3-B2A0-2272562C59CC}"/>
-              </a:ext>
-            </a:extLst>
-          </p:cNvPr>
-          <p:cNvSpPr txBox="1"/>
-          <p:nvPr/>
-        </p:nvSpPr>
-        <p:spPr>
-          <a:xfrm>
-            <a:off x="6645479" y="1767281"/>
-            <a:ext cx="2877424" cy="707886"/>
+      <p:cxnSp>
+        <p:nvCxnSpPr>
+          <p:cNvPr id="30" name="Straight Connector 29">
+            <a:extLst>
+              <a:ext uri="{FF2B5EF4-FFF2-40B4-BE49-F238E27FC236}">
+                <a16:creationId xmlns:a16="http://schemas.microsoft.com/office/drawing/2014/main" id="{EEB57AA8-F021-480C-A9E2-F89913313611}"/>
+              </a:ext>
+              <a:ext uri="{C183D7F6-B498-43B3-948B-1728B52AA6E4}">
+                <adec:decorative xmlns:adec="http://schemas.microsoft.com/office/drawing/2017/decorative" val="1"/>
+              </a:ext>
+            </a:extLst>
+          </p:cNvPr>
+          <p:cNvCxnSpPr>
+            <a:cxnSpLocks noGrp="1" noRot="1" noChangeAspect="1" noMove="1" noResize="1" noEditPoints="1" noAdjustHandles="1" noChangeArrowheads="1" noChangeShapeType="1"/>
+          </p:cNvCxnSpPr>
+          <p:nvPr>
+            <p:extLst>
+              <p:ext uri="{386F3935-93C4-4BCD-93E2-E3B085C9AB24}">
+                <p16:designElem xmlns:p16="http://schemas.microsoft.com/office/powerpoint/2015/main" val="1"/>
+              </p:ext>
+            </p:extLst>
+          </p:nvPr>
+        </p:nvCxnSpPr>
+        <p:spPr>
+          <a:xfrm>
+            <a:off x="962164" y="2478513"/>
+            <a:ext cx="2926080" cy="0"/>
+          </a:xfrm>
+          <a:prstGeom prst="line">
+            <a:avLst/>
+          </a:prstGeom>
+          <a:ln>
+            <a:solidFill>
+              <a:schemeClr val="tx1">
+                <a:lumMod val="75000"/>
+                <a:lumOff val="25000"/>
+              </a:schemeClr>
+            </a:solidFill>
+          </a:ln>
+        </p:spPr>
+        <p:style>
+          <a:lnRef idx="1">
+            <a:schemeClr val="accent1"/>
+          </a:lnRef>
+          <a:fillRef idx="0">
+            <a:schemeClr val="accent1"/>
+          </a:fillRef>
+          <a:effectRef idx="0">
+            <a:schemeClr val="accent1"/>
+          </a:effectRef>
+          <a:fontRef idx="minor">
+            <a:schemeClr val="tx1"/>
+          </a:fontRef>
+        </p:style>
+      </p:cxnSp>
+      <p:sp>
+        <p:nvSpPr>
+          <p:cNvPr id="32" name="Rectangle 31">
+            <a:extLst>
+              <a:ext uri="{FF2B5EF4-FFF2-40B4-BE49-F238E27FC236}">
+                <a16:creationId xmlns:a16="http://schemas.microsoft.com/office/drawing/2014/main" id="{6BF36B24-6632-4516-9692-731462896C1F}"/>
+              </a:ext>
+              <a:ext uri="{C183D7F6-B498-43B3-948B-1728B52AA6E4}">
+                <adec:decorative xmlns:adec="http://schemas.microsoft.com/office/drawing/2017/decorative" val="1"/>
+              </a:ext>
+            </a:extLst>
+          </p:cNvPr>
+          <p:cNvSpPr>
+            <a:spLocks noGrp="1" noRot="1" noChangeAspect="1" noMove="1" noResize="1" noEditPoints="1" noAdjustHandles="1" noChangeArrowheads="1" noChangeShapeType="1" noTextEdit="1"/>
+          </p:cNvSpPr>
+          <p:nvPr>
+            <p:extLst>
+              <p:ext uri="{386F3935-93C4-4BCD-93E2-E3B085C9AB24}">
+                <p16:designElem xmlns:p16="http://schemas.microsoft.com/office/powerpoint/2015/main" val="1"/>
+              </p:ext>
+            </p:extLst>
+          </p:nvPr>
+        </p:nvSpPr>
+        <p:spPr>
+          <a:xfrm>
+            <a:off x="0" y="6400800"/>
+            <a:ext cx="12192000" cy="457200"/>
           </a:xfrm>
           <a:prstGeom prst="rect">
             <a:avLst/>
           </a:prstGeom>
-          <a:noFill/>
-        </p:spPr>
-        <p:txBody>
-          <a:bodyPr wrap="square" rtlCol="0">
-            <a:spAutoFit/>
-          </a:bodyPr>
-          <a:lstStyle/>
-          <a:p>
-            <a:r>
-              <a:rPr lang="en-US" sz="4000" b="1" dirty="0">
-                <a:latin typeface="+mj-lt"/>
-              </a:rPr>
-              <a:t>Questions</a:t>
-            </a:r>
-          </a:p>
-        </p:txBody>
-      </p:sp>
+          <a:solidFill>
+            <a:srgbClr val="262626"/>
+          </a:solidFill>
+          <a:ln>
+            <a:noFill/>
+          </a:ln>
+        </p:spPr>
+        <p:style>
+          <a:lnRef idx="2">
+            <a:schemeClr val="accent1">
+              <a:shade val="50000"/>
+            </a:schemeClr>
+          </a:lnRef>
+          <a:fillRef idx="1">
+            <a:schemeClr val="accent1"/>
+          </a:fillRef>
+          <a:effectRef idx="0">
+            <a:schemeClr val="accent1"/>
+          </a:effectRef>
+          <a:fontRef idx="minor">
+            <a:schemeClr val="lt1"/>
+          </a:fontRef>
+        </p:style>
+      </p:sp>
+      <p:pic>
+        <p:nvPicPr>
+          <p:cNvPr id="18" name="Content Placeholder 17" descr="Chart, histogram&#10;&#10;Description automatically generated">
+            <a:extLst>
+              <a:ext uri="{FF2B5EF4-FFF2-40B4-BE49-F238E27FC236}">
+                <a16:creationId xmlns:a16="http://schemas.microsoft.com/office/drawing/2014/main" id="{C58377A1-3ADF-499D-B923-B10EE42C210C}"/>
+              </a:ext>
+            </a:extLst>
+          </p:cNvPr>
+          <p:cNvPicPr>
+            <a:picLocks noGrp="1" noChangeAspect="1"/>
+          </p:cNvPicPr>
+          <p:nvPr>
+            <p:ph idx="1"/>
+          </p:nvPr>
+        </p:nvPicPr>
+        <p:blipFill>
+          <a:blip r:embed="rId2"/>
+          <a:stretch>
+            <a:fillRect/>
+          </a:stretch>
+        </p:blipFill>
+        <p:spPr>
+          <a:xfrm>
+            <a:off x="5791207" y="0"/>
+            <a:ext cx="6400794" cy="6400794"/>
+          </a:xfrm>
+        </p:spPr>
+      </p:pic>
+      <p:pic>
+        <p:nvPicPr>
+          <p:cNvPr id="20" name="Picture 19" descr="Chart, line chart&#10;&#10;Description automatically generated">
+            <a:extLst>
+              <a:ext uri="{FF2B5EF4-FFF2-40B4-BE49-F238E27FC236}">
+                <a16:creationId xmlns:a16="http://schemas.microsoft.com/office/drawing/2014/main" id="{C7B1190B-F50A-48E9-879A-F0DCB779636E}"/>
+              </a:ext>
+            </a:extLst>
+          </p:cNvPr>
+          <p:cNvPicPr>
+            <a:picLocks noChangeAspect="1"/>
+          </p:cNvPicPr>
+          <p:nvPr/>
+        </p:nvPicPr>
+        <p:blipFill>
+          <a:blip r:embed="rId3"/>
+          <a:stretch>
+            <a:fillRect/>
+          </a:stretch>
+        </p:blipFill>
+        <p:spPr>
+          <a:xfrm>
+            <a:off x="45649" y="1003355"/>
+            <a:ext cx="6131363" cy="4851290"/>
+          </a:xfrm>
+          <a:prstGeom prst="rect">
+            <a:avLst/>
+          </a:prstGeom>
+        </p:spPr>
+      </p:pic>
     </p:spTree>
     <p:extLst>
       <p:ext uri="{BB962C8B-B14F-4D97-AF65-F5344CB8AC3E}">
-        <p14:creationId xmlns:p14="http://schemas.microsoft.com/office/powerpoint/2010/main" val="2084987383"/>
+        <p14:creationId xmlns:p14="http://schemas.microsoft.com/office/powerpoint/2010/main" val="570927385"/>
+      </p:ext>
+    </p:extLst>
+  </p:cSld>
+  <p:clrMapOvr>
+    <a:masterClrMapping/>
+  </p:clrMapOvr>
+</p:sld>
+</file>
+
+<file path=ppt/slides/slide7.xml><?xml version="1.0" encoding="utf-8"?>
+<p:sld xmlns:a="http://schemas.openxmlformats.org/drawingml/2006/main" xmlns:r="http://schemas.openxmlformats.org/officeDocument/2006/relationships" xmlns:p="http://schemas.openxmlformats.org/presentationml/2006/main">
+  <p:cSld>
+    <p:bg>
+      <p:bgPr>
+        <a:solidFill>
+          <a:schemeClr val="bg1"/>
+        </a:solidFill>
+        <a:effectLst/>
+      </p:bgPr>
+    </p:bg>
+    <p:spTree>
+      <p:nvGrpSpPr>
+        <p:cNvPr id="1" name=""/>
+        <p:cNvGrpSpPr/>
+        <p:nvPr/>
+      </p:nvGrpSpPr>
+      <p:grpSpPr>
+        <a:xfrm>
+          <a:off x="0" y="0"/>
+          <a:ext cx="0" cy="0"/>
+          <a:chOff x="0" y="0"/>
+          <a:chExt cx="0" cy="0"/>
+        </a:xfrm>
+      </p:grpSpPr>
+      <p:sp>
+        <p:nvSpPr>
+          <p:cNvPr id="15" name="Rectangle 14">
+            <a:extLst>
+              <a:ext uri="{FF2B5EF4-FFF2-40B4-BE49-F238E27FC236}">
+                <a16:creationId xmlns:a16="http://schemas.microsoft.com/office/drawing/2014/main" id="{416A0E3C-60E6-4F39-BC55-5F7C224E1F7C}"/>
+              </a:ext>
+              <a:ext uri="{C183D7F6-B498-43B3-948B-1728B52AA6E4}">
+                <adec:decorative xmlns:adec="http://schemas.microsoft.com/office/drawing/2017/decorative" val="1"/>
+              </a:ext>
+            </a:extLst>
+          </p:cNvPr>
+          <p:cNvSpPr>
+            <a:spLocks noGrp="1" noRot="1" noChangeAspect="1" noMove="1" noResize="1" noEditPoints="1" noAdjustHandles="1" noChangeArrowheads="1" noChangeShapeType="1" noTextEdit="1"/>
+          </p:cNvSpPr>
+          <p:nvPr>
+            <p:extLst>
+              <p:ext uri="{386F3935-93C4-4BCD-93E2-E3B085C9AB24}">
+                <p16:designElem xmlns:p16="http://schemas.microsoft.com/office/powerpoint/2015/main" val="1"/>
+              </p:ext>
+            </p:extLst>
+          </p:nvPr>
+        </p:nvSpPr>
+        <p:spPr>
+          <a:xfrm>
+            <a:off x="3175" y="6400800"/>
+            <a:ext cx="12188825" cy="457200"/>
+          </a:xfrm>
+          <a:prstGeom prst="rect">
+            <a:avLst/>
+          </a:prstGeom>
+          <a:solidFill>
+            <a:srgbClr val="262626"/>
+          </a:solidFill>
+          <a:ln>
+            <a:noFill/>
+          </a:ln>
+        </p:spPr>
+        <p:style>
+          <a:lnRef idx="2">
+            <a:schemeClr val="accent1">
+              <a:shade val="50000"/>
+            </a:schemeClr>
+          </a:lnRef>
+          <a:fillRef idx="1">
+            <a:schemeClr val="accent1"/>
+          </a:fillRef>
+          <a:effectRef idx="0">
+            <a:schemeClr val="accent1"/>
+          </a:effectRef>
+          <a:fontRef idx="minor">
+            <a:schemeClr val="lt1"/>
+          </a:fontRef>
+        </p:style>
+      </p:sp>
+      <p:cxnSp>
+        <p:nvCxnSpPr>
+          <p:cNvPr id="17" name="Straight Connector 16">
+            <a:extLst>
+              <a:ext uri="{FF2B5EF4-FFF2-40B4-BE49-F238E27FC236}">
+                <a16:creationId xmlns:a16="http://schemas.microsoft.com/office/drawing/2014/main" id="{C5025DAC-8B93-4160-B017-3A274A5828C0}"/>
+              </a:ext>
+              <a:ext uri="{C183D7F6-B498-43B3-948B-1728B52AA6E4}">
+                <adec:decorative xmlns:adec="http://schemas.microsoft.com/office/drawing/2017/decorative" val="1"/>
+              </a:ext>
+            </a:extLst>
+          </p:cNvPr>
+          <p:cNvCxnSpPr>
+            <a:cxnSpLocks noGrp="1" noRot="1" noChangeAspect="1" noMove="1" noResize="1" noEditPoints="1" noAdjustHandles="1" noChangeArrowheads="1" noChangeShapeType="1"/>
+          </p:cNvCxnSpPr>
+          <p:nvPr>
+            <p:extLst>
+              <p:ext uri="{386F3935-93C4-4BCD-93E2-E3B085C9AB24}">
+                <p16:designElem xmlns:p16="http://schemas.microsoft.com/office/powerpoint/2015/main" val="1"/>
+              </p:ext>
+            </p:extLst>
+          </p:nvPr>
+        </p:nvCxnSpPr>
+        <p:spPr>
+          <a:xfrm>
+            <a:off x="1193532" y="1897380"/>
+            <a:ext cx="9966960" cy="0"/>
+          </a:xfrm>
+          <a:prstGeom prst="line">
+            <a:avLst/>
+          </a:prstGeom>
+          <a:ln w="12700">
+            <a:solidFill>
+              <a:schemeClr val="tx1">
+                <a:lumMod val="75000"/>
+                <a:lumOff val="25000"/>
+              </a:schemeClr>
+            </a:solidFill>
+          </a:ln>
+        </p:spPr>
+        <p:style>
+          <a:lnRef idx="1">
+            <a:schemeClr val="accent1"/>
+          </a:lnRef>
+          <a:fillRef idx="0">
+            <a:schemeClr val="accent1"/>
+          </a:fillRef>
+          <a:effectRef idx="0">
+            <a:schemeClr val="accent1"/>
+          </a:effectRef>
+          <a:fontRef idx="minor">
+            <a:schemeClr val="tx1"/>
+          </a:fontRef>
+        </p:style>
+      </p:cxnSp>
+      <p:sp useBgFill="1">
+        <p:nvSpPr>
+          <p:cNvPr id="19" name="Rectangle 18">
+            <a:extLst>
+              <a:ext uri="{FF2B5EF4-FFF2-40B4-BE49-F238E27FC236}">
+                <a16:creationId xmlns:a16="http://schemas.microsoft.com/office/drawing/2014/main" id="{08CB54FC-0B2A-4107-9A70-958B90B76585}"/>
+              </a:ext>
+              <a:ext uri="{C183D7F6-B498-43B3-948B-1728B52AA6E4}">
+                <adec:decorative xmlns:adec="http://schemas.microsoft.com/office/drawing/2017/decorative" val="1"/>
+              </a:ext>
+            </a:extLst>
+          </p:cNvPr>
+          <p:cNvSpPr>
+            <a:spLocks noGrp="1" noRot="1" noChangeAspect="1" noMove="1" noResize="1" noEditPoints="1" noAdjustHandles="1" noChangeArrowheads="1" noChangeShapeType="1" noTextEdit="1"/>
+          </p:cNvSpPr>
+          <p:nvPr>
+            <p:extLst>
+              <p:ext uri="{386F3935-93C4-4BCD-93E2-E3B085C9AB24}">
+                <p16:designElem xmlns:p16="http://schemas.microsoft.com/office/powerpoint/2015/main" val="1"/>
+              </p:ext>
+            </p:extLst>
+          </p:nvPr>
+        </p:nvSpPr>
+        <p:spPr>
+          <a:xfrm>
+            <a:off x="0" y="0"/>
+            <a:ext cx="12192001" cy="6858000"/>
+          </a:xfrm>
+          <a:prstGeom prst="rect">
+            <a:avLst/>
+          </a:prstGeom>
+          <a:ln>
+            <a:noFill/>
+          </a:ln>
+        </p:spPr>
+        <p:style>
+          <a:lnRef idx="2">
+            <a:schemeClr val="accent1">
+              <a:shade val="50000"/>
+            </a:schemeClr>
+          </a:lnRef>
+          <a:fillRef idx="1">
+            <a:schemeClr val="accent1"/>
+          </a:fillRef>
+          <a:effectRef idx="0">
+            <a:schemeClr val="accent1"/>
+          </a:effectRef>
+          <a:fontRef idx="minor">
+            <a:schemeClr val="lt1"/>
+          </a:fontRef>
+        </p:style>
+        <p:txBody>
+          <a:bodyPr rtlCol="0" anchor="ctr"/>
+          <a:lstStyle/>
+          <a:p>
+            <a:pPr algn="ctr"/>
+            <a:endParaRPr lang="en-US"/>
+          </a:p>
+        </p:txBody>
+      </p:sp>
+      <p:pic>
+        <p:nvPicPr>
+          <p:cNvPr id="10" name="Content Placeholder 9" descr="Chart, histogram&#10;&#10;Description automatically generated">
+            <a:extLst>
+              <a:ext uri="{FF2B5EF4-FFF2-40B4-BE49-F238E27FC236}">
+                <a16:creationId xmlns:a16="http://schemas.microsoft.com/office/drawing/2014/main" id="{BB5E521B-B390-484F-B152-453ED8E0C9F3}"/>
+              </a:ext>
+            </a:extLst>
+          </p:cNvPr>
+          <p:cNvPicPr>
+            <a:picLocks noGrp="1" noChangeAspect="1"/>
+          </p:cNvPicPr>
+          <p:nvPr>
+            <p:ph idx="1"/>
+          </p:nvPr>
+        </p:nvPicPr>
+        <p:blipFill>
+          <a:blip r:embed="rId2"/>
+          <a:stretch>
+            <a:fillRect/>
+          </a:stretch>
+        </p:blipFill>
+        <p:spPr>
+          <a:xfrm>
+            <a:off x="-84368" y="92467"/>
+            <a:ext cx="6398388" cy="6536933"/>
+          </a:xfrm>
+          <a:prstGeom prst="rect">
+            <a:avLst/>
+          </a:prstGeom>
+        </p:spPr>
+      </p:pic>
+      <p:cxnSp>
+        <p:nvCxnSpPr>
+          <p:cNvPr id="21" name="Straight Connector 20">
+            <a:extLst>
+              <a:ext uri="{FF2B5EF4-FFF2-40B4-BE49-F238E27FC236}">
+                <a16:creationId xmlns:a16="http://schemas.microsoft.com/office/drawing/2014/main" id="{7855A9B5-1710-4B19-B0F1-CDFDD4ED5B7E}"/>
+              </a:ext>
+              <a:ext uri="{C183D7F6-B498-43B3-948B-1728B52AA6E4}">
+                <adec:decorative xmlns:adec="http://schemas.microsoft.com/office/drawing/2017/decorative" val="1"/>
+              </a:ext>
+            </a:extLst>
+          </p:cNvPr>
+          <p:cNvCxnSpPr>
+            <a:cxnSpLocks noGrp="1" noRot="1" noChangeAspect="1" noMove="1" noResize="1" noEditPoints="1" noAdjustHandles="1" noChangeArrowheads="1" noChangeShapeType="1"/>
+          </p:cNvCxnSpPr>
+          <p:nvPr>
+            <p:extLst>
+              <p:ext uri="{386F3935-93C4-4BCD-93E2-E3B085C9AB24}">
+                <p16:designElem xmlns:p16="http://schemas.microsoft.com/office/powerpoint/2015/main" val="1"/>
+              </p:ext>
+            </p:extLst>
+          </p:nvPr>
+        </p:nvCxnSpPr>
+        <p:spPr>
+          <a:xfrm>
+            <a:off x="6514044" y="2246569"/>
+            <a:ext cx="4572000" cy="0"/>
+          </a:xfrm>
+          <a:prstGeom prst="line">
+            <a:avLst/>
+          </a:prstGeom>
+          <a:ln w="12700">
+            <a:solidFill>
+              <a:schemeClr val="tx1">
+                <a:lumMod val="75000"/>
+                <a:lumOff val="25000"/>
+              </a:schemeClr>
+            </a:solidFill>
+          </a:ln>
+        </p:spPr>
+        <p:style>
+          <a:lnRef idx="1">
+            <a:schemeClr val="accent1"/>
+          </a:lnRef>
+          <a:fillRef idx="0">
+            <a:schemeClr val="accent1"/>
+          </a:fillRef>
+          <a:effectRef idx="0">
+            <a:schemeClr val="accent1"/>
+          </a:effectRef>
+          <a:fontRef idx="minor">
+            <a:schemeClr val="tx1"/>
+          </a:fontRef>
+        </p:style>
+      </p:cxnSp>
+      <p:sp>
+        <p:nvSpPr>
+          <p:cNvPr id="23" name="Rectangle 22">
+            <a:extLst>
+              <a:ext uri="{FF2B5EF4-FFF2-40B4-BE49-F238E27FC236}">
+                <a16:creationId xmlns:a16="http://schemas.microsoft.com/office/drawing/2014/main" id="{9AA76026-5689-4584-8D93-D71D739E61B5}"/>
+              </a:ext>
+              <a:ext uri="{C183D7F6-B498-43B3-948B-1728B52AA6E4}">
+                <adec:decorative xmlns:adec="http://schemas.microsoft.com/office/drawing/2017/decorative" val="1"/>
+              </a:ext>
+            </a:extLst>
+          </p:cNvPr>
+          <p:cNvSpPr>
+            <a:spLocks noGrp="1" noRot="1" noChangeAspect="1" noMove="1" noResize="1" noEditPoints="1" noAdjustHandles="1" noChangeArrowheads="1" noChangeShapeType="1" noTextEdit="1"/>
+          </p:cNvSpPr>
+          <p:nvPr>
+            <p:extLst>
+              <p:ext uri="{386F3935-93C4-4BCD-93E2-E3B085C9AB24}">
+                <p16:designElem xmlns:p16="http://schemas.microsoft.com/office/powerpoint/2015/main" val="1"/>
+              </p:ext>
+            </p:extLst>
+          </p:nvPr>
+        </p:nvSpPr>
+        <p:spPr>
+          <a:xfrm>
+            <a:off x="0" y="6400800"/>
+            <a:ext cx="12192000" cy="457200"/>
+          </a:xfrm>
+          <a:prstGeom prst="rect">
+            <a:avLst/>
+          </a:prstGeom>
+          <a:solidFill>
+            <a:srgbClr val="262626"/>
+          </a:solidFill>
+          <a:ln>
+            <a:noFill/>
+          </a:ln>
+        </p:spPr>
+        <p:style>
+          <a:lnRef idx="2">
+            <a:schemeClr val="accent1">
+              <a:shade val="50000"/>
+            </a:schemeClr>
+          </a:lnRef>
+          <a:fillRef idx="1">
+            <a:schemeClr val="accent1"/>
+          </a:fillRef>
+          <a:effectRef idx="0">
+            <a:schemeClr val="accent1"/>
+          </a:effectRef>
+          <a:fontRef idx="minor">
+            <a:schemeClr val="lt1"/>
+          </a:fontRef>
+        </p:style>
+      </p:sp>
+      <p:pic>
+        <p:nvPicPr>
+          <p:cNvPr id="12" name="Picture 11" descr="Chart, line chart&#10;&#10;Description automatically generated">
+            <a:extLst>
+              <a:ext uri="{FF2B5EF4-FFF2-40B4-BE49-F238E27FC236}">
+                <a16:creationId xmlns:a16="http://schemas.microsoft.com/office/drawing/2014/main" id="{08718DBA-DD68-4A4C-B0E4-0765BD2E997F}"/>
+              </a:ext>
+            </a:extLst>
+          </p:cNvPr>
+          <p:cNvPicPr>
+            <a:picLocks noChangeAspect="1"/>
+          </p:cNvPicPr>
+          <p:nvPr/>
+        </p:nvPicPr>
+        <p:blipFill>
+          <a:blip r:embed="rId3"/>
+          <a:stretch>
+            <a:fillRect/>
+          </a:stretch>
+        </p:blipFill>
+        <p:spPr>
+          <a:xfrm>
+            <a:off x="5895975" y="-1"/>
+            <a:ext cx="6296026" cy="6400797"/>
+          </a:xfrm>
+          <a:prstGeom prst="rect">
+            <a:avLst/>
+          </a:prstGeom>
+        </p:spPr>
+      </p:pic>
+    </p:spTree>
+    <p:extLst>
+      <p:ext uri="{BB962C8B-B14F-4D97-AF65-F5344CB8AC3E}">
+        <p14:creationId xmlns:p14="http://schemas.microsoft.com/office/powerpoint/2010/main" val="1703581049"/>
+      </p:ext>
+    </p:extLst>
+  </p:cSld>
+  <p:clrMapOvr>
+    <a:masterClrMapping/>
+  </p:clrMapOvr>
+</p:sld>
+</file>
+
+<file path=ppt/slides/slide8.xml><?xml version="1.0" encoding="utf-8"?>
+<p:sld xmlns:a="http://schemas.openxmlformats.org/drawingml/2006/main" xmlns:r="http://schemas.openxmlformats.org/officeDocument/2006/relationships" xmlns:p="http://schemas.openxmlformats.org/presentationml/2006/main">
+  <p:cSld>
+    <p:spTree>
+      <p:nvGrpSpPr>
+        <p:cNvPr id="1" name=""/>
+        <p:cNvGrpSpPr/>
+        <p:nvPr/>
+      </p:nvGrpSpPr>
+      <p:grpSpPr>
+        <a:xfrm>
+          <a:off x="0" y="0"/>
+          <a:ext cx="0" cy="0"/>
+          <a:chOff x="0" y="0"/>
+          <a:chExt cx="0" cy="0"/>
+        </a:xfrm>
+      </p:grpSpPr>
+      <p:pic>
+        <p:nvPicPr>
+          <p:cNvPr id="14" name="Content Placeholder 13" descr="Chart, line chart, histogram&#10;&#10;Description automatically generated">
+            <a:extLst>
+              <a:ext uri="{FF2B5EF4-FFF2-40B4-BE49-F238E27FC236}">
+                <a16:creationId xmlns:a16="http://schemas.microsoft.com/office/drawing/2014/main" id="{240FF3C3-C5A3-4574-ABA8-042815D7C3A7}"/>
+              </a:ext>
+            </a:extLst>
+          </p:cNvPr>
+          <p:cNvPicPr>
+            <a:picLocks noGrp="1" noChangeAspect="1"/>
+          </p:cNvPicPr>
+          <p:nvPr>
+            <p:ph sz="half" idx="2"/>
+          </p:nvPr>
+        </p:nvPicPr>
+        <p:blipFill>
+          <a:blip r:embed="rId2"/>
+          <a:stretch>
+            <a:fillRect/>
+          </a:stretch>
+        </p:blipFill>
+        <p:spPr>
+          <a:xfrm>
+            <a:off x="3899" y="0"/>
+            <a:ext cx="5981266" cy="6370420"/>
+          </a:xfrm>
+        </p:spPr>
+      </p:pic>
+      <p:pic>
+        <p:nvPicPr>
+          <p:cNvPr id="22" name="Content Placeholder 21" descr="Chart, line chart&#10;&#10;Description automatically generated">
+            <a:extLst>
+              <a:ext uri="{FF2B5EF4-FFF2-40B4-BE49-F238E27FC236}">
+                <a16:creationId xmlns:a16="http://schemas.microsoft.com/office/drawing/2014/main" id="{2399B47E-789D-4636-AC30-F4DA4EFCD9D3}"/>
+              </a:ext>
+            </a:extLst>
+          </p:cNvPr>
+          <p:cNvPicPr>
+            <a:picLocks noGrp="1" noChangeAspect="1"/>
+          </p:cNvPicPr>
+          <p:nvPr>
+            <p:ph sz="quarter" idx="4"/>
+          </p:nvPr>
+        </p:nvPicPr>
+        <p:blipFill>
+          <a:blip r:embed="rId3"/>
+          <a:stretch>
+            <a:fillRect/>
+          </a:stretch>
+        </p:blipFill>
+        <p:spPr>
+          <a:xfrm>
+            <a:off x="5604933" y="578229"/>
+            <a:ext cx="6490034" cy="5213961"/>
+          </a:xfrm>
+        </p:spPr>
+      </p:pic>
+    </p:spTree>
+    <p:extLst>
+      <p:ext uri="{BB962C8B-B14F-4D97-AF65-F5344CB8AC3E}">
+        <p14:creationId xmlns:p14="http://schemas.microsoft.com/office/powerpoint/2010/main" val="4189494788"/>
+      </p:ext>
+    </p:extLst>
+  </p:cSld>
+  <p:clrMapOvr>
+    <a:masterClrMapping/>
+  </p:clrMapOvr>
+</p:sld>
+</file>
+
+<file path=ppt/slides/slide9.xml><?xml version="1.0" encoding="utf-8"?>
+<p:sld xmlns:a="http://schemas.openxmlformats.org/drawingml/2006/main" xmlns:r="http://schemas.openxmlformats.org/officeDocument/2006/relationships" xmlns:p="http://schemas.openxmlformats.org/presentationml/2006/main">
+  <p:cSld>
+    <p:spTree>
+      <p:nvGrpSpPr>
+        <p:cNvPr id="1" name=""/>
+        <p:cNvGrpSpPr/>
+        <p:nvPr/>
+      </p:nvGrpSpPr>
+      <p:grpSpPr>
+        <a:xfrm>
+          <a:off x="0" y="0"/>
+          <a:ext cx="0" cy="0"/>
+          <a:chOff x="0" y="0"/>
+          <a:chExt cx="0" cy="0"/>
+        </a:xfrm>
+      </p:grpSpPr>
+      <p:sp>
+        <p:nvSpPr>
+          <p:cNvPr id="2" name="Title 1">
+            <a:extLst>
+              <a:ext uri="{FF2B5EF4-FFF2-40B4-BE49-F238E27FC236}">
+                <a16:creationId xmlns:a16="http://schemas.microsoft.com/office/drawing/2014/main" id="{4B889C64-7734-4F4C-A703-949E5A3B4010}"/>
+              </a:ext>
+            </a:extLst>
+          </p:cNvPr>
+          <p:cNvSpPr>
+            <a:spLocks noGrp="1"/>
+          </p:cNvSpPr>
+          <p:nvPr>
+            <p:ph type="title"/>
+          </p:nvPr>
+        </p:nvSpPr>
+        <p:spPr/>
+        <p:txBody>
+          <a:bodyPr/>
+          <a:lstStyle/>
+          <a:p>
+            <a:endParaRPr lang="en-US"/>
+          </a:p>
+        </p:txBody>
+      </p:sp>
+      <p:sp>
+        <p:nvSpPr>
+          <p:cNvPr id="3" name="Text Placeholder 2">
+            <a:extLst>
+              <a:ext uri="{FF2B5EF4-FFF2-40B4-BE49-F238E27FC236}">
+                <a16:creationId xmlns:a16="http://schemas.microsoft.com/office/drawing/2014/main" id="{893B5EDB-4140-408C-8FA9-6C361286CD24}"/>
+              </a:ext>
+            </a:extLst>
+          </p:cNvPr>
+          <p:cNvSpPr>
+            <a:spLocks noGrp="1"/>
+          </p:cNvSpPr>
+          <p:nvPr>
+            <p:ph type="body" idx="1"/>
+          </p:nvPr>
+        </p:nvSpPr>
+        <p:spPr/>
+        <p:txBody>
+          <a:bodyPr/>
+          <a:lstStyle/>
+          <a:p>
+            <a:endParaRPr lang="en-US"/>
+          </a:p>
+        </p:txBody>
+      </p:sp>
+      <p:sp>
+        <p:nvSpPr>
+          <p:cNvPr id="5" name="Text Placeholder 4">
+            <a:extLst>
+              <a:ext uri="{FF2B5EF4-FFF2-40B4-BE49-F238E27FC236}">
+                <a16:creationId xmlns:a16="http://schemas.microsoft.com/office/drawing/2014/main" id="{C1FFA9D6-4A61-4164-B14A-629283E2A2D5}"/>
+              </a:ext>
+            </a:extLst>
+          </p:cNvPr>
+          <p:cNvSpPr>
+            <a:spLocks noGrp="1"/>
+          </p:cNvSpPr>
+          <p:nvPr>
+            <p:ph type="body" sz="quarter" idx="3"/>
+          </p:nvPr>
+        </p:nvSpPr>
+        <p:spPr/>
+        <p:txBody>
+          <a:bodyPr/>
+          <a:lstStyle/>
+          <a:p>
+            <a:endParaRPr lang="en-US"/>
+          </a:p>
+        </p:txBody>
+      </p:sp>
+      <p:pic>
+        <p:nvPicPr>
+          <p:cNvPr id="7" name="Content Placeholder 17" descr="Chart, line chart, histogram&#10;&#10;Description automatically generated">
+            <a:extLst>
+              <a:ext uri="{FF2B5EF4-FFF2-40B4-BE49-F238E27FC236}">
+                <a16:creationId xmlns:a16="http://schemas.microsoft.com/office/drawing/2014/main" id="{BF22FBB6-EEBF-4BA6-B7DB-97B0E9DB2373}"/>
+              </a:ext>
+            </a:extLst>
+          </p:cNvPr>
+          <p:cNvPicPr>
+            <a:picLocks noGrp="1" noChangeAspect="1"/>
+          </p:cNvPicPr>
+          <p:nvPr>
+            <p:ph sz="half" idx="2"/>
+          </p:nvPr>
+        </p:nvPicPr>
+        <p:blipFill>
+          <a:blip r:embed="rId2"/>
+          <a:stretch>
+            <a:fillRect/>
+          </a:stretch>
+        </p:blipFill>
+        <p:spPr>
+          <a:xfrm>
+            <a:off x="-38948" y="0"/>
+            <a:ext cx="6375400" cy="6409267"/>
+          </a:xfrm>
+        </p:spPr>
+      </p:pic>
+      <p:pic>
+        <p:nvPicPr>
+          <p:cNvPr id="9" name="Content Placeholder 8" descr="Chart, line chart&#10;&#10;Description automatically generated">
+            <a:extLst>
+              <a:ext uri="{FF2B5EF4-FFF2-40B4-BE49-F238E27FC236}">
+                <a16:creationId xmlns:a16="http://schemas.microsoft.com/office/drawing/2014/main" id="{C66C98DA-D68C-45FC-A51D-73421002E098}"/>
+              </a:ext>
+            </a:extLst>
+          </p:cNvPr>
+          <p:cNvPicPr>
+            <a:picLocks noGrp="1" noChangeAspect="1"/>
+          </p:cNvPicPr>
+          <p:nvPr>
+            <p:ph sz="quarter" idx="4"/>
+          </p:nvPr>
+        </p:nvPicPr>
+        <p:blipFill>
+          <a:blip r:embed="rId3"/>
+          <a:stretch>
+            <a:fillRect/>
+          </a:stretch>
+        </p:blipFill>
+        <p:spPr>
+          <a:xfrm>
+            <a:off x="6096000" y="575734"/>
+            <a:ext cx="6092235" cy="5511800"/>
+          </a:xfrm>
+        </p:spPr>
+      </p:pic>
+    </p:spTree>
+    <p:extLst>
+      <p:ext uri="{BB962C8B-B14F-4D97-AF65-F5344CB8AC3E}">
+        <p14:creationId xmlns:p14="http://schemas.microsoft.com/office/powerpoint/2010/main" val="150142689"/>
       </p:ext>
     </p:extLst>
   </p:cSld>
@@ -5789,65 +6918,22 @@
 </a:themeOverride>
 </file>
 
-<file path=ppt/theme/themeOverride5.xml><?xml version="1.0" encoding="utf-8"?>
-<a:themeOverride xmlns:a="http://schemas.openxmlformats.org/drawingml/2006/main">
-  <a:clrScheme name="Parcel">
-    <a:dk1>
-      <a:srgbClr val="000000"/>
-    </a:dk1>
-    <a:lt1>
-      <a:srgbClr val="FFFFFF"/>
-    </a:lt1>
-    <a:dk2>
-      <a:srgbClr val="4A5356"/>
-    </a:dk2>
-    <a:lt2>
-      <a:srgbClr val="E8E3CE"/>
-    </a:lt2>
-    <a:accent1>
-      <a:srgbClr val="F6A21D"/>
-    </a:accent1>
-    <a:accent2>
-      <a:srgbClr val="9BAFB5"/>
-    </a:accent2>
-    <a:accent3>
-      <a:srgbClr val="C96731"/>
-    </a:accent3>
-    <a:accent4>
-      <a:srgbClr val="9CA383"/>
-    </a:accent4>
-    <a:accent5>
-      <a:srgbClr val="87795D"/>
-    </a:accent5>
-    <a:accent6>
-      <a:srgbClr val="A0988C"/>
-    </a:accent6>
-    <a:hlink>
-      <a:srgbClr val="00B0F0"/>
-    </a:hlink>
-    <a:folHlink>
-      <a:srgbClr val="738F97"/>
-    </a:folHlink>
-  </a:clrScheme>
-</a:themeOverride>
+<file path=customXml/item1.xml><?xml version="1.0" encoding="utf-8"?>
+<p:properties xmlns:p="http://schemas.microsoft.com/office/2006/metadata/properties" xmlns:xsi="http://www.w3.org/2001/XMLSchema-instance" xmlns:pc="http://schemas.microsoft.com/office/infopath/2007/PartnerControls">
+  <documentManagement>
+    <Status xmlns="71af3243-3dd4-4a8d-8c0d-dd76da1f02a5">Not started</Status>
+    <MediaServiceKeyPoints xmlns="71af3243-3dd4-4a8d-8c0d-dd76da1f02a5" xsi:nil="true"/>
+  </documentManagement>
+</p:properties>
 </file>
 
-<file path=customXml/item1.xml><?xml version="1.0" encoding="utf-8"?>
+<file path=customXml/item2.xml><?xml version="1.0" encoding="utf-8"?>
 <?mso-contentType ?>
 <FormTemplates xmlns="http://schemas.microsoft.com/sharepoint/v3/contenttype/forms">
   <Display>DocumentLibraryForm</Display>
   <Edit>DocumentLibraryForm</Edit>
   <New>DocumentLibraryForm</New>
 </FormTemplates>
-</file>
-
-<file path=customXml/item2.xml><?xml version="1.0" encoding="utf-8"?>
-<p:properties xmlns:p="http://schemas.microsoft.com/office/2006/metadata/properties" xmlns:xsi="http://www.w3.org/2001/XMLSchema-instance" xmlns:pc="http://schemas.microsoft.com/office/infopath/2007/PartnerControls">
-  <documentManagement>
-    <Status xmlns="71af3243-3dd4-4a8d-8c0d-dd76da1f02a5">Not started</Status>
-    <MediaServiceKeyPoints xmlns="71af3243-3dd4-4a8d-8c0d-dd76da1f02a5" xsi:nil="true"/>
-  </documentManagement>
-</p:properties>
 </file>
 
 <file path=customXml/item3.xml><?xml version="1.0" encoding="utf-8"?>
@@ -6072,19 +7158,19 @@
 </file>
 
 <file path=customXml/itemProps1.xml><?xml version="1.0" encoding="utf-8"?>
-<ds:datastoreItem xmlns:ds="http://schemas.openxmlformats.org/officeDocument/2006/customXml" ds:itemID="{AA3F7EDC-E5B4-4BBC-9D2A-CBE6D46C37AD}">
+<ds:datastoreItem xmlns:ds="http://schemas.openxmlformats.org/officeDocument/2006/customXml" ds:itemID="{A03EEFF0-FB57-4CB4-8BFC-DF397689E2ED}">
   <ds:schemaRefs>
-    <ds:schemaRef ds:uri="http://schemas.microsoft.com/sharepoint/v3/contenttype/forms"/>
+    <ds:schemaRef ds:uri="http://schemas.microsoft.com/office/2006/metadata/properties"/>
+    <ds:schemaRef ds:uri="http://schemas.microsoft.com/office/infopath/2007/PartnerControls"/>
+    <ds:schemaRef ds:uri="71af3243-3dd4-4a8d-8c0d-dd76da1f02a5"/>
   </ds:schemaRefs>
 </ds:datastoreItem>
 </file>
 
 <file path=customXml/itemProps2.xml><?xml version="1.0" encoding="utf-8"?>
-<ds:datastoreItem xmlns:ds="http://schemas.openxmlformats.org/officeDocument/2006/customXml" ds:itemID="{A03EEFF0-FB57-4CB4-8BFC-DF397689E2ED}">
+<ds:datastoreItem xmlns:ds="http://schemas.openxmlformats.org/officeDocument/2006/customXml" ds:itemID="{AA3F7EDC-E5B4-4BBC-9D2A-CBE6D46C37AD}">
   <ds:schemaRefs>
-    <ds:schemaRef ds:uri="http://schemas.microsoft.com/office/2006/metadata/properties"/>
-    <ds:schemaRef ds:uri="http://schemas.microsoft.com/office/infopath/2007/PartnerControls"/>
-    <ds:schemaRef ds:uri="71af3243-3dd4-4a8d-8c0d-dd76da1f02a5"/>
+    <ds:schemaRef ds:uri="http://schemas.microsoft.com/sharepoint/v3/contenttype/forms"/>
   </ds:schemaRefs>
 </ds:datastoreItem>
 </file>

--- a/Project Presentation.pptx
+++ b/Project Presentation.pptx
@@ -5,12 +5,17 @@
     <p:sldMasterId id="2147483660" r:id="rId4"/>
   </p:sldMasterIdLst>
   <p:sldIdLst>
-    <p:sldId id="298" r:id="rId5"/>
-    <p:sldId id="306" r:id="rId6"/>
-    <p:sldId id="301" r:id="rId7"/>
-    <p:sldId id="302" r:id="rId8"/>
-    <p:sldId id="304" r:id="rId9"/>
-    <p:sldId id="305" r:id="rId10"/>
+    <p:sldId id="306" r:id="rId5"/>
+    <p:sldId id="301" r:id="rId6"/>
+    <p:sldId id="302" r:id="rId7"/>
+    <p:sldId id="304" r:id="rId8"/>
+    <p:sldId id="313" r:id="rId9"/>
+    <p:sldId id="311" r:id="rId10"/>
+    <p:sldId id="308" r:id="rId11"/>
+    <p:sldId id="309" r:id="rId12"/>
+    <p:sldId id="310" r:id="rId13"/>
+    <p:sldId id="312" r:id="rId14"/>
+    <p:sldId id="305" r:id="rId15"/>
   </p:sldIdLst>
   <p:sldSz cx="12192000" cy="6858000"/>
   <p:notesSz cx="6858000" cy="9144000"/>
@@ -361,7 +366,7 @@
           <a:p>
             <a:fld id="{9184DA70-C731-4C70-880D-CCD4705E623C}" type="datetime1">
               <a:rPr lang="en-US" smtClean="0"/>
-              <a:t>10/24/2020</a:t>
+              <a:t>10/26/2020</a:t>
             </a:fld>
             <a:endParaRPr lang="en-US" dirty="0"/>
           </a:p>
@@ -549,7 +554,7 @@
           <a:p>
             <a:fld id="{4BE1D723-8F53-4F53-90B0-1982A396982E}" type="datetime1">
               <a:rPr lang="en-US" smtClean="0"/>
-              <a:t>10/24/2020</a:t>
+              <a:t>10/26/2020</a:t>
             </a:fld>
             <a:endParaRPr lang="en-US" dirty="0"/>
           </a:p>
@@ -922,7 +927,7 @@
           <a:p>
             <a:fld id="{97669AF7-7BEB-44E4-9852-375E34362B5B}" type="datetime1">
               <a:rPr lang="en-US" smtClean="0"/>
-              <a:t>10/24/2020</a:t>
+              <a:t>10/26/2020</a:t>
             </a:fld>
             <a:endParaRPr lang="en-US" dirty="0"/>
           </a:p>
@@ -1177,7 +1182,7 @@
           <a:p>
             <a:fld id="{BAAAC38D-0552-4C82-B593-E6124DFADBE2}" type="datetime1">
               <a:rPr lang="en-US" smtClean="0"/>
-              <a:t>10/24/2020</a:t>
+              <a:t>10/26/2020</a:t>
             </a:fld>
             <a:endParaRPr lang="en-US" dirty="0"/>
           </a:p>
@@ -1574,7 +1579,7 @@
           <a:p>
             <a:fld id="{D9DF0F1C-5577-4ACB-BB62-DF8F3C494C7E}" type="datetime1">
               <a:rPr lang="en-US" smtClean="0"/>
-              <a:t>10/24/2020</a:t>
+              <a:t>10/26/2020</a:t>
             </a:fld>
             <a:endParaRPr lang="en-US" dirty="0"/>
           </a:p>
@@ -1710,7 +1715,7 @@
           <a:p>
             <a:fld id="{1775B394-D9F9-4F0C-B15D-605F45CB9E9F}" type="datetime1">
               <a:rPr lang="en-US" smtClean="0"/>
-              <a:t>10/24/2020</a:t>
+              <a:t>10/26/2020</a:t>
             </a:fld>
             <a:endParaRPr lang="en-US" dirty="0"/>
           </a:p>
@@ -1867,7 +1872,7 @@
           <a:p>
             <a:fld id="{39667345-2558-425A-8533-9BFDBCE15005}" type="datetime1">
               <a:rPr lang="en-US" smtClean="0"/>
-              <a:t>10/24/2020</a:t>
+              <a:t>10/26/2020</a:t>
             </a:fld>
             <a:endParaRPr lang="en-US" dirty="0"/>
           </a:p>
@@ -2196,7 +2201,7 @@
           <a:p>
             <a:fld id="{92BEA474-078D-4E9B-9B14-09A87B19DC46}" type="datetime1">
               <a:rPr lang="en-US" smtClean="0"/>
-              <a:t>10/24/2020</a:t>
+              <a:t>10/26/2020</a:t>
             </a:fld>
             <a:endParaRPr lang="en-US" dirty="0"/>
           </a:p>
@@ -2546,7 +2551,7 @@
           <a:p>
             <a:fld id="{4907D986-8816-4272-A432-0437A28A9828}" type="datetime1">
               <a:rPr lang="en-US" smtClean="0"/>
-              <a:t>10/24/2020</a:t>
+              <a:t>10/26/2020</a:t>
             </a:fld>
             <a:endParaRPr lang="en-US" dirty="0"/>
           </a:p>
@@ -2807,7 +2812,7 @@
           <a:p>
             <a:fld id="{62D6E202-B606-4609-B914-27C9371A1F6D}" type="datetime1">
               <a:rPr lang="en-US" smtClean="0"/>
-              <a:t>10/24/2020</a:t>
+              <a:t>10/26/2020</a:t>
             </a:fld>
             <a:endParaRPr lang="en-US" dirty="0"/>
           </a:p>
@@ -3464,13 +3469,14 @@
           </a:bodyPr>
           <a:lstStyle/>
           <a:p>
+            <a:pPr algn="ctr"/>
             <a:r>
               <a:rPr lang="en-US" sz="5400" dirty="0">
                 <a:solidFill>
                   <a:srgbClr val="FFFFFF"/>
                 </a:solidFill>
               </a:rPr>
-              <a:t>The Impact of Wages in Employment </a:t>
+              <a:t>The Effect of Minimum Wage on Employment</a:t>
             </a:r>
           </a:p>
         </p:txBody>
@@ -3509,7 +3515,23 @@
                   <a:srgbClr val="FFFFFF"/>
                 </a:solidFill>
               </a:rPr>
-              <a:t>Team Name</a:t>
+              <a:t>The Terrific Team That </a:t>
+            </a:r>
+            <a:r>
+              <a:rPr lang="en-US" sz="1800" dirty="0" err="1">
+                <a:solidFill>
+                  <a:srgbClr val="FFFFFF"/>
+                </a:solidFill>
+              </a:rPr>
+              <a:t>tejas</a:t>
+            </a:r>
+            <a:r>
+              <a:rPr lang="en-US" sz="1800" dirty="0">
+                <a:solidFill>
+                  <a:srgbClr val="FFFFFF"/>
+                </a:solidFill>
+              </a:rPr>
+              <a:t> trained</a:t>
             </a:r>
           </a:p>
           <a:p>
@@ -3595,12 +3617,362 @@
     </p:spTree>
     <p:extLst>
       <p:ext uri="{BB962C8B-B14F-4D97-AF65-F5344CB8AC3E}">
-        <p14:creationId xmlns:p14="http://schemas.microsoft.com/office/powerpoint/2010/main" val="193143965"/>
+        <p14:creationId xmlns:p14="http://schemas.microsoft.com/office/powerpoint/2010/main" val="1885805844"/>
       </p:ext>
     </p:extLst>
   </p:cSld>
   <p:clrMapOvr>
     <a:overrideClrMapping bg1="dk1" tx1="lt1" bg2="dk2" tx2="lt2" accent1="accent1" accent2="accent2" accent3="accent3" accent4="accent4" accent5="accent5" accent6="accent6" hlink="hlink" folHlink="folHlink"/>
+  </p:clrMapOvr>
+</p:sld>
+</file>
+
+<file path=ppt/slides/slide10.xml><?xml version="1.0" encoding="utf-8"?>
+<p:sld xmlns:a="http://schemas.openxmlformats.org/drawingml/2006/main" xmlns:r="http://schemas.openxmlformats.org/officeDocument/2006/relationships" xmlns:p="http://schemas.openxmlformats.org/presentationml/2006/main">
+  <p:cSld>
+    <p:spTree>
+      <p:nvGrpSpPr>
+        <p:cNvPr id="1" name=""/>
+        <p:cNvGrpSpPr/>
+        <p:nvPr/>
+      </p:nvGrpSpPr>
+      <p:grpSpPr>
+        <a:xfrm>
+          <a:off x="0" y="0"/>
+          <a:ext cx="0" cy="0"/>
+          <a:chOff x="0" y="0"/>
+          <a:chExt cx="0" cy="0"/>
+        </a:xfrm>
+      </p:grpSpPr>
+      <p:sp>
+        <p:nvSpPr>
+          <p:cNvPr id="3" name="Text Placeholder 2">
+            <a:extLst>
+              <a:ext uri="{FF2B5EF4-FFF2-40B4-BE49-F238E27FC236}">
+                <a16:creationId xmlns:a16="http://schemas.microsoft.com/office/drawing/2014/main" id="{893B5EDB-4140-408C-8FA9-6C361286CD24}"/>
+              </a:ext>
+            </a:extLst>
+          </p:cNvPr>
+          <p:cNvSpPr>
+            <a:spLocks noGrp="1"/>
+          </p:cNvSpPr>
+          <p:nvPr>
+            <p:ph type="body" idx="1"/>
+          </p:nvPr>
+        </p:nvSpPr>
+        <p:spPr/>
+        <p:txBody>
+          <a:bodyPr/>
+          <a:lstStyle/>
+          <a:p>
+            <a:endParaRPr lang="en-US"/>
+          </a:p>
+        </p:txBody>
+      </p:sp>
+      <p:sp>
+        <p:nvSpPr>
+          <p:cNvPr id="5" name="Text Placeholder 4">
+            <a:extLst>
+              <a:ext uri="{FF2B5EF4-FFF2-40B4-BE49-F238E27FC236}">
+                <a16:creationId xmlns:a16="http://schemas.microsoft.com/office/drawing/2014/main" id="{C1FFA9D6-4A61-4164-B14A-629283E2A2D5}"/>
+              </a:ext>
+            </a:extLst>
+          </p:cNvPr>
+          <p:cNvSpPr>
+            <a:spLocks noGrp="1"/>
+          </p:cNvSpPr>
+          <p:nvPr>
+            <p:ph type="body" sz="quarter" idx="3"/>
+          </p:nvPr>
+        </p:nvSpPr>
+        <p:spPr/>
+        <p:txBody>
+          <a:bodyPr/>
+          <a:lstStyle/>
+          <a:p>
+            <a:endParaRPr lang="en-US"/>
+          </a:p>
+        </p:txBody>
+      </p:sp>
+      <p:pic>
+        <p:nvPicPr>
+          <p:cNvPr id="7" name="Content Placeholder 17" descr="Chart, line chart, histogram&#10;&#10;Description automatically generated">
+            <a:extLst>
+              <a:ext uri="{FF2B5EF4-FFF2-40B4-BE49-F238E27FC236}">
+                <a16:creationId xmlns:a16="http://schemas.microsoft.com/office/drawing/2014/main" id="{BF22FBB6-EEBF-4BA6-B7DB-97B0E9DB2373}"/>
+              </a:ext>
+            </a:extLst>
+          </p:cNvPr>
+          <p:cNvPicPr>
+            <a:picLocks noGrp="1" noChangeAspect="1"/>
+          </p:cNvPicPr>
+          <p:nvPr>
+            <p:ph sz="half" idx="2"/>
+          </p:nvPr>
+        </p:nvPicPr>
+        <p:blipFill>
+          <a:blip r:embed="rId2"/>
+          <a:stretch>
+            <a:fillRect/>
+          </a:stretch>
+        </p:blipFill>
+        <p:spPr>
+          <a:xfrm>
+            <a:off x="-38948" y="0"/>
+            <a:ext cx="6375400" cy="6409267"/>
+          </a:xfrm>
+        </p:spPr>
+      </p:pic>
+      <p:pic>
+        <p:nvPicPr>
+          <p:cNvPr id="9" name="Content Placeholder 8" descr="Chart, line chart&#10;&#10;Description automatically generated">
+            <a:extLst>
+              <a:ext uri="{FF2B5EF4-FFF2-40B4-BE49-F238E27FC236}">
+                <a16:creationId xmlns:a16="http://schemas.microsoft.com/office/drawing/2014/main" id="{C66C98DA-D68C-45FC-A51D-73421002E098}"/>
+              </a:ext>
+            </a:extLst>
+          </p:cNvPr>
+          <p:cNvPicPr>
+            <a:picLocks noGrp="1" noChangeAspect="1"/>
+          </p:cNvPicPr>
+          <p:nvPr>
+            <p:ph sz="quarter" idx="4"/>
+          </p:nvPr>
+        </p:nvPicPr>
+        <p:blipFill>
+          <a:blip r:embed="rId3"/>
+          <a:stretch>
+            <a:fillRect/>
+          </a:stretch>
+        </p:blipFill>
+        <p:spPr>
+          <a:xfrm>
+            <a:off x="6096000" y="575734"/>
+            <a:ext cx="6092235" cy="5511800"/>
+          </a:xfrm>
+        </p:spPr>
+      </p:pic>
+    </p:spTree>
+    <p:extLst>
+      <p:ext uri="{BB962C8B-B14F-4D97-AF65-F5344CB8AC3E}">
+        <p14:creationId xmlns:p14="http://schemas.microsoft.com/office/powerpoint/2010/main" val="150142689"/>
+      </p:ext>
+    </p:extLst>
+  </p:cSld>
+  <p:clrMapOvr>
+    <a:masterClrMapping/>
+  </p:clrMapOvr>
+</p:sld>
+</file>
+
+<file path=ppt/slides/slide11.xml><?xml version="1.0" encoding="utf-8"?>
+<p:sld xmlns:a="http://schemas.openxmlformats.org/drawingml/2006/main" xmlns:r="http://schemas.openxmlformats.org/officeDocument/2006/relationships" xmlns:p="http://schemas.openxmlformats.org/presentationml/2006/main">
+  <p:cSld>
+    <p:bg>
+      <p:bgPr>
+        <a:solidFill>
+          <a:schemeClr val="bg1"/>
+        </a:solidFill>
+        <a:effectLst/>
+      </p:bgPr>
+    </p:bg>
+    <p:spTree>
+      <p:nvGrpSpPr>
+        <p:cNvPr id="1" name=""/>
+        <p:cNvGrpSpPr/>
+        <p:nvPr/>
+      </p:nvGrpSpPr>
+      <p:grpSpPr>
+        <a:xfrm>
+          <a:off x="0" y="0"/>
+          <a:ext cx="0" cy="0"/>
+          <a:chOff x="0" y="0"/>
+          <a:chExt cx="0" cy="0"/>
+        </a:xfrm>
+      </p:grpSpPr>
+      <p:pic>
+        <p:nvPicPr>
+          <p:cNvPr id="3078" name="Picture 6" descr="5 Questions the Most Interesting People Will Always Ask in Conversations |  Inc.com">
+            <a:extLst>
+              <a:ext uri="{FF2B5EF4-FFF2-40B4-BE49-F238E27FC236}">
+                <a16:creationId xmlns:a16="http://schemas.microsoft.com/office/drawing/2014/main" id="{8B91B1CE-4314-4F1D-8AB2-C3BCBFFE6F2A}"/>
+              </a:ext>
+            </a:extLst>
+          </p:cNvPr>
+          <p:cNvPicPr>
+            <a:picLocks noChangeAspect="1" noChangeArrowheads="1"/>
+          </p:cNvPicPr>
+          <p:nvPr/>
+        </p:nvPicPr>
+        <p:blipFill rotWithShape="1">
+          <a:blip r:embed="rId2">
+            <a:extLst>
+              <a:ext uri="{28A0092B-C50C-407E-A947-70E740481C1C}">
+                <a14:useLocalDpi xmlns:a14="http://schemas.microsoft.com/office/drawing/2010/main" val="0"/>
+              </a:ext>
+            </a:extLst>
+          </a:blip>
+          <a:srcRect/>
+          <a:stretch/>
+        </p:blipFill>
+        <p:spPr bwMode="auto">
+          <a:xfrm>
+            <a:off x="0" y="0"/>
+            <a:ext cx="12192000" cy="6858000"/>
+          </a:xfrm>
+          <a:prstGeom prst="rect">
+            <a:avLst/>
+          </a:prstGeom>
+          <a:noFill/>
+          <a:extLst>
+            <a:ext uri="{909E8E84-426E-40DD-AFC4-6F175D3DCCD1}">
+              <a14:hiddenFill xmlns:a14="http://schemas.microsoft.com/office/drawing/2010/main">
+                <a:solidFill>
+                  <a:srgbClr val="FFFFFF"/>
+                </a:solidFill>
+              </a14:hiddenFill>
+            </a:ext>
+          </a:extLst>
+        </p:spPr>
+      </p:pic>
+      <p:sp>
+        <p:nvSpPr>
+          <p:cNvPr id="75" name="Rectangle 74">
+            <a:extLst>
+              <a:ext uri="{FF2B5EF4-FFF2-40B4-BE49-F238E27FC236}">
+                <a16:creationId xmlns:a16="http://schemas.microsoft.com/office/drawing/2014/main" id="{8DA9D5E3-3A22-4873-81C8-59749E2165B5}"/>
+              </a:ext>
+              <a:ext uri="{C183D7F6-B498-43B3-948B-1728B52AA6E4}">
+                <adec:decorative xmlns:adec="http://schemas.microsoft.com/office/drawing/2017/decorative" val="1"/>
+              </a:ext>
+            </a:extLst>
+          </p:cNvPr>
+          <p:cNvSpPr>
+            <a:spLocks noGrp="1" noRot="1" noChangeAspect="1" noMove="1" noResize="1" noEditPoints="1" noAdjustHandles="1" noChangeArrowheads="1" noChangeShapeType="1" noTextEdit="1"/>
+          </p:cNvSpPr>
+          <p:nvPr>
+            <p:extLst>
+              <p:ext uri="{386F3935-93C4-4BCD-93E2-E3B085C9AB24}">
+                <p16:designElem xmlns:p16="http://schemas.microsoft.com/office/powerpoint/2015/main" val="1"/>
+              </p:ext>
+            </p:extLst>
+          </p:nvPr>
+        </p:nvSpPr>
+        <p:spPr>
+          <a:xfrm>
+            <a:off x="3175" y="6400800"/>
+            <a:ext cx="12188825" cy="457200"/>
+          </a:xfrm>
+          <a:prstGeom prst="rect">
+            <a:avLst/>
+          </a:prstGeom>
+          <a:solidFill>
+            <a:srgbClr val="262626"/>
+          </a:solidFill>
+          <a:ln>
+            <a:noFill/>
+          </a:ln>
+        </p:spPr>
+        <p:style>
+          <a:lnRef idx="2">
+            <a:schemeClr val="accent1">
+              <a:shade val="50000"/>
+            </a:schemeClr>
+          </a:lnRef>
+          <a:fillRef idx="1">
+            <a:schemeClr val="accent1"/>
+          </a:fillRef>
+          <a:effectRef idx="0">
+            <a:schemeClr val="accent1"/>
+          </a:effectRef>
+          <a:fontRef idx="minor">
+            <a:schemeClr val="lt1"/>
+          </a:fontRef>
+        </p:style>
+      </p:sp>
+      <p:sp>
+        <p:nvSpPr>
+          <p:cNvPr id="2" name="TextBox 1">
+            <a:extLst>
+              <a:ext uri="{FF2B5EF4-FFF2-40B4-BE49-F238E27FC236}">
+                <a16:creationId xmlns:a16="http://schemas.microsoft.com/office/drawing/2014/main" id="{D7AE5DB4-1C44-4883-A4E1-04093ED18438}"/>
+              </a:ext>
+            </a:extLst>
+          </p:cNvPr>
+          <p:cNvSpPr txBox="1"/>
+          <p:nvPr/>
+        </p:nvSpPr>
+        <p:spPr>
+          <a:xfrm>
+            <a:off x="2835479" y="3343013"/>
+            <a:ext cx="2877424" cy="707886"/>
+          </a:xfrm>
+          <a:prstGeom prst="rect">
+            <a:avLst/>
+          </a:prstGeom>
+          <a:noFill/>
+        </p:spPr>
+        <p:txBody>
+          <a:bodyPr wrap="square" rtlCol="0">
+            <a:spAutoFit/>
+          </a:bodyPr>
+          <a:lstStyle/>
+          <a:p>
+            <a:r>
+              <a:rPr lang="en-US" sz="4000" b="1" dirty="0">
+                <a:latin typeface="+mj-lt"/>
+              </a:rPr>
+              <a:t>Questions</a:t>
+            </a:r>
+          </a:p>
+        </p:txBody>
+      </p:sp>
+      <p:sp>
+        <p:nvSpPr>
+          <p:cNvPr id="3" name="TextBox 2">
+            <a:extLst>
+              <a:ext uri="{FF2B5EF4-FFF2-40B4-BE49-F238E27FC236}">
+                <a16:creationId xmlns:a16="http://schemas.microsoft.com/office/drawing/2014/main" id="{83D0A8C5-2C78-42B3-B2A0-2272562C59CC}"/>
+              </a:ext>
+            </a:extLst>
+          </p:cNvPr>
+          <p:cNvSpPr txBox="1"/>
+          <p:nvPr/>
+        </p:nvSpPr>
+        <p:spPr>
+          <a:xfrm>
+            <a:off x="6645479" y="1767281"/>
+            <a:ext cx="2877424" cy="707886"/>
+          </a:xfrm>
+          <a:prstGeom prst="rect">
+            <a:avLst/>
+          </a:prstGeom>
+          <a:noFill/>
+        </p:spPr>
+        <p:txBody>
+          <a:bodyPr wrap="square" rtlCol="0">
+            <a:spAutoFit/>
+          </a:bodyPr>
+          <a:lstStyle/>
+          <a:p>
+            <a:r>
+              <a:rPr lang="en-US" sz="4000" b="1" dirty="0">
+                <a:latin typeface="+mj-lt"/>
+              </a:rPr>
+              <a:t>Questions</a:t>
+            </a:r>
+          </a:p>
+        </p:txBody>
+      </p:sp>
+    </p:spTree>
+    <p:extLst>
+      <p:ext uri="{BB962C8B-B14F-4D97-AF65-F5344CB8AC3E}">
+        <p14:creationId xmlns:p14="http://schemas.microsoft.com/office/powerpoint/2010/main" val="2084987383"/>
+      </p:ext>
+    </p:extLst>
+  </p:cSld>
+  <p:clrMapOvr>
+    <a:masterClrMapping/>
   </p:clrMapOvr>
 </p:sld>
 </file>
@@ -3630,57 +4002,12 @@
           <a:chExt cx="0" cy="0"/>
         </a:xfrm>
       </p:grpSpPr>
-      <p:pic>
-        <p:nvPicPr>
-          <p:cNvPr id="1028" name="Picture 4" descr="See the source image">
-            <a:extLst>
-              <a:ext uri="{FF2B5EF4-FFF2-40B4-BE49-F238E27FC236}">
-                <a16:creationId xmlns:a16="http://schemas.microsoft.com/office/drawing/2014/main" id="{9EE557FC-6E67-4C4D-A2C9-667F634E6FF7}"/>
-              </a:ext>
-            </a:extLst>
-          </p:cNvPr>
-          <p:cNvPicPr>
-            <a:picLocks noChangeAspect="1" noChangeArrowheads="1"/>
-          </p:cNvPicPr>
-          <p:nvPr/>
-        </p:nvPicPr>
-        <p:blipFill rotWithShape="1">
-          <a:blip r:embed="rId3">
-            <a:extLst>
-              <a:ext uri="{28A0092B-C50C-407E-A947-70E740481C1C}">
-                <a14:useLocalDpi xmlns:a14="http://schemas.microsoft.com/office/drawing/2010/main" val="0"/>
-              </a:ext>
-            </a:extLst>
-          </a:blip>
-          <a:srcRect l="15291" r="4545"/>
-          <a:stretch/>
-        </p:blipFill>
-        <p:spPr bwMode="auto">
-          <a:xfrm>
-            <a:off x="16" y="10"/>
-            <a:ext cx="7556889" cy="6857990"/>
-          </a:xfrm>
-          <a:prstGeom prst="rect">
-            <a:avLst/>
-          </a:prstGeom>
-          <a:noFill/>
-          <a:extLst>
-            <a:ext uri="{909E8E84-426E-40DD-AFC4-6F175D3DCCD1}">
-              <a14:hiddenFill xmlns:a14="http://schemas.microsoft.com/office/drawing/2010/main">
-                <a:solidFill>
-                  <a:srgbClr val="FFFFFF"/>
-                </a:solidFill>
-              </a14:hiddenFill>
-            </a:ext>
-          </a:extLst>
-        </p:spPr>
-      </p:pic>
-      <p:sp>
-        <p:nvSpPr>
-          <p:cNvPr id="73" name="Rectangle 72">
-            <a:extLst>
-              <a:ext uri="{FF2B5EF4-FFF2-40B4-BE49-F238E27FC236}">
-                <a16:creationId xmlns:a16="http://schemas.microsoft.com/office/drawing/2014/main" id="{6482F060-A4AF-4E0B-B364-7C6BA4AE9C03}"/>
+      <p:sp>
+        <p:nvSpPr>
+          <p:cNvPr id="16" name="Rectangle 8">
+            <a:extLst>
+              <a:ext uri="{FF2B5EF4-FFF2-40B4-BE49-F238E27FC236}">
+                <a16:creationId xmlns:a16="http://schemas.microsoft.com/office/drawing/2014/main" id="{39E3965E-AC41-4711-9D10-E25ABB132D86}"/>
               </a:ext>
               <a:ext uri="{C183D7F6-B498-43B3-948B-1728B52AA6E4}">
                 <adec:decorative xmlns:adec="http://schemas.microsoft.com/office/drawing/2017/decorative" val="1"/>
@@ -3698,10 +4025,10 @@
             </p:extLst>
           </p:nvPr>
         </p:nvSpPr>
-        <p:spPr bwMode="white">
-          <a:xfrm>
-            <a:off x="7556905" y="0"/>
-            <a:ext cx="4641315" cy="6858000"/>
+        <p:spPr>
+          <a:xfrm>
+            <a:off x="3175" y="6400800"/>
+            <a:ext cx="12188825" cy="457200"/>
           </a:xfrm>
           <a:prstGeom prst="rect">
             <a:avLst/>
@@ -3730,117 +4057,12 @@
           </a:fontRef>
         </p:style>
       </p:sp>
-      <p:sp>
-        <p:nvSpPr>
-          <p:cNvPr id="2" name="Title 1">
-            <a:extLst>
-              <a:ext uri="{FF2B5EF4-FFF2-40B4-BE49-F238E27FC236}">
-                <a16:creationId xmlns:a16="http://schemas.microsoft.com/office/drawing/2014/main" id="{9AB2EA78-AEB3-469B-9025-3B17201A457B}"/>
-              </a:ext>
-            </a:extLst>
-          </p:cNvPr>
-          <p:cNvSpPr>
-            <a:spLocks noGrp="1"/>
-          </p:cNvSpPr>
-          <p:nvPr>
-            <p:ph type="ctrTitle"/>
-          </p:nvPr>
-        </p:nvSpPr>
-        <p:spPr>
-          <a:xfrm>
-            <a:off x="8047939" y="640079"/>
-            <a:ext cx="4015430" cy="2916837"/>
-          </a:xfrm>
-        </p:spPr>
-        <p:txBody>
-          <a:bodyPr>
-            <a:normAutofit fontScale="90000"/>
-          </a:bodyPr>
-          <a:lstStyle/>
-          <a:p>
-            <a:pPr algn="ctr"/>
-            <a:r>
-              <a:rPr lang="en-US" sz="5400" dirty="0">
-                <a:solidFill>
-                  <a:srgbClr val="FFFFFF"/>
-                </a:solidFill>
-              </a:rPr>
-              <a:t>The Effect of Minimum Wage on Employment</a:t>
-            </a:r>
-          </a:p>
-        </p:txBody>
-      </p:sp>
-      <p:sp>
-        <p:nvSpPr>
-          <p:cNvPr id="3" name="Subtitle 2">
-            <a:extLst>
-              <a:ext uri="{FF2B5EF4-FFF2-40B4-BE49-F238E27FC236}">
-                <a16:creationId xmlns:a16="http://schemas.microsoft.com/office/drawing/2014/main" id="{255E1F2F-E259-4EA8-9FFD-3A10AF541859}"/>
-              </a:ext>
-            </a:extLst>
-          </p:cNvPr>
-          <p:cNvSpPr>
-            <a:spLocks noGrp="1"/>
-          </p:cNvSpPr>
-          <p:nvPr>
-            <p:ph type="subTitle" idx="1"/>
-          </p:nvPr>
-        </p:nvSpPr>
-        <p:spPr>
-          <a:xfrm>
-            <a:off x="8047939" y="3812135"/>
-            <a:ext cx="3659246" cy="1596655"/>
-          </a:xfrm>
-        </p:spPr>
-        <p:txBody>
-          <a:bodyPr>
-            <a:normAutofit/>
-          </a:bodyPr>
-          <a:lstStyle/>
-          <a:p>
-            <a:r>
-              <a:rPr lang="en-US" sz="1800" dirty="0">
-                <a:solidFill>
-                  <a:srgbClr val="FFFFFF"/>
-                </a:solidFill>
-              </a:rPr>
-              <a:t>Team Name</a:t>
-            </a:r>
-          </a:p>
-          <a:p>
-            <a:r>
-              <a:rPr lang="en-US" sz="1800" dirty="0">
-                <a:solidFill>
-                  <a:srgbClr val="FFFFFF"/>
-                </a:solidFill>
-              </a:rPr>
-              <a:t>Devin, </a:t>
-            </a:r>
-            <a:r>
-              <a:rPr lang="en-US" sz="1800" dirty="0" err="1">
-                <a:solidFill>
-                  <a:srgbClr val="FFFFFF"/>
-                </a:solidFill>
-              </a:rPr>
-              <a:t>Kosel</a:t>
-            </a:r>
-            <a:r>
-              <a:rPr lang="en-US" sz="1800" dirty="0">
-                <a:solidFill>
-                  <a:srgbClr val="FFFFFF"/>
-                </a:solidFill>
-              </a:rPr>
-              <a:t>, Lesly, Mark, Will</a:t>
-            </a:r>
-          </a:p>
-        </p:txBody>
-      </p:sp>
       <p:cxnSp>
         <p:nvCxnSpPr>
-          <p:cNvPr id="75" name="Straight Connector 74">
-            <a:extLst>
-              <a:ext uri="{FF2B5EF4-FFF2-40B4-BE49-F238E27FC236}">
-                <a16:creationId xmlns:a16="http://schemas.microsoft.com/office/drawing/2014/main" id="{B9EB6DAA-2F0C-43D5-A577-15D5D2C4E3F5}"/>
+          <p:cNvPr id="18" name="Straight Connector 10">
+            <a:extLst>
+              <a:ext uri="{FF2B5EF4-FFF2-40B4-BE49-F238E27FC236}">
+                <a16:creationId xmlns:a16="http://schemas.microsoft.com/office/drawing/2014/main" id="{1F5DC8C3-BA5F-4EED-BB9A-A14272BD82A1}"/>
               </a:ext>
               <a:ext uri="{C183D7F6-B498-43B3-948B-1728B52AA6E4}">
                 <adec:decorative xmlns:adec="http://schemas.microsoft.com/office/drawing/2017/decorative" val="1"/>
@@ -3860,7 +4082,217 @@
         </p:nvCxnSpPr>
         <p:spPr>
           <a:xfrm>
-            <a:off x="8185922" y="3651268"/>
+            <a:off x="1207658" y="4474741"/>
+            <a:ext cx="9875520" cy="0"/>
+          </a:xfrm>
+          <a:prstGeom prst="line">
+            <a:avLst/>
+          </a:prstGeom>
+          <a:ln w="12700">
+            <a:solidFill>
+              <a:schemeClr val="tx1">
+                <a:lumMod val="75000"/>
+                <a:lumOff val="25000"/>
+              </a:schemeClr>
+            </a:solidFill>
+          </a:ln>
+        </p:spPr>
+        <p:style>
+          <a:lnRef idx="1">
+            <a:schemeClr val="accent1"/>
+          </a:lnRef>
+          <a:fillRef idx="0">
+            <a:schemeClr val="accent1"/>
+          </a:fillRef>
+          <a:effectRef idx="0">
+            <a:schemeClr val="accent1"/>
+          </a:effectRef>
+          <a:fontRef idx="minor">
+            <a:schemeClr val="tx1"/>
+          </a:fontRef>
+        </p:style>
+      </p:cxnSp>
+      <p:sp useBgFill="1">
+        <p:nvSpPr>
+          <p:cNvPr id="19" name="Rectangle 12">
+            <a:extLst>
+              <a:ext uri="{FF2B5EF4-FFF2-40B4-BE49-F238E27FC236}">
+                <a16:creationId xmlns:a16="http://schemas.microsoft.com/office/drawing/2014/main" id="{B4D0E555-16F6-44D0-BF56-AF5FF5BDE9D6}"/>
+              </a:ext>
+              <a:ext uri="{C183D7F6-B498-43B3-948B-1728B52AA6E4}">
+                <adec:decorative xmlns:adec="http://schemas.microsoft.com/office/drawing/2017/decorative" val="1"/>
+              </a:ext>
+            </a:extLst>
+          </p:cNvPr>
+          <p:cNvSpPr>
+            <a:spLocks noGrp="1" noRot="1" noChangeAspect="1" noMove="1" noResize="1" noEditPoints="1" noAdjustHandles="1" noChangeArrowheads="1" noChangeShapeType="1" noTextEdit="1"/>
+          </p:cNvSpPr>
+          <p:nvPr>
+            <p:extLst>
+              <p:ext uri="{386F3935-93C4-4BCD-93E2-E3B085C9AB24}">
+                <p16:designElem xmlns:p16="http://schemas.microsoft.com/office/powerpoint/2015/main" val="1"/>
+              </p:ext>
+            </p:extLst>
+          </p:nvPr>
+        </p:nvSpPr>
+        <p:spPr>
+          <a:xfrm>
+            <a:off x="0" y="0"/>
+            <a:ext cx="12192000" cy="6858000"/>
+          </a:xfrm>
+          <a:prstGeom prst="rect">
+            <a:avLst/>
+          </a:prstGeom>
+          <a:ln>
+            <a:noFill/>
+          </a:ln>
+        </p:spPr>
+        <p:style>
+          <a:lnRef idx="2">
+            <a:schemeClr val="accent1">
+              <a:shade val="50000"/>
+            </a:schemeClr>
+          </a:lnRef>
+          <a:fillRef idx="1001">
+            <a:schemeClr val="lt1"/>
+          </a:fillRef>
+          <a:effectRef idx="0">
+            <a:schemeClr val="accent1"/>
+          </a:effectRef>
+          <a:fontRef idx="minor">
+            <a:schemeClr val="lt1"/>
+          </a:fontRef>
+        </p:style>
+        <p:txBody>
+          <a:bodyPr rtlCol="0" anchor="ctr"/>
+          <a:lstStyle/>
+          <a:p>
+            <a:pPr algn="ctr"/>
+            <a:endParaRPr lang="en-US"/>
+          </a:p>
+        </p:txBody>
+      </p:sp>
+      <p:sp>
+        <p:nvSpPr>
+          <p:cNvPr id="15" name="Rectangle 14">
+            <a:extLst>
+              <a:ext uri="{FF2B5EF4-FFF2-40B4-BE49-F238E27FC236}">
+                <a16:creationId xmlns:a16="http://schemas.microsoft.com/office/drawing/2014/main" id="{8117041D-1A7B-4ECA-AB68-3CFDB6726B8E}"/>
+              </a:ext>
+              <a:ext uri="{C183D7F6-B498-43B3-948B-1728B52AA6E4}">
+                <adec:decorative xmlns:adec="http://schemas.microsoft.com/office/drawing/2017/decorative" val="1"/>
+              </a:ext>
+            </a:extLst>
+          </p:cNvPr>
+          <p:cNvSpPr>
+            <a:spLocks noGrp="1" noRot="1" noChangeAspect="1" noMove="1" noResize="1" noEditPoints="1" noAdjustHandles="1" noChangeArrowheads="1" noChangeShapeType="1" noTextEdit="1"/>
+          </p:cNvSpPr>
+          <p:nvPr>
+            <p:extLst>
+              <p:ext uri="{386F3935-93C4-4BCD-93E2-E3B085C9AB24}">
+                <p16:designElem xmlns:p16="http://schemas.microsoft.com/office/powerpoint/2015/main" val="1"/>
+              </p:ext>
+            </p:extLst>
+          </p:nvPr>
+        </p:nvSpPr>
+        <p:spPr bwMode="white">
+          <a:xfrm>
+            <a:off x="-6220" y="0"/>
+            <a:ext cx="4641314" cy="6858000"/>
+          </a:xfrm>
+          <a:prstGeom prst="rect">
+            <a:avLst/>
+          </a:prstGeom>
+          <a:solidFill>
+            <a:srgbClr val="262626"/>
+          </a:solidFill>
+          <a:ln>
+            <a:noFill/>
+          </a:ln>
+        </p:spPr>
+        <p:style>
+          <a:lnRef idx="2">
+            <a:schemeClr val="accent1">
+              <a:shade val="50000"/>
+            </a:schemeClr>
+          </a:lnRef>
+          <a:fillRef idx="1">
+            <a:schemeClr val="accent1"/>
+          </a:fillRef>
+          <a:effectRef idx="0">
+            <a:schemeClr val="accent1"/>
+          </a:effectRef>
+          <a:fontRef idx="minor">
+            <a:schemeClr val="lt1"/>
+          </a:fontRef>
+        </p:style>
+      </p:sp>
+      <p:sp>
+        <p:nvSpPr>
+          <p:cNvPr id="2" name="Title 1">
+            <a:extLst>
+              <a:ext uri="{FF2B5EF4-FFF2-40B4-BE49-F238E27FC236}">
+                <a16:creationId xmlns:a16="http://schemas.microsoft.com/office/drawing/2014/main" id="{75AC86D3-8FD1-4F47-A319-7D0542E48B2F}"/>
+              </a:ext>
+            </a:extLst>
+          </p:cNvPr>
+          <p:cNvSpPr>
+            <a:spLocks noGrp="1"/>
+          </p:cNvSpPr>
+          <p:nvPr>
+            <p:ph type="title"/>
+          </p:nvPr>
+        </p:nvSpPr>
+        <p:spPr>
+          <a:xfrm>
+            <a:off x="435869" y="326503"/>
+            <a:ext cx="3659246" cy="2135792"/>
+          </a:xfrm>
+        </p:spPr>
+        <p:txBody>
+          <a:bodyPr vert="horz" lIns="91440" tIns="45720" rIns="91440" bIns="45720" rtlCol="0" anchor="b">
+            <a:noAutofit/>
+          </a:bodyPr>
+          <a:lstStyle/>
+          <a:p>
+            <a:pPr algn="ctr"/>
+            <a:r>
+              <a:rPr lang="en-US" sz="4800" dirty="0">
+                <a:solidFill>
+                  <a:srgbClr val="FFFFFF"/>
+                </a:solidFill>
+              </a:rPr>
+              <a:t>Minimum Wage in America</a:t>
+            </a:r>
+          </a:p>
+        </p:txBody>
+      </p:sp>
+      <p:cxnSp>
+        <p:nvCxnSpPr>
+          <p:cNvPr id="17" name="Straight Connector 16">
+            <a:extLst>
+              <a:ext uri="{FF2B5EF4-FFF2-40B4-BE49-F238E27FC236}">
+                <a16:creationId xmlns:a16="http://schemas.microsoft.com/office/drawing/2014/main" id="{ABCD2462-4C1E-401A-AC2D-F799A138B245}"/>
+              </a:ext>
+              <a:ext uri="{C183D7F6-B498-43B3-948B-1728B52AA6E4}">
+                <adec:decorative xmlns:adec="http://schemas.microsoft.com/office/drawing/2017/decorative" val="1"/>
+              </a:ext>
+            </a:extLst>
+          </p:cNvPr>
+          <p:cNvCxnSpPr>
+            <a:cxnSpLocks noGrp="1" noRot="1" noChangeAspect="1" noMove="1" noResize="1" noEditPoints="1" noAdjustHandles="1" noChangeArrowheads="1" noChangeShapeType="1"/>
+          </p:cNvCxnSpPr>
+          <p:nvPr>
+            <p:extLst>
+              <p:ext uri="{386F3935-93C4-4BCD-93E2-E3B085C9AB24}">
+                <p16:designElem xmlns:p16="http://schemas.microsoft.com/office/powerpoint/2015/main" val="1"/>
+              </p:ext>
+            </p:extLst>
+          </p:nvPr>
+        </p:nvCxnSpPr>
+        <p:spPr>
+          <a:xfrm>
+            <a:off x="573852" y="3663649"/>
             <a:ext cx="3383280" cy="0"/>
           </a:xfrm>
           <a:prstGeom prst="line">
@@ -3887,15 +4319,155 @@
           </a:fontRef>
         </p:style>
       </p:cxnSp>
+      <p:sp>
+        <p:nvSpPr>
+          <p:cNvPr id="6" name="TextBox 5">
+            <a:extLst>
+              <a:ext uri="{FF2B5EF4-FFF2-40B4-BE49-F238E27FC236}">
+                <a16:creationId xmlns:a16="http://schemas.microsoft.com/office/drawing/2014/main" id="{8B2378F9-B171-4CD5-BB5F-F898666FB4BB}"/>
+              </a:ext>
+            </a:extLst>
+          </p:cNvPr>
+          <p:cNvSpPr txBox="1"/>
+          <p:nvPr/>
+        </p:nvSpPr>
+        <p:spPr>
+          <a:xfrm>
+            <a:off x="5276422" y="522744"/>
+            <a:ext cx="6479709" cy="5355312"/>
+          </a:xfrm>
+          <a:prstGeom prst="rect">
+            <a:avLst/>
+          </a:prstGeom>
+          <a:noFill/>
+        </p:spPr>
+        <p:txBody>
+          <a:bodyPr wrap="square" rtlCol="0">
+            <a:spAutoFit/>
+          </a:bodyPr>
+          <a:lstStyle/>
+          <a:p>
+            <a:r>
+              <a:rPr lang="en-US" dirty="0">
+                <a:solidFill>
+                  <a:srgbClr val="000000"/>
+                </a:solidFill>
+                <a:latin typeface="Verdana" panose="020B0604030504040204" pitchFamily="34" charset="0"/>
+              </a:rPr>
+              <a:t>Minimum wage was established in 1938 under the Fair Labor Standard Act, which established a federal minimum wage of 25 cents per hour. The bill was signed into law by President Roosevelt as part of the New Deal to protect workers during the Great Depression. </a:t>
+            </a:r>
+          </a:p>
+          <a:p>
+            <a:endParaRPr lang="en-US" dirty="0">
+              <a:solidFill>
+                <a:srgbClr val="000000"/>
+              </a:solidFill>
+              <a:latin typeface="Verdana" panose="020B0604030504040204" pitchFamily="34" charset="0"/>
+            </a:endParaRPr>
+          </a:p>
+          <a:p>
+            <a:endParaRPr lang="en-US" dirty="0">
+              <a:solidFill>
+                <a:srgbClr val="000000"/>
+              </a:solidFill>
+              <a:latin typeface="Verdana" panose="020B0604030504040204" pitchFamily="34" charset="0"/>
+            </a:endParaRPr>
+          </a:p>
+          <a:p>
+            <a:r>
+              <a:rPr lang="en-US" dirty="0">
+                <a:solidFill>
+                  <a:srgbClr val="000000"/>
+                </a:solidFill>
+                <a:latin typeface="Verdana" panose="020B0604030504040204" pitchFamily="34" charset="0"/>
+              </a:rPr>
+              <a:t>The purpose of the minimum wage is to provide a base pay rate for employees and protect workers against unduly low pay. </a:t>
+            </a:r>
+          </a:p>
+          <a:p>
+            <a:endParaRPr lang="en-US" dirty="0">
+              <a:solidFill>
+                <a:srgbClr val="000000"/>
+              </a:solidFill>
+              <a:latin typeface="Verdana" panose="020B0604030504040204" pitchFamily="34" charset="0"/>
+            </a:endParaRPr>
+          </a:p>
+          <a:p>
+            <a:endParaRPr lang="en-US" dirty="0">
+              <a:solidFill>
+                <a:srgbClr val="000000"/>
+              </a:solidFill>
+              <a:latin typeface="Verdana" panose="020B0604030504040204" pitchFamily="34" charset="0"/>
+            </a:endParaRPr>
+          </a:p>
+          <a:p>
+            <a:r>
+              <a:rPr lang="en-US" dirty="0">
+                <a:solidFill>
+                  <a:srgbClr val="000000"/>
+                </a:solidFill>
+                <a:latin typeface="Verdana" panose="020B0604030504040204" pitchFamily="34" charset="0"/>
+              </a:rPr>
+              <a:t>The U.S. current national minimum wage is $7.25 per hour. Many states and cities have their own minimum wage. Employees receive whichever is higher, the federal or local minimum wage.</a:t>
+            </a:r>
+          </a:p>
+          <a:p>
+            <a:endParaRPr lang="en-US" dirty="0">
+              <a:solidFill>
+                <a:srgbClr val="000000"/>
+              </a:solidFill>
+              <a:latin typeface="Verdana" panose="020B0604030504040204" pitchFamily="34" charset="0"/>
+            </a:endParaRPr>
+          </a:p>
+          <a:p>
+            <a:endParaRPr lang="en-US" dirty="0">
+              <a:solidFill>
+                <a:srgbClr val="000000"/>
+              </a:solidFill>
+              <a:latin typeface="Verdana" panose="020B0604030504040204" pitchFamily="34" charset="0"/>
+            </a:endParaRPr>
+          </a:p>
+        </p:txBody>
+      </p:sp>
+      <p:pic>
+        <p:nvPicPr>
+          <p:cNvPr id="7" name="Picture 6" descr="Chart, line chart&#10;&#10;Description automatically generated">
+            <a:extLst>
+              <a:ext uri="{FF2B5EF4-FFF2-40B4-BE49-F238E27FC236}">
+                <a16:creationId xmlns:a16="http://schemas.microsoft.com/office/drawing/2014/main" id="{83E91FC8-1ED9-4094-B1D6-AEAA9AA88B42}"/>
+              </a:ext>
+            </a:extLst>
+          </p:cNvPr>
+          <p:cNvPicPr>
+            <a:picLocks noChangeAspect="1"/>
+          </p:cNvPicPr>
+          <p:nvPr/>
+        </p:nvPicPr>
+        <p:blipFill>
+          <a:blip r:embed="rId3"/>
+          <a:stretch>
+            <a:fillRect/>
+          </a:stretch>
+        </p:blipFill>
+        <p:spPr>
+          <a:xfrm>
+            <a:off x="235655" y="2981915"/>
+            <a:ext cx="4157563" cy="3206449"/>
+          </a:xfrm>
+          <a:prstGeom prst="rect">
+            <a:avLst/>
+          </a:prstGeom>
+        </p:spPr>
+      </p:pic>
     </p:spTree>
     <p:extLst>
       <p:ext uri="{BB962C8B-B14F-4D97-AF65-F5344CB8AC3E}">
-        <p14:creationId xmlns:p14="http://schemas.microsoft.com/office/powerpoint/2010/main" val="1885805844"/>
+        <p14:creationId xmlns:p14="http://schemas.microsoft.com/office/powerpoint/2010/main" val="971555765"/>
       </p:ext>
     </p:extLst>
   </p:cSld>
   <p:clrMapOvr>
-    <a:overrideClrMapping bg1="dk1" tx1="lt1" bg2="dk2" tx2="lt2" accent1="accent1" accent2="accent2" accent3="accent3" accent4="accent4" accent5="accent5" accent6="accent6" hlink="hlink" folHlink="folHlink"/>
+    <a:masterClrMapping/>
   </p:clrMapOvr>
 </p:sld>
 </file>
@@ -3925,471 +4497,6 @@
           <a:chExt cx="0" cy="0"/>
         </a:xfrm>
       </p:grpSpPr>
-      <p:sp>
-        <p:nvSpPr>
-          <p:cNvPr id="16" name="Rectangle 8">
-            <a:extLst>
-              <a:ext uri="{FF2B5EF4-FFF2-40B4-BE49-F238E27FC236}">
-                <a16:creationId xmlns:a16="http://schemas.microsoft.com/office/drawing/2014/main" id="{39E3965E-AC41-4711-9D10-E25ABB132D86}"/>
-              </a:ext>
-              <a:ext uri="{C183D7F6-B498-43B3-948B-1728B52AA6E4}">
-                <adec:decorative xmlns:adec="http://schemas.microsoft.com/office/drawing/2017/decorative" val="1"/>
-              </a:ext>
-            </a:extLst>
-          </p:cNvPr>
-          <p:cNvSpPr>
-            <a:spLocks noGrp="1" noRot="1" noChangeAspect="1" noMove="1" noResize="1" noEditPoints="1" noAdjustHandles="1" noChangeArrowheads="1" noChangeShapeType="1" noTextEdit="1"/>
-          </p:cNvSpPr>
-          <p:nvPr>
-            <p:extLst>
-              <p:ext uri="{386F3935-93C4-4BCD-93E2-E3B085C9AB24}">
-                <p16:designElem xmlns:p16="http://schemas.microsoft.com/office/powerpoint/2015/main" val="1"/>
-              </p:ext>
-            </p:extLst>
-          </p:nvPr>
-        </p:nvSpPr>
-        <p:spPr>
-          <a:xfrm>
-            <a:off x="3175" y="6400800"/>
-            <a:ext cx="12188825" cy="457200"/>
-          </a:xfrm>
-          <a:prstGeom prst="rect">
-            <a:avLst/>
-          </a:prstGeom>
-          <a:solidFill>
-            <a:srgbClr val="262626"/>
-          </a:solidFill>
-          <a:ln>
-            <a:noFill/>
-          </a:ln>
-        </p:spPr>
-        <p:style>
-          <a:lnRef idx="2">
-            <a:schemeClr val="accent1">
-              <a:shade val="50000"/>
-            </a:schemeClr>
-          </a:lnRef>
-          <a:fillRef idx="1">
-            <a:schemeClr val="accent1"/>
-          </a:fillRef>
-          <a:effectRef idx="0">
-            <a:schemeClr val="accent1"/>
-          </a:effectRef>
-          <a:fontRef idx="minor">
-            <a:schemeClr val="lt1"/>
-          </a:fontRef>
-        </p:style>
-      </p:sp>
-      <p:cxnSp>
-        <p:nvCxnSpPr>
-          <p:cNvPr id="18" name="Straight Connector 10">
-            <a:extLst>
-              <a:ext uri="{FF2B5EF4-FFF2-40B4-BE49-F238E27FC236}">
-                <a16:creationId xmlns:a16="http://schemas.microsoft.com/office/drawing/2014/main" id="{1F5DC8C3-BA5F-4EED-BB9A-A14272BD82A1}"/>
-              </a:ext>
-              <a:ext uri="{C183D7F6-B498-43B3-948B-1728B52AA6E4}">
-                <adec:decorative xmlns:adec="http://schemas.microsoft.com/office/drawing/2017/decorative" val="1"/>
-              </a:ext>
-            </a:extLst>
-          </p:cNvPr>
-          <p:cNvCxnSpPr>
-            <a:cxnSpLocks noGrp="1" noRot="1" noChangeAspect="1" noMove="1" noResize="1" noEditPoints="1" noAdjustHandles="1" noChangeArrowheads="1" noChangeShapeType="1"/>
-          </p:cNvCxnSpPr>
-          <p:nvPr>
-            <p:extLst>
-              <p:ext uri="{386F3935-93C4-4BCD-93E2-E3B085C9AB24}">
-                <p16:designElem xmlns:p16="http://schemas.microsoft.com/office/powerpoint/2015/main" val="1"/>
-              </p:ext>
-            </p:extLst>
-          </p:nvPr>
-        </p:nvCxnSpPr>
-        <p:spPr>
-          <a:xfrm>
-            <a:off x="1207658" y="4474741"/>
-            <a:ext cx="9875520" cy="0"/>
-          </a:xfrm>
-          <a:prstGeom prst="line">
-            <a:avLst/>
-          </a:prstGeom>
-          <a:ln w="12700">
-            <a:solidFill>
-              <a:schemeClr val="tx1">
-                <a:lumMod val="75000"/>
-                <a:lumOff val="25000"/>
-              </a:schemeClr>
-            </a:solidFill>
-          </a:ln>
-        </p:spPr>
-        <p:style>
-          <a:lnRef idx="1">
-            <a:schemeClr val="accent1"/>
-          </a:lnRef>
-          <a:fillRef idx="0">
-            <a:schemeClr val="accent1"/>
-          </a:fillRef>
-          <a:effectRef idx="0">
-            <a:schemeClr val="accent1"/>
-          </a:effectRef>
-          <a:fontRef idx="minor">
-            <a:schemeClr val="tx1"/>
-          </a:fontRef>
-        </p:style>
-      </p:cxnSp>
-      <p:sp useBgFill="1">
-        <p:nvSpPr>
-          <p:cNvPr id="19" name="Rectangle 12">
-            <a:extLst>
-              <a:ext uri="{FF2B5EF4-FFF2-40B4-BE49-F238E27FC236}">
-                <a16:creationId xmlns:a16="http://schemas.microsoft.com/office/drawing/2014/main" id="{B4D0E555-16F6-44D0-BF56-AF5FF5BDE9D6}"/>
-              </a:ext>
-              <a:ext uri="{C183D7F6-B498-43B3-948B-1728B52AA6E4}">
-                <adec:decorative xmlns:adec="http://schemas.microsoft.com/office/drawing/2017/decorative" val="1"/>
-              </a:ext>
-            </a:extLst>
-          </p:cNvPr>
-          <p:cNvSpPr>
-            <a:spLocks noGrp="1" noRot="1" noChangeAspect="1" noMove="1" noResize="1" noEditPoints="1" noAdjustHandles="1" noChangeArrowheads="1" noChangeShapeType="1" noTextEdit="1"/>
-          </p:cNvSpPr>
-          <p:nvPr>
-            <p:extLst>
-              <p:ext uri="{386F3935-93C4-4BCD-93E2-E3B085C9AB24}">
-                <p16:designElem xmlns:p16="http://schemas.microsoft.com/office/powerpoint/2015/main" val="1"/>
-              </p:ext>
-            </p:extLst>
-          </p:nvPr>
-        </p:nvSpPr>
-        <p:spPr>
-          <a:xfrm>
-            <a:off x="0" y="0"/>
-            <a:ext cx="12192000" cy="6858000"/>
-          </a:xfrm>
-          <a:prstGeom prst="rect">
-            <a:avLst/>
-          </a:prstGeom>
-          <a:ln>
-            <a:noFill/>
-          </a:ln>
-        </p:spPr>
-        <p:style>
-          <a:lnRef idx="2">
-            <a:schemeClr val="accent1">
-              <a:shade val="50000"/>
-            </a:schemeClr>
-          </a:lnRef>
-          <a:fillRef idx="1001">
-            <a:schemeClr val="lt1"/>
-          </a:fillRef>
-          <a:effectRef idx="0">
-            <a:schemeClr val="accent1"/>
-          </a:effectRef>
-          <a:fontRef idx="minor">
-            <a:schemeClr val="lt1"/>
-          </a:fontRef>
-        </p:style>
-        <p:txBody>
-          <a:bodyPr rtlCol="0" anchor="ctr"/>
-          <a:lstStyle/>
-          <a:p>
-            <a:pPr algn="ctr"/>
-            <a:endParaRPr lang="en-US"/>
-          </a:p>
-        </p:txBody>
-      </p:sp>
-      <p:sp>
-        <p:nvSpPr>
-          <p:cNvPr id="15" name="Rectangle 14">
-            <a:extLst>
-              <a:ext uri="{FF2B5EF4-FFF2-40B4-BE49-F238E27FC236}">
-                <a16:creationId xmlns:a16="http://schemas.microsoft.com/office/drawing/2014/main" id="{8117041D-1A7B-4ECA-AB68-3CFDB6726B8E}"/>
-              </a:ext>
-              <a:ext uri="{C183D7F6-B498-43B3-948B-1728B52AA6E4}">
-                <adec:decorative xmlns:adec="http://schemas.microsoft.com/office/drawing/2017/decorative" val="1"/>
-              </a:ext>
-            </a:extLst>
-          </p:cNvPr>
-          <p:cNvSpPr>
-            <a:spLocks noGrp="1" noRot="1" noChangeAspect="1" noMove="1" noResize="1" noEditPoints="1" noAdjustHandles="1" noChangeArrowheads="1" noChangeShapeType="1" noTextEdit="1"/>
-          </p:cNvSpPr>
-          <p:nvPr>
-            <p:extLst>
-              <p:ext uri="{386F3935-93C4-4BCD-93E2-E3B085C9AB24}">
-                <p16:designElem xmlns:p16="http://schemas.microsoft.com/office/powerpoint/2015/main" val="1"/>
-              </p:ext>
-            </p:extLst>
-          </p:nvPr>
-        </p:nvSpPr>
-        <p:spPr bwMode="white">
-          <a:xfrm>
-            <a:off x="-6220" y="0"/>
-            <a:ext cx="4641314" cy="6858000"/>
-          </a:xfrm>
-          <a:prstGeom prst="rect">
-            <a:avLst/>
-          </a:prstGeom>
-          <a:solidFill>
-            <a:srgbClr val="262626"/>
-          </a:solidFill>
-          <a:ln>
-            <a:noFill/>
-          </a:ln>
-        </p:spPr>
-        <p:style>
-          <a:lnRef idx="2">
-            <a:schemeClr val="accent1">
-              <a:shade val="50000"/>
-            </a:schemeClr>
-          </a:lnRef>
-          <a:fillRef idx="1">
-            <a:schemeClr val="accent1"/>
-          </a:fillRef>
-          <a:effectRef idx="0">
-            <a:schemeClr val="accent1"/>
-          </a:effectRef>
-          <a:fontRef idx="minor">
-            <a:schemeClr val="lt1"/>
-          </a:fontRef>
-        </p:style>
-      </p:sp>
-      <p:sp>
-        <p:nvSpPr>
-          <p:cNvPr id="2" name="Title 1">
-            <a:extLst>
-              <a:ext uri="{FF2B5EF4-FFF2-40B4-BE49-F238E27FC236}">
-                <a16:creationId xmlns:a16="http://schemas.microsoft.com/office/drawing/2014/main" id="{75AC86D3-8FD1-4F47-A319-7D0542E48B2F}"/>
-              </a:ext>
-            </a:extLst>
-          </p:cNvPr>
-          <p:cNvSpPr>
-            <a:spLocks noGrp="1"/>
-          </p:cNvSpPr>
-          <p:nvPr>
-            <p:ph type="title"/>
-          </p:nvPr>
-        </p:nvSpPr>
-        <p:spPr>
-          <a:xfrm>
-            <a:off x="435869" y="640080"/>
-            <a:ext cx="3659246" cy="2862699"/>
-          </a:xfrm>
-        </p:spPr>
-        <p:txBody>
-          <a:bodyPr vert="horz" lIns="91440" tIns="45720" rIns="91440" bIns="45720" rtlCol="0" anchor="b">
-            <a:noAutofit/>
-          </a:bodyPr>
-          <a:lstStyle/>
-          <a:p>
-            <a:pPr algn="ctr"/>
-            <a:r>
-              <a:rPr lang="en-US" sz="4800" dirty="0">
-                <a:solidFill>
-                  <a:srgbClr val="FFFFFF"/>
-                </a:solidFill>
-              </a:rPr>
-              <a:t>Minimum Wage in America</a:t>
-            </a:r>
-          </a:p>
-        </p:txBody>
-      </p:sp>
-      <p:cxnSp>
-        <p:nvCxnSpPr>
-          <p:cNvPr id="17" name="Straight Connector 16">
-            <a:extLst>
-              <a:ext uri="{FF2B5EF4-FFF2-40B4-BE49-F238E27FC236}">
-                <a16:creationId xmlns:a16="http://schemas.microsoft.com/office/drawing/2014/main" id="{ABCD2462-4C1E-401A-AC2D-F799A138B245}"/>
-              </a:ext>
-              <a:ext uri="{C183D7F6-B498-43B3-948B-1728B52AA6E4}">
-                <adec:decorative xmlns:adec="http://schemas.microsoft.com/office/drawing/2017/decorative" val="1"/>
-              </a:ext>
-            </a:extLst>
-          </p:cNvPr>
-          <p:cNvCxnSpPr>
-            <a:cxnSpLocks noGrp="1" noRot="1" noChangeAspect="1" noMove="1" noResize="1" noEditPoints="1" noAdjustHandles="1" noChangeArrowheads="1" noChangeShapeType="1"/>
-          </p:cNvCxnSpPr>
-          <p:nvPr>
-            <p:extLst>
-              <p:ext uri="{386F3935-93C4-4BCD-93E2-E3B085C9AB24}">
-                <p16:designElem xmlns:p16="http://schemas.microsoft.com/office/powerpoint/2015/main" val="1"/>
-              </p:ext>
-            </p:extLst>
-          </p:nvPr>
-        </p:nvCxnSpPr>
-        <p:spPr>
-          <a:xfrm>
-            <a:off x="573852" y="3663649"/>
-            <a:ext cx="3383280" cy="0"/>
-          </a:xfrm>
-          <a:prstGeom prst="line">
-            <a:avLst/>
-          </a:prstGeom>
-          <a:ln w="19050">
-            <a:solidFill>
-              <a:schemeClr val="accent1"/>
-            </a:solidFill>
-          </a:ln>
-        </p:spPr>
-        <p:style>
-          <a:lnRef idx="1">
-            <a:schemeClr val="accent1"/>
-          </a:lnRef>
-          <a:fillRef idx="0">
-            <a:schemeClr val="accent1"/>
-          </a:fillRef>
-          <a:effectRef idx="0">
-            <a:schemeClr val="accent1"/>
-          </a:effectRef>
-          <a:fontRef idx="minor">
-            <a:schemeClr val="tx1"/>
-          </a:fontRef>
-        </p:style>
-      </p:cxnSp>
-      <p:sp>
-        <p:nvSpPr>
-          <p:cNvPr id="6" name="TextBox 5">
-            <a:extLst>
-              <a:ext uri="{FF2B5EF4-FFF2-40B4-BE49-F238E27FC236}">
-                <a16:creationId xmlns:a16="http://schemas.microsoft.com/office/drawing/2014/main" id="{8B2378F9-B171-4CD5-BB5F-F898666FB4BB}"/>
-              </a:ext>
-            </a:extLst>
-          </p:cNvPr>
-          <p:cNvSpPr txBox="1"/>
-          <p:nvPr/>
-        </p:nvSpPr>
-        <p:spPr>
-          <a:xfrm>
-            <a:off x="5680667" y="474345"/>
-            <a:ext cx="5402511" cy="5909310"/>
-          </a:xfrm>
-          <a:prstGeom prst="rect">
-            <a:avLst/>
-          </a:prstGeom>
-          <a:noFill/>
-        </p:spPr>
-        <p:txBody>
-          <a:bodyPr wrap="square" rtlCol="0">
-            <a:spAutoFit/>
-          </a:bodyPr>
-          <a:lstStyle/>
-          <a:p>
-            <a:r>
-              <a:rPr lang="en-US" dirty="0">
-                <a:solidFill>
-                  <a:srgbClr val="000000"/>
-                </a:solidFill>
-                <a:latin typeface="Verdana" panose="020B0604030504040204" pitchFamily="34" charset="0"/>
-              </a:rPr>
-              <a:t>Minimum wage was established in 1938 under the Fair Labor Standard Act, which established a federal minimum wage of 25 cents per hour. The bill was signed into law by President Roosevelt as part of the New Deal to protect workers during the Great Depression. </a:t>
-            </a:r>
-          </a:p>
-          <a:p>
-            <a:endParaRPr lang="en-US" dirty="0">
-              <a:solidFill>
-                <a:srgbClr val="000000"/>
-              </a:solidFill>
-              <a:latin typeface="Verdana" panose="020B0604030504040204" pitchFamily="34" charset="0"/>
-            </a:endParaRPr>
-          </a:p>
-          <a:p>
-            <a:endParaRPr lang="en-US" dirty="0">
-              <a:solidFill>
-                <a:srgbClr val="000000"/>
-              </a:solidFill>
-              <a:latin typeface="Verdana" panose="020B0604030504040204" pitchFamily="34" charset="0"/>
-            </a:endParaRPr>
-          </a:p>
-          <a:p>
-            <a:r>
-              <a:rPr lang="en-US" dirty="0">
-                <a:solidFill>
-                  <a:srgbClr val="000000"/>
-                </a:solidFill>
-                <a:latin typeface="Verdana" panose="020B0604030504040204" pitchFamily="34" charset="0"/>
-              </a:rPr>
-              <a:t>The purpose of the minimum wage is to provide a base pay rate for employees and protect workers against unduly low pay. </a:t>
-            </a:r>
-          </a:p>
-          <a:p>
-            <a:endParaRPr lang="en-US" dirty="0">
-              <a:solidFill>
-                <a:srgbClr val="000000"/>
-              </a:solidFill>
-              <a:latin typeface="Verdana" panose="020B0604030504040204" pitchFamily="34" charset="0"/>
-            </a:endParaRPr>
-          </a:p>
-          <a:p>
-            <a:endParaRPr lang="en-US" dirty="0">
-              <a:solidFill>
-                <a:srgbClr val="000000"/>
-              </a:solidFill>
-              <a:latin typeface="Verdana" panose="020B0604030504040204" pitchFamily="34" charset="0"/>
-            </a:endParaRPr>
-          </a:p>
-          <a:p>
-            <a:r>
-              <a:rPr lang="en-US" dirty="0">
-                <a:solidFill>
-                  <a:srgbClr val="000000"/>
-                </a:solidFill>
-                <a:latin typeface="Verdana" panose="020B0604030504040204" pitchFamily="34" charset="0"/>
-              </a:rPr>
-              <a:t>The U.S. current national minimum wage is $7.25 per hour. Many states and cities have their own minimum wage. Employees receive whichever is higher, the federal or local minimum wage.</a:t>
-            </a:r>
-          </a:p>
-          <a:p>
-            <a:endParaRPr lang="en-US" dirty="0">
-              <a:solidFill>
-                <a:srgbClr val="000000"/>
-              </a:solidFill>
-              <a:latin typeface="Verdana" panose="020B0604030504040204" pitchFamily="34" charset="0"/>
-            </a:endParaRPr>
-          </a:p>
-          <a:p>
-            <a:endParaRPr lang="en-US" dirty="0">
-              <a:solidFill>
-                <a:srgbClr val="000000"/>
-              </a:solidFill>
-              <a:latin typeface="Verdana" panose="020B0604030504040204" pitchFamily="34" charset="0"/>
-            </a:endParaRPr>
-          </a:p>
-        </p:txBody>
-      </p:sp>
-    </p:spTree>
-    <p:extLst>
-      <p:ext uri="{BB962C8B-B14F-4D97-AF65-F5344CB8AC3E}">
-        <p14:creationId xmlns:p14="http://schemas.microsoft.com/office/powerpoint/2010/main" val="971555765"/>
-      </p:ext>
-    </p:extLst>
-  </p:cSld>
-  <p:clrMapOvr>
-    <a:masterClrMapping/>
-  </p:clrMapOvr>
-</p:sld>
-</file>
-
-<file path=ppt/slides/slide4.xml><?xml version="1.0" encoding="utf-8"?>
-<p:sld xmlns:a="http://schemas.openxmlformats.org/drawingml/2006/main" xmlns:r="http://schemas.openxmlformats.org/officeDocument/2006/relationships" xmlns:p="http://schemas.openxmlformats.org/presentationml/2006/main">
-  <p:cSld>
-    <p:bg>
-      <p:bgPr>
-        <a:solidFill>
-          <a:schemeClr val="bg1"/>
-        </a:solidFill>
-        <a:effectLst/>
-      </p:bgPr>
-    </p:bg>
-    <p:spTree>
-      <p:nvGrpSpPr>
-        <p:cNvPr id="1" name=""/>
-        <p:cNvGrpSpPr/>
-        <p:nvPr/>
-      </p:nvGrpSpPr>
-      <p:grpSpPr>
-        <a:xfrm>
-          <a:off x="0" y="0"/>
-          <a:ext cx="0" cy="0"/>
-          <a:chOff x="0" y="0"/>
-          <a:chExt cx="0" cy="0"/>
-        </a:xfrm>
-      </p:grpSpPr>
       <p:sp useBgFill="1">
         <p:nvSpPr>
           <p:cNvPr id="24" name="Rectangle 23">
@@ -4675,6 +4782,351 @@
   </p:cSld>
   <p:clrMapOvr>
     <a:masterClrMapping/>
+  </p:clrMapOvr>
+</p:sld>
+</file>
+
+<file path=ppt/slides/slide4.xml><?xml version="1.0" encoding="utf-8"?>
+<p:sld xmlns:a="http://schemas.openxmlformats.org/drawingml/2006/main" xmlns:r="http://schemas.openxmlformats.org/officeDocument/2006/relationships" xmlns:p="http://schemas.openxmlformats.org/presentationml/2006/main">
+  <p:cSld>
+    <p:bg>
+      <p:bgPr>
+        <a:gradFill rotWithShape="1">
+          <a:gsLst>
+            <a:gs pos="0">
+              <a:schemeClr val="bg1">
+                <a:tint val="96000"/>
+                <a:shade val="99000"/>
+                <a:satMod val="140000"/>
+              </a:schemeClr>
+            </a:gs>
+            <a:gs pos="65000">
+              <a:schemeClr val="bg1">
+                <a:tint val="100000"/>
+                <a:shade val="80000"/>
+                <a:satMod val="130000"/>
+              </a:schemeClr>
+            </a:gs>
+            <a:gs pos="100000">
+              <a:schemeClr val="bg1">
+                <a:tint val="100000"/>
+                <a:shade val="48000"/>
+                <a:satMod val="120000"/>
+              </a:schemeClr>
+            </a:gs>
+          </a:gsLst>
+          <a:lin ang="16200000" scaled="0"/>
+        </a:gradFill>
+        <a:effectLst/>
+      </p:bgPr>
+    </p:bg>
+    <p:spTree>
+      <p:nvGrpSpPr>
+        <p:cNvPr id="1" name=""/>
+        <p:cNvGrpSpPr/>
+        <p:nvPr/>
+      </p:nvGrpSpPr>
+      <p:grpSpPr>
+        <a:xfrm>
+          <a:off x="0" y="0"/>
+          <a:ext cx="0" cy="0"/>
+          <a:chOff x="0" y="0"/>
+          <a:chExt cx="0" cy="0"/>
+        </a:xfrm>
+      </p:grpSpPr>
+      <p:sp useBgFill="1">
+        <p:nvSpPr>
+          <p:cNvPr id="19" name="Rectangle 8">
+            <a:extLst>
+              <a:ext uri="{FF2B5EF4-FFF2-40B4-BE49-F238E27FC236}">
+                <a16:creationId xmlns:a16="http://schemas.microsoft.com/office/drawing/2014/main" id="{0F6F1E82-F603-49E4-9641-09EEA984A343}"/>
+              </a:ext>
+              <a:ext uri="{C183D7F6-B498-43B3-948B-1728B52AA6E4}">
+                <adec:decorative xmlns:adec="http://schemas.microsoft.com/office/drawing/2017/decorative" val="1"/>
+              </a:ext>
+            </a:extLst>
+          </p:cNvPr>
+          <p:cNvSpPr>
+            <a:spLocks noGrp="1" noRot="1" noChangeAspect="1" noMove="1" noResize="1" noEditPoints="1" noAdjustHandles="1" noChangeArrowheads="1" noChangeShapeType="1" noTextEdit="1"/>
+          </p:cNvSpPr>
+          <p:nvPr>
+            <p:extLst>
+              <p:ext uri="{386F3935-93C4-4BCD-93E2-E3B085C9AB24}">
+                <p16:designElem xmlns:p16="http://schemas.microsoft.com/office/powerpoint/2015/main" val="1"/>
+              </p:ext>
+            </p:extLst>
+          </p:nvPr>
+        </p:nvSpPr>
+        <p:spPr>
+          <a:xfrm>
+            <a:off x="0" y="0"/>
+            <a:ext cx="12192000" cy="6858000"/>
+          </a:xfrm>
+          <a:prstGeom prst="rect">
+            <a:avLst/>
+          </a:prstGeom>
+          <a:ln>
+            <a:noFill/>
+          </a:ln>
+        </p:spPr>
+        <p:style>
+          <a:lnRef idx="2">
+            <a:schemeClr val="accent1">
+              <a:shade val="50000"/>
+            </a:schemeClr>
+          </a:lnRef>
+          <a:fillRef idx="1">
+            <a:schemeClr val="accent1"/>
+          </a:fillRef>
+          <a:effectRef idx="0">
+            <a:schemeClr val="accent1"/>
+          </a:effectRef>
+          <a:fontRef idx="minor">
+            <a:schemeClr val="lt1"/>
+          </a:fontRef>
+        </p:style>
+        <p:txBody>
+          <a:bodyPr rtlCol="0" anchor="ctr"/>
+          <a:lstStyle/>
+          <a:p>
+            <a:pPr marL="0" marR="0" lvl="0" indent="0" algn="ctr" defTabSz="914400" rtl="0" eaLnBrk="1" fontAlgn="auto" latinLnBrk="0" hangingPunct="1">
+              <a:lnSpc>
+                <a:spcPct val="100000"/>
+              </a:lnSpc>
+              <a:spcBef>
+                <a:spcPts val="0"/>
+              </a:spcBef>
+              <a:spcAft>
+                <a:spcPts val="0"/>
+              </a:spcAft>
+              <a:buClrTx/>
+              <a:buSzTx/>
+              <a:buFontTx/>
+              <a:buNone/>
+              <a:tabLst/>
+              <a:defRPr/>
+            </a:pPr>
+            <a:endParaRPr kumimoji="0" lang="en-US" sz="1800" b="0" i="0" u="none" strike="noStrike" kern="1200" cap="none" spc="0" normalizeH="0" baseline="0" noProof="0">
+              <a:ln>
+                <a:noFill/>
+              </a:ln>
+              <a:solidFill>
+                <a:srgbClr val="FFFFFF"/>
+              </a:solidFill>
+              <a:effectLst/>
+              <a:uLnTx/>
+              <a:uFillTx/>
+              <a:latin typeface="Franklin Gothic Book" panose="020F0502020204030204"/>
+              <a:ea typeface="+mn-ea"/>
+              <a:cs typeface="+mn-cs"/>
+            </a:endParaRPr>
+          </a:p>
+        </p:txBody>
+      </p:sp>
+      <p:sp>
+        <p:nvSpPr>
+          <p:cNvPr id="2" name="Title 1">
+            <a:extLst>
+              <a:ext uri="{FF2B5EF4-FFF2-40B4-BE49-F238E27FC236}">
+                <a16:creationId xmlns:a16="http://schemas.microsoft.com/office/drawing/2014/main" id="{75AC86D3-8FD1-4F47-A319-7D0542E48B2F}"/>
+              </a:ext>
+            </a:extLst>
+          </p:cNvPr>
+          <p:cNvSpPr>
+            <a:spLocks noGrp="1"/>
+          </p:cNvSpPr>
+          <p:nvPr>
+            <p:ph type="title"/>
+          </p:nvPr>
+        </p:nvSpPr>
+        <p:spPr>
+          <a:xfrm>
+            <a:off x="1097280" y="286603"/>
+            <a:ext cx="10058400" cy="1450757"/>
+          </a:xfrm>
+        </p:spPr>
+        <p:txBody>
+          <a:bodyPr vert="horz" lIns="91440" tIns="45720" rIns="91440" bIns="45720" rtlCol="0">
+            <a:normAutofit fontScale="90000"/>
+          </a:bodyPr>
+          <a:lstStyle/>
+          <a:p>
+            <a:pPr algn="ctr"/>
+            <a:r>
+              <a:rPr lang="en-US" dirty="0"/>
+              <a:t>Does increasing minimum wage influence employment opportunities?</a:t>
+            </a:r>
+          </a:p>
+        </p:txBody>
+      </p:sp>
+      <p:cxnSp>
+        <p:nvCxnSpPr>
+          <p:cNvPr id="20" name="Straight Connector 10">
+            <a:extLst>
+              <a:ext uri="{FF2B5EF4-FFF2-40B4-BE49-F238E27FC236}">
+                <a16:creationId xmlns:a16="http://schemas.microsoft.com/office/drawing/2014/main" id="{C81CFD00-FC30-4AFB-A61F-3127B2C90F71}"/>
+              </a:ext>
+              <a:ext uri="{C183D7F6-B498-43B3-948B-1728B52AA6E4}">
+                <adec:decorative xmlns:adec="http://schemas.microsoft.com/office/drawing/2017/decorative" val="1"/>
+              </a:ext>
+            </a:extLst>
+          </p:cNvPr>
+          <p:cNvCxnSpPr>
+            <a:cxnSpLocks noGrp="1" noRot="1" noChangeAspect="1" noMove="1" noResize="1" noEditPoints="1" noAdjustHandles="1" noChangeArrowheads="1" noChangeShapeType="1"/>
+          </p:cNvCxnSpPr>
+          <p:nvPr>
+            <p:extLst>
+              <p:ext uri="{386F3935-93C4-4BCD-93E2-E3B085C9AB24}">
+                <p16:designElem xmlns:p16="http://schemas.microsoft.com/office/powerpoint/2015/main" val="1"/>
+              </p:ext>
+            </p:extLst>
+          </p:nvPr>
+        </p:nvCxnSpPr>
+        <p:spPr>
+          <a:xfrm>
+            <a:off x="1193532" y="1897380"/>
+            <a:ext cx="9966960" cy="0"/>
+          </a:xfrm>
+          <a:prstGeom prst="line">
+            <a:avLst/>
+          </a:prstGeom>
+          <a:ln w="12700">
+            <a:solidFill>
+              <a:schemeClr val="tx1">
+                <a:lumMod val="75000"/>
+                <a:lumOff val="25000"/>
+              </a:schemeClr>
+            </a:solidFill>
+          </a:ln>
+        </p:spPr>
+        <p:style>
+          <a:lnRef idx="1">
+            <a:schemeClr val="accent1"/>
+          </a:lnRef>
+          <a:fillRef idx="0">
+            <a:schemeClr val="accent1"/>
+          </a:fillRef>
+          <a:effectRef idx="0">
+            <a:schemeClr val="accent1"/>
+          </a:effectRef>
+          <a:fontRef idx="minor">
+            <a:schemeClr val="tx1"/>
+          </a:fontRef>
+        </p:style>
+      </p:cxnSp>
+      <p:sp>
+        <p:nvSpPr>
+          <p:cNvPr id="21" name="Rectangle 12">
+            <a:extLst>
+              <a:ext uri="{FF2B5EF4-FFF2-40B4-BE49-F238E27FC236}">
+                <a16:creationId xmlns:a16="http://schemas.microsoft.com/office/drawing/2014/main" id="{9D1595AB-90F6-488F-B5E3-F8CFCC8FAA19}"/>
+              </a:ext>
+              <a:ext uri="{C183D7F6-B498-43B3-948B-1728B52AA6E4}">
+                <adec:decorative xmlns:adec="http://schemas.microsoft.com/office/drawing/2017/decorative" val="1"/>
+              </a:ext>
+            </a:extLst>
+          </p:cNvPr>
+          <p:cNvSpPr>
+            <a:spLocks noGrp="1" noRot="1" noChangeAspect="1" noMove="1" noResize="1" noEditPoints="1" noAdjustHandles="1" noChangeArrowheads="1" noChangeShapeType="1" noTextEdit="1"/>
+          </p:cNvSpPr>
+          <p:nvPr>
+            <p:extLst>
+              <p:ext uri="{386F3935-93C4-4BCD-93E2-E3B085C9AB24}">
+                <p16:designElem xmlns:p16="http://schemas.microsoft.com/office/powerpoint/2015/main" val="1"/>
+              </p:ext>
+            </p:extLst>
+          </p:nvPr>
+        </p:nvSpPr>
+        <p:spPr>
+          <a:xfrm>
+            <a:off x="0" y="6400800"/>
+            <a:ext cx="12192000" cy="457200"/>
+          </a:xfrm>
+          <a:prstGeom prst="rect">
+            <a:avLst/>
+          </a:prstGeom>
+          <a:solidFill>
+            <a:srgbClr val="262626"/>
+          </a:solidFill>
+          <a:ln>
+            <a:noFill/>
+          </a:ln>
+        </p:spPr>
+        <p:style>
+          <a:lnRef idx="2">
+            <a:schemeClr val="accent1">
+              <a:shade val="50000"/>
+            </a:schemeClr>
+          </a:lnRef>
+          <a:fillRef idx="1">
+            <a:schemeClr val="accent1"/>
+          </a:fillRef>
+          <a:effectRef idx="0">
+            <a:schemeClr val="accent1"/>
+          </a:effectRef>
+          <a:fontRef idx="minor">
+            <a:schemeClr val="lt1"/>
+          </a:fontRef>
+        </p:style>
+      </p:sp>
+      <p:pic>
+        <p:nvPicPr>
+          <p:cNvPr id="1026" name="Picture 2" descr="See the source image">
+            <a:extLst>
+              <a:ext uri="{FF2B5EF4-FFF2-40B4-BE49-F238E27FC236}">
+                <a16:creationId xmlns:a16="http://schemas.microsoft.com/office/drawing/2014/main" id="{B53D0582-23A6-479F-815C-6F622FCBFD2B}"/>
+              </a:ext>
+            </a:extLst>
+          </p:cNvPr>
+          <p:cNvPicPr>
+            <a:picLocks noGrp="1" noChangeAspect="1" noChangeArrowheads="1"/>
+          </p:cNvPicPr>
+          <p:nvPr>
+            <p:ph idx="1"/>
+          </p:nvPr>
+        </p:nvPicPr>
+        <p:blipFill>
+          <a:blip r:embed="rId3">
+            <a:extLst>
+              <a:ext uri="{28A0092B-C50C-407E-A947-70E740481C1C}">
+                <a14:useLocalDpi xmlns:a14="http://schemas.microsoft.com/office/drawing/2010/main" val="0"/>
+              </a:ext>
+            </a:extLst>
+          </a:blip>
+          <a:srcRect/>
+          <a:stretch>
+            <a:fillRect/>
+          </a:stretch>
+        </p:blipFill>
+        <p:spPr bwMode="auto">
+          <a:xfrm>
+            <a:off x="2432808" y="2559223"/>
+            <a:ext cx="6829469" cy="3841577"/>
+          </a:xfrm>
+          <a:prstGeom prst="rect">
+            <a:avLst/>
+          </a:prstGeom>
+          <a:noFill/>
+          <a:extLst>
+            <a:ext uri="{909E8E84-426E-40DD-AFC4-6F175D3DCCD1}">
+              <a14:hiddenFill xmlns:a14="http://schemas.microsoft.com/office/drawing/2010/main">
+                <a:solidFill>
+                  <a:srgbClr val="FFFFFF"/>
+                </a:solidFill>
+              </a14:hiddenFill>
+            </a:ext>
+          </a:extLst>
+        </p:spPr>
+      </p:pic>
+    </p:spTree>
+    <p:extLst>
+      <p:ext uri="{BB962C8B-B14F-4D97-AF65-F5344CB8AC3E}">
+        <p14:creationId xmlns:p14="http://schemas.microsoft.com/office/powerpoint/2010/main" val="3117827619"/>
+      </p:ext>
+    </p:extLst>
+  </p:cSld>
+  <p:clrMapOvr>
+    <a:overrideClrMapping bg1="dk1" tx1="lt1" bg2="dk2" tx2="lt2" accent1="accent1" accent2="accent2" accent3="accent3" accent4="accent4" accent5="accent5" accent6="accent6" hlink="hlink" folHlink="folHlink"/>
   </p:clrMapOvr>
 </p:sld>
 </file>
@@ -4834,20 +5286,20 @@
         </p:nvSpPr>
         <p:spPr>
           <a:xfrm>
-            <a:off x="1097280" y="286603"/>
+            <a:off x="1066800" y="328722"/>
             <a:ext cx="10058400" cy="1450757"/>
           </a:xfrm>
         </p:spPr>
         <p:txBody>
           <a:bodyPr vert="horz" lIns="91440" tIns="45720" rIns="91440" bIns="45720" rtlCol="0">
-            <a:normAutofit fontScale="90000"/>
+            <a:noAutofit/>
           </a:bodyPr>
           <a:lstStyle/>
           <a:p>
             <a:pPr algn="ctr"/>
             <a:r>
-              <a:rPr lang="en-US" dirty="0"/>
-              <a:t>Does increasing minimum wage influence employment opportunities?</a:t>
+              <a:rPr lang="en-US" sz="2800" dirty="0"/>
+              <a:t>Rising female labor force participation has been one of the most remarkable economic developments of the last century.</a:t>
             </a:r>
           </a:p>
         </p:txBody>
@@ -4962,157 +5414,70 @@
           </a:fontRef>
         </p:style>
       </p:sp>
-      <p:sp>
-        <p:nvSpPr>
-          <p:cNvPr id="6" name="TextBox 5">
-            <a:extLst>
-              <a:ext uri="{FF2B5EF4-FFF2-40B4-BE49-F238E27FC236}">
-                <a16:creationId xmlns:a16="http://schemas.microsoft.com/office/drawing/2014/main" id="{95EE6207-70F4-415D-908C-178189CAFA07}"/>
-              </a:ext>
-            </a:extLst>
-          </p:cNvPr>
-          <p:cNvSpPr txBox="1"/>
-          <p:nvPr/>
-        </p:nvSpPr>
-        <p:spPr>
-          <a:xfrm>
-            <a:off x="2046914" y="1897380"/>
-            <a:ext cx="7935985" cy="800219"/>
-          </a:xfrm>
-          <a:prstGeom prst="rect">
-            <a:avLst/>
-          </a:prstGeom>
-          <a:noFill/>
-        </p:spPr>
-        <p:txBody>
-          <a:bodyPr wrap="square" rtlCol="0">
-            <a:spAutoFit/>
-          </a:bodyPr>
-          <a:lstStyle/>
-          <a:p>
-            <a:pPr marL="0" marR="0" lvl="0" indent="0" algn="ctr" defTabSz="914400" rtl="0" eaLnBrk="1" fontAlgn="auto" latinLnBrk="0" hangingPunct="1">
-              <a:lnSpc>
-                <a:spcPct val="100000"/>
-              </a:lnSpc>
-              <a:spcBef>
-                <a:spcPts val="0"/>
-              </a:spcBef>
-              <a:spcAft>
-                <a:spcPts val="0"/>
-              </a:spcAft>
-              <a:buClrTx/>
-              <a:buSzTx/>
-              <a:buFontTx/>
-              <a:buNone/>
-              <a:tabLst/>
-              <a:defRPr/>
-            </a:pPr>
-            <a:r>
-              <a:rPr kumimoji="0" lang="en-US" sz="2800" b="0" i="0" u="none" strike="noStrike" kern="1200" cap="none" spc="0" normalizeH="0" baseline="0" noProof="0" dirty="0">
-                <a:ln>
-                  <a:noFill/>
-                </a:ln>
-                <a:solidFill>
-                  <a:srgbClr val="FFFFFF"/>
-                </a:solidFill>
-                <a:effectLst/>
-                <a:uLnTx/>
-                <a:uFillTx/>
-                <a:latin typeface="Franklin Gothic Book" panose="020F0502020204030204"/>
-                <a:ea typeface="+mn-ea"/>
-                <a:cs typeface="+mn-cs"/>
-              </a:rPr>
-              <a:t>Who benefits and who doesn’t?</a:t>
-            </a:r>
-          </a:p>
-          <a:p>
-            <a:pPr marL="0" marR="0" lvl="0" indent="0" algn="l" defTabSz="914400" rtl="0" eaLnBrk="1" fontAlgn="auto" latinLnBrk="0" hangingPunct="1">
-              <a:lnSpc>
-                <a:spcPct val="100000"/>
-              </a:lnSpc>
-              <a:spcBef>
-                <a:spcPts val="0"/>
-              </a:spcBef>
-              <a:spcAft>
-                <a:spcPts val="0"/>
-              </a:spcAft>
-              <a:buClrTx/>
-              <a:buSzTx/>
-              <a:buFontTx/>
-              <a:buNone/>
-              <a:tabLst/>
-              <a:defRPr/>
-            </a:pPr>
-            <a:endParaRPr kumimoji="0" lang="en-US" sz="1800" b="0" i="0" u="none" strike="noStrike" kern="1200" cap="none" spc="0" normalizeH="0" baseline="0" noProof="0" dirty="0">
-              <a:ln>
-                <a:noFill/>
-              </a:ln>
-              <a:solidFill>
-                <a:srgbClr val="FFFFFF"/>
-              </a:solidFill>
-              <a:effectLst/>
-              <a:uLnTx/>
-              <a:uFillTx/>
-              <a:latin typeface="Franklin Gothic Book" panose="020F0502020204030204"/>
-              <a:ea typeface="+mn-ea"/>
-              <a:cs typeface="+mn-cs"/>
-            </a:endParaRPr>
-          </a:p>
-        </p:txBody>
-      </p:sp>
       <p:pic>
         <p:nvPicPr>
-          <p:cNvPr id="1026" name="Picture 2" descr="See the source image">
-            <a:extLst>
-              <a:ext uri="{FF2B5EF4-FFF2-40B4-BE49-F238E27FC236}">
-                <a16:creationId xmlns:a16="http://schemas.microsoft.com/office/drawing/2014/main" id="{B53D0582-23A6-479F-815C-6F622FCBFD2B}"/>
+          <p:cNvPr id="7" name="Picture 6">
+            <a:extLst>
+              <a:ext uri="{FF2B5EF4-FFF2-40B4-BE49-F238E27FC236}">
+                <a16:creationId xmlns:a16="http://schemas.microsoft.com/office/drawing/2014/main" id="{B952E8DF-FC08-4C23-8C9C-84D1E54BF9AC}"/>
               </a:ext>
             </a:extLst>
           </p:cNvPr>
           <p:cNvPicPr>
-            <a:picLocks noGrp="1" noChangeAspect="1" noChangeArrowheads="1"/>
+            <a:picLocks noChangeAspect="1"/>
           </p:cNvPicPr>
-          <p:nvPr>
-            <p:ph idx="1"/>
-          </p:nvPr>
+          <p:nvPr/>
         </p:nvPicPr>
         <p:blipFill>
-          <a:blip r:embed="rId3">
-            <a:extLst>
-              <a:ext uri="{28A0092B-C50C-407E-A947-70E740481C1C}">
-                <a14:useLocalDpi xmlns:a14="http://schemas.microsoft.com/office/drawing/2010/main" val="0"/>
-              </a:ext>
-            </a:extLst>
-          </a:blip>
-          <a:srcRect/>
+          <a:blip r:embed="rId3"/>
           <a:stretch>
             <a:fillRect/>
           </a:stretch>
         </p:blipFill>
-        <p:spPr bwMode="auto">
-          <a:xfrm>
-            <a:off x="2432808" y="2559223"/>
-            <a:ext cx="6829469" cy="3841577"/>
+        <p:spPr>
+          <a:xfrm>
+            <a:off x="6177012" y="2232903"/>
+            <a:ext cx="5831846" cy="4296370"/>
           </a:xfrm>
           <a:prstGeom prst="rect">
             <a:avLst/>
           </a:prstGeom>
-          <a:noFill/>
-          <a:extLst>
-            <a:ext uri="{909E8E84-426E-40DD-AFC4-6F175D3DCCD1}">
-              <a14:hiddenFill xmlns:a14="http://schemas.microsoft.com/office/drawing/2010/main">
-                <a:solidFill>
-                  <a:srgbClr val="FFFFFF"/>
-                </a:solidFill>
-              </a14:hiddenFill>
-            </a:ext>
-          </a:extLst>
+        </p:spPr>
+      </p:pic>
+      <p:pic>
+        <p:nvPicPr>
+          <p:cNvPr id="3" name="Picture 2">
+            <a:extLst>
+              <a:ext uri="{FF2B5EF4-FFF2-40B4-BE49-F238E27FC236}">
+                <a16:creationId xmlns:a16="http://schemas.microsoft.com/office/drawing/2014/main" id="{2D653948-4FB6-4612-9FDF-EB2B377BC76A}"/>
+              </a:ext>
+            </a:extLst>
+          </p:cNvPr>
+          <p:cNvPicPr>
+            <a:picLocks noChangeAspect="1"/>
+          </p:cNvPicPr>
+          <p:nvPr/>
+        </p:nvPicPr>
+        <p:blipFill>
+          <a:blip r:embed="rId4"/>
+          <a:stretch>
+            <a:fillRect/>
+          </a:stretch>
+        </p:blipFill>
+        <p:spPr>
+          <a:xfrm>
+            <a:off x="183142" y="2232902"/>
+            <a:ext cx="5810728" cy="4296359"/>
+          </a:xfrm>
+          <a:prstGeom prst="rect">
+            <a:avLst/>
+          </a:prstGeom>
         </p:spPr>
       </p:pic>
     </p:spTree>
     <p:extLst>
       <p:ext uri="{BB962C8B-B14F-4D97-AF65-F5344CB8AC3E}">
-        <p14:creationId xmlns:p14="http://schemas.microsoft.com/office/powerpoint/2010/main" val="3117827619"/>
+        <p14:creationId xmlns:p14="http://schemas.microsoft.com/office/powerpoint/2010/main" val="2301559895"/>
       </p:ext>
     </p:extLst>
   </p:cSld>
@@ -5147,57 +5512,12 @@
           <a:chExt cx="0" cy="0"/>
         </a:xfrm>
       </p:grpSpPr>
-      <p:pic>
-        <p:nvPicPr>
-          <p:cNvPr id="3078" name="Picture 6" descr="5 Questions the Most Interesting People Will Always Ask in Conversations |  Inc.com">
-            <a:extLst>
-              <a:ext uri="{FF2B5EF4-FFF2-40B4-BE49-F238E27FC236}">
-                <a16:creationId xmlns:a16="http://schemas.microsoft.com/office/drawing/2014/main" id="{8B91B1CE-4314-4F1D-8AB2-C3BCBFFE6F2A}"/>
-              </a:ext>
-            </a:extLst>
-          </p:cNvPr>
-          <p:cNvPicPr>
-            <a:picLocks noChangeAspect="1" noChangeArrowheads="1"/>
-          </p:cNvPicPr>
-          <p:nvPr/>
-        </p:nvPicPr>
-        <p:blipFill rotWithShape="1">
-          <a:blip r:embed="rId2">
-            <a:extLst>
-              <a:ext uri="{28A0092B-C50C-407E-A947-70E740481C1C}">
-                <a14:useLocalDpi xmlns:a14="http://schemas.microsoft.com/office/drawing/2010/main" val="0"/>
-              </a:ext>
-            </a:extLst>
-          </a:blip>
-          <a:srcRect/>
-          <a:stretch/>
-        </p:blipFill>
-        <p:spPr bwMode="auto">
-          <a:xfrm>
-            <a:off x="0" y="0"/>
-            <a:ext cx="12192000" cy="6858000"/>
-          </a:xfrm>
-          <a:prstGeom prst="rect">
-            <a:avLst/>
-          </a:prstGeom>
-          <a:noFill/>
-          <a:extLst>
-            <a:ext uri="{909E8E84-426E-40DD-AFC4-6F175D3DCCD1}">
-              <a14:hiddenFill xmlns:a14="http://schemas.microsoft.com/office/drawing/2010/main">
-                <a:solidFill>
-                  <a:srgbClr val="FFFFFF"/>
-                </a:solidFill>
-              </a14:hiddenFill>
-            </a:ext>
-          </a:extLst>
-        </p:spPr>
-      </p:pic>
-      <p:sp>
-        <p:nvSpPr>
-          <p:cNvPr id="75" name="Rectangle 74">
-            <a:extLst>
-              <a:ext uri="{FF2B5EF4-FFF2-40B4-BE49-F238E27FC236}">
-                <a16:creationId xmlns:a16="http://schemas.microsoft.com/office/drawing/2014/main" id="{8DA9D5E3-3A22-4873-81C8-59749E2165B5}"/>
+      <p:sp>
+        <p:nvSpPr>
+          <p:cNvPr id="35" name="Rectangle 34">
+            <a:extLst>
+              <a:ext uri="{FF2B5EF4-FFF2-40B4-BE49-F238E27FC236}">
+                <a16:creationId xmlns:a16="http://schemas.microsoft.com/office/drawing/2014/main" id="{416A0E3C-60E6-4F39-BC55-5F7C224E1F7C}"/>
               </a:ext>
               <a:ext uri="{C183D7F6-B498-43B3-948B-1728B52AA6E4}">
                 <adec:decorative xmlns:adec="http://schemas.microsoft.com/office/drawing/2017/decorative" val="1"/>
@@ -5247,84 +5567,1141 @@
           </a:fontRef>
         </p:style>
       </p:sp>
-      <p:sp>
-        <p:nvSpPr>
-          <p:cNvPr id="2" name="TextBox 1">
-            <a:extLst>
-              <a:ext uri="{FF2B5EF4-FFF2-40B4-BE49-F238E27FC236}">
-                <a16:creationId xmlns:a16="http://schemas.microsoft.com/office/drawing/2014/main" id="{D7AE5DB4-1C44-4883-A4E1-04093ED18438}"/>
-              </a:ext>
-            </a:extLst>
-          </p:cNvPr>
-          <p:cNvSpPr txBox="1"/>
-          <p:nvPr/>
-        </p:nvSpPr>
-        <p:spPr>
-          <a:xfrm>
-            <a:off x="2835479" y="3343013"/>
-            <a:ext cx="2877424" cy="707886"/>
+      <p:cxnSp>
+        <p:nvCxnSpPr>
+          <p:cNvPr id="37" name="Straight Connector 36">
+            <a:extLst>
+              <a:ext uri="{FF2B5EF4-FFF2-40B4-BE49-F238E27FC236}">
+                <a16:creationId xmlns:a16="http://schemas.microsoft.com/office/drawing/2014/main" id="{C5025DAC-8B93-4160-B017-3A274A5828C0}"/>
+              </a:ext>
+              <a:ext uri="{C183D7F6-B498-43B3-948B-1728B52AA6E4}">
+                <adec:decorative xmlns:adec="http://schemas.microsoft.com/office/drawing/2017/decorative" val="1"/>
+              </a:ext>
+            </a:extLst>
+          </p:cNvPr>
+          <p:cNvCxnSpPr>
+            <a:cxnSpLocks noGrp="1" noRot="1" noChangeAspect="1" noMove="1" noResize="1" noEditPoints="1" noAdjustHandles="1" noChangeArrowheads="1" noChangeShapeType="1"/>
+          </p:cNvCxnSpPr>
+          <p:nvPr>
+            <p:extLst>
+              <p:ext uri="{386F3935-93C4-4BCD-93E2-E3B085C9AB24}">
+                <p16:designElem xmlns:p16="http://schemas.microsoft.com/office/powerpoint/2015/main" val="1"/>
+              </p:ext>
+            </p:extLst>
+          </p:nvPr>
+        </p:nvCxnSpPr>
+        <p:spPr>
+          <a:xfrm>
+            <a:off x="1193532" y="1897380"/>
+            <a:ext cx="9966960" cy="0"/>
+          </a:xfrm>
+          <a:prstGeom prst="line">
+            <a:avLst/>
+          </a:prstGeom>
+          <a:ln w="12700">
+            <a:solidFill>
+              <a:schemeClr val="tx1">
+                <a:lumMod val="75000"/>
+                <a:lumOff val="25000"/>
+              </a:schemeClr>
+            </a:solidFill>
+          </a:ln>
+        </p:spPr>
+        <p:style>
+          <a:lnRef idx="1">
+            <a:schemeClr val="accent1"/>
+          </a:lnRef>
+          <a:fillRef idx="0">
+            <a:schemeClr val="accent1"/>
+          </a:fillRef>
+          <a:effectRef idx="0">
+            <a:schemeClr val="accent1"/>
+          </a:effectRef>
+          <a:fontRef idx="minor">
+            <a:schemeClr val="tx1"/>
+          </a:fontRef>
+        </p:style>
+      </p:cxnSp>
+      <p:sp useBgFill="1">
+        <p:nvSpPr>
+          <p:cNvPr id="39" name="Rectangle 38">
+            <a:extLst>
+              <a:ext uri="{FF2B5EF4-FFF2-40B4-BE49-F238E27FC236}">
+                <a16:creationId xmlns:a16="http://schemas.microsoft.com/office/drawing/2014/main" id="{990D0034-F768-41E7-85D4-F38C4DE85770}"/>
+              </a:ext>
+              <a:ext uri="{C183D7F6-B498-43B3-948B-1728B52AA6E4}">
+                <adec:decorative xmlns:adec="http://schemas.microsoft.com/office/drawing/2017/decorative" val="1"/>
+              </a:ext>
+            </a:extLst>
+          </p:cNvPr>
+          <p:cNvSpPr>
+            <a:spLocks noGrp="1" noRot="1" noChangeAspect="1" noMove="1" noResize="1" noEditPoints="1" noAdjustHandles="1" noChangeArrowheads="1" noChangeShapeType="1" noTextEdit="1"/>
+          </p:cNvSpPr>
+          <p:nvPr>
+            <p:extLst>
+              <p:ext uri="{386F3935-93C4-4BCD-93E2-E3B085C9AB24}">
+                <p16:designElem xmlns:p16="http://schemas.microsoft.com/office/powerpoint/2015/main" val="1"/>
+              </p:ext>
+            </p:extLst>
+          </p:nvPr>
+        </p:nvSpPr>
+        <p:spPr>
+          <a:xfrm>
+            <a:off x="0" y="0"/>
+            <a:ext cx="12186315" cy="6858000"/>
           </a:xfrm>
           <a:prstGeom prst="rect">
             <a:avLst/>
           </a:prstGeom>
-          <a:noFill/>
-        </p:spPr>
+          <a:ln>
+            <a:noFill/>
+          </a:ln>
+        </p:spPr>
+        <p:style>
+          <a:lnRef idx="2">
+            <a:schemeClr val="accent6">
+              <a:shade val="50000"/>
+            </a:schemeClr>
+          </a:lnRef>
+          <a:fillRef idx="1001">
+            <a:schemeClr val="lt1"/>
+          </a:fillRef>
+          <a:effectRef idx="0">
+            <a:schemeClr val="accent6"/>
+          </a:effectRef>
+          <a:fontRef idx="minor">
+            <a:schemeClr val="lt1"/>
+          </a:fontRef>
+        </p:style>
         <p:txBody>
-          <a:bodyPr wrap="square" rtlCol="0">
-            <a:spAutoFit/>
-          </a:bodyPr>
+          <a:bodyPr rtlCol="0" anchor="ctr"/>
           <a:lstStyle/>
           <a:p>
-            <a:r>
-              <a:rPr lang="en-US" sz="4000" b="1" dirty="0">
-                <a:latin typeface="+mj-lt"/>
-              </a:rPr>
-              <a:t>Questions</a:t>
-            </a:r>
+            <a:pPr algn="ctr"/>
+            <a:endParaRPr lang="en-US"/>
           </a:p>
         </p:txBody>
       </p:sp>
-      <p:sp>
-        <p:nvSpPr>
-          <p:cNvPr id="3" name="TextBox 2">
-            <a:extLst>
-              <a:ext uri="{FF2B5EF4-FFF2-40B4-BE49-F238E27FC236}">
-                <a16:creationId xmlns:a16="http://schemas.microsoft.com/office/drawing/2014/main" id="{83D0A8C5-2C78-42B3-B2A0-2272562C59CC}"/>
-              </a:ext>
-            </a:extLst>
-          </p:cNvPr>
-          <p:cNvSpPr txBox="1"/>
-          <p:nvPr/>
-        </p:nvSpPr>
-        <p:spPr>
-          <a:xfrm>
-            <a:off x="6645479" y="1767281"/>
-            <a:ext cx="2877424" cy="707886"/>
+      <p:cxnSp>
+        <p:nvCxnSpPr>
+          <p:cNvPr id="41" name="Straight Connector 40">
+            <a:extLst>
+              <a:ext uri="{FF2B5EF4-FFF2-40B4-BE49-F238E27FC236}">
+                <a16:creationId xmlns:a16="http://schemas.microsoft.com/office/drawing/2014/main" id="{5A0A5CF6-407C-4691-8122-49DF69D0020D}"/>
+              </a:ext>
+              <a:ext uri="{C183D7F6-B498-43B3-948B-1728B52AA6E4}">
+                <adec:decorative xmlns:adec="http://schemas.microsoft.com/office/drawing/2017/decorative" val="1"/>
+              </a:ext>
+            </a:extLst>
+          </p:cNvPr>
+          <p:cNvCxnSpPr>
+            <a:cxnSpLocks noGrp="1" noRot="1" noChangeAspect="1" noMove="1" noResize="1" noEditPoints="1" noAdjustHandles="1" noChangeArrowheads="1" noChangeShapeType="1"/>
+          </p:cNvCxnSpPr>
+          <p:nvPr>
+            <p:extLst>
+              <p:ext uri="{386F3935-93C4-4BCD-93E2-E3B085C9AB24}">
+                <p16:designElem xmlns:p16="http://schemas.microsoft.com/office/powerpoint/2015/main" val="1"/>
+              </p:ext>
+            </p:extLst>
+          </p:nvPr>
+        </p:nvCxnSpPr>
+        <p:spPr>
+          <a:xfrm>
+            <a:off x="590927" y="2633962"/>
+            <a:ext cx="2834640" cy="0"/>
+          </a:xfrm>
+          <a:prstGeom prst="line">
+            <a:avLst/>
+          </a:prstGeom>
+          <a:ln w="12700">
+            <a:solidFill>
+              <a:schemeClr val="tx1">
+                <a:lumMod val="75000"/>
+                <a:lumOff val="25000"/>
+              </a:schemeClr>
+            </a:solidFill>
+          </a:ln>
+        </p:spPr>
+        <p:style>
+          <a:lnRef idx="1">
+            <a:schemeClr val="accent1"/>
+          </a:lnRef>
+          <a:fillRef idx="0">
+            <a:schemeClr val="accent1"/>
+          </a:fillRef>
+          <a:effectRef idx="0">
+            <a:schemeClr val="accent1"/>
+          </a:effectRef>
+          <a:fontRef idx="minor">
+            <a:schemeClr val="tx1"/>
+          </a:fontRef>
+        </p:style>
+      </p:cxnSp>
+      <p:sp>
+        <p:nvSpPr>
+          <p:cNvPr id="43" name="Rectangle 42">
+            <a:extLst>
+              <a:ext uri="{FF2B5EF4-FFF2-40B4-BE49-F238E27FC236}">
+                <a16:creationId xmlns:a16="http://schemas.microsoft.com/office/drawing/2014/main" id="{7A3E0404-86A9-40FA-8DB8-302414EE2D9E}"/>
+              </a:ext>
+              <a:ext uri="{C183D7F6-B498-43B3-948B-1728B52AA6E4}">
+                <adec:decorative xmlns:adec="http://schemas.microsoft.com/office/drawing/2017/decorative" val="1"/>
+              </a:ext>
+            </a:extLst>
+          </p:cNvPr>
+          <p:cNvSpPr>
+            <a:spLocks noGrp="1" noRot="1" noChangeAspect="1" noMove="1" noResize="1" noEditPoints="1" noAdjustHandles="1" noChangeArrowheads="1" noChangeShapeType="1" noTextEdit="1"/>
+          </p:cNvSpPr>
+          <p:nvPr>
+            <p:extLst>
+              <p:ext uri="{386F3935-93C4-4BCD-93E2-E3B085C9AB24}">
+                <p16:designElem xmlns:p16="http://schemas.microsoft.com/office/powerpoint/2015/main" val="1"/>
+              </p:ext>
+            </p:extLst>
+          </p:nvPr>
+        </p:nvSpPr>
+        <p:spPr>
+          <a:xfrm>
+            <a:off x="1" y="6400800"/>
+            <a:ext cx="12192000" cy="457200"/>
           </a:xfrm>
           <a:prstGeom prst="rect">
             <a:avLst/>
           </a:prstGeom>
-          <a:noFill/>
-        </p:spPr>
-        <p:txBody>
-          <a:bodyPr wrap="square" rtlCol="0">
-            <a:spAutoFit/>
-          </a:bodyPr>
-          <a:lstStyle/>
-          <a:p>
-            <a:r>
-              <a:rPr lang="en-US" sz="4000" b="1" dirty="0">
-                <a:latin typeface="+mj-lt"/>
-              </a:rPr>
-              <a:t>Questions</a:t>
-            </a:r>
-          </a:p>
-        </p:txBody>
-      </p:sp>
+          <a:solidFill>
+            <a:srgbClr val="262626">
+              <a:alpha val="95000"/>
+            </a:srgbClr>
+          </a:solidFill>
+          <a:ln>
+            <a:noFill/>
+          </a:ln>
+        </p:spPr>
+        <p:style>
+          <a:lnRef idx="2">
+            <a:schemeClr val="accent1">
+              <a:shade val="50000"/>
+            </a:schemeClr>
+          </a:lnRef>
+          <a:fillRef idx="1">
+            <a:schemeClr val="accent1"/>
+          </a:fillRef>
+          <a:effectRef idx="0">
+            <a:schemeClr val="accent1"/>
+          </a:effectRef>
+          <a:fontRef idx="minor">
+            <a:schemeClr val="lt1"/>
+          </a:fontRef>
+        </p:style>
+      </p:sp>
+      <p:pic>
+        <p:nvPicPr>
+          <p:cNvPr id="12" name="Picture 11" descr="Chart, line chart&#10;&#10;Description automatically generated">
+            <a:extLst>
+              <a:ext uri="{FF2B5EF4-FFF2-40B4-BE49-F238E27FC236}">
+                <a16:creationId xmlns:a16="http://schemas.microsoft.com/office/drawing/2014/main" id="{56C039EA-81E5-4ADD-92D6-49A729E49809}"/>
+              </a:ext>
+            </a:extLst>
+          </p:cNvPr>
+          <p:cNvPicPr>
+            <a:picLocks noChangeAspect="1"/>
+          </p:cNvPicPr>
+          <p:nvPr/>
+        </p:nvPicPr>
+        <p:blipFill>
+          <a:blip r:embed="rId2"/>
+          <a:stretch>
+            <a:fillRect/>
+          </a:stretch>
+        </p:blipFill>
+        <p:spPr>
+          <a:xfrm>
+            <a:off x="155681" y="756588"/>
+            <a:ext cx="6233356" cy="4887624"/>
+          </a:xfrm>
+          <a:prstGeom prst="rect">
+            <a:avLst/>
+          </a:prstGeom>
+        </p:spPr>
+      </p:pic>
+      <p:pic>
+        <p:nvPicPr>
+          <p:cNvPr id="5" name="Content Placeholder 4" descr="Chart, histogram&#10;&#10;Description automatically generated">
+            <a:extLst>
+              <a:ext uri="{FF2B5EF4-FFF2-40B4-BE49-F238E27FC236}">
+                <a16:creationId xmlns:a16="http://schemas.microsoft.com/office/drawing/2014/main" id="{3C9534D0-130B-4634-A718-A4331D6334DB}"/>
+              </a:ext>
+            </a:extLst>
+          </p:cNvPr>
+          <p:cNvPicPr>
+            <a:picLocks noGrp="1" noChangeAspect="1"/>
+          </p:cNvPicPr>
+          <p:nvPr>
+            <p:ph idx="1"/>
+          </p:nvPr>
+        </p:nvPicPr>
+        <p:blipFill>
+          <a:blip r:embed="rId3"/>
+          <a:stretch>
+            <a:fillRect/>
+          </a:stretch>
+        </p:blipFill>
+        <p:spPr>
+          <a:xfrm>
+            <a:off x="6389038" y="0"/>
+            <a:ext cx="5797278" cy="6400800"/>
+          </a:xfrm>
+        </p:spPr>
+      </p:pic>
     </p:spTree>
     <p:extLst>
       <p:ext uri="{BB962C8B-B14F-4D97-AF65-F5344CB8AC3E}">
-        <p14:creationId xmlns:p14="http://schemas.microsoft.com/office/powerpoint/2010/main" val="2084987383"/>
+        <p14:creationId xmlns:p14="http://schemas.microsoft.com/office/powerpoint/2010/main" val="3777247076"/>
+      </p:ext>
+    </p:extLst>
+  </p:cSld>
+  <p:clrMapOvr>
+    <a:masterClrMapping/>
+  </p:clrMapOvr>
+</p:sld>
+</file>
+
+<file path=ppt/slides/slide7.xml><?xml version="1.0" encoding="utf-8"?>
+<p:sld xmlns:a="http://schemas.openxmlformats.org/drawingml/2006/main" xmlns:r="http://schemas.openxmlformats.org/officeDocument/2006/relationships" xmlns:p="http://schemas.openxmlformats.org/presentationml/2006/main">
+  <p:cSld>
+    <p:bg>
+      <p:bgPr>
+        <a:solidFill>
+          <a:schemeClr val="bg1"/>
+        </a:solidFill>
+        <a:effectLst/>
+      </p:bgPr>
+    </p:bg>
+    <p:spTree>
+      <p:nvGrpSpPr>
+        <p:cNvPr id="1" name=""/>
+        <p:cNvGrpSpPr/>
+        <p:nvPr/>
+      </p:nvGrpSpPr>
+      <p:grpSpPr>
+        <a:xfrm>
+          <a:off x="0" y="0"/>
+          <a:ext cx="0" cy="0"/>
+          <a:chOff x="0" y="0"/>
+          <a:chExt cx="0" cy="0"/>
+        </a:xfrm>
+      </p:grpSpPr>
+      <p:sp>
+        <p:nvSpPr>
+          <p:cNvPr id="24" name="Rectangle 23">
+            <a:extLst>
+              <a:ext uri="{FF2B5EF4-FFF2-40B4-BE49-F238E27FC236}">
+                <a16:creationId xmlns:a16="http://schemas.microsoft.com/office/drawing/2014/main" id="{416A0E3C-60E6-4F39-BC55-5F7C224E1F7C}"/>
+              </a:ext>
+              <a:ext uri="{C183D7F6-B498-43B3-948B-1728B52AA6E4}">
+                <adec:decorative xmlns:adec="http://schemas.microsoft.com/office/drawing/2017/decorative" val="1"/>
+              </a:ext>
+            </a:extLst>
+          </p:cNvPr>
+          <p:cNvSpPr>
+            <a:spLocks noGrp="1" noRot="1" noChangeAspect="1" noMove="1" noResize="1" noEditPoints="1" noAdjustHandles="1" noChangeArrowheads="1" noChangeShapeType="1" noTextEdit="1"/>
+          </p:cNvSpPr>
+          <p:nvPr>
+            <p:extLst>
+              <p:ext uri="{386F3935-93C4-4BCD-93E2-E3B085C9AB24}">
+                <p16:designElem xmlns:p16="http://schemas.microsoft.com/office/powerpoint/2015/main" val="1"/>
+              </p:ext>
+            </p:extLst>
+          </p:nvPr>
+        </p:nvSpPr>
+        <p:spPr>
+          <a:xfrm>
+            <a:off x="3175" y="6400800"/>
+            <a:ext cx="12188825" cy="457200"/>
+          </a:xfrm>
+          <a:prstGeom prst="rect">
+            <a:avLst/>
+          </a:prstGeom>
+          <a:solidFill>
+            <a:srgbClr val="262626"/>
+          </a:solidFill>
+          <a:ln>
+            <a:noFill/>
+          </a:ln>
+        </p:spPr>
+        <p:style>
+          <a:lnRef idx="2">
+            <a:schemeClr val="accent1">
+              <a:shade val="50000"/>
+            </a:schemeClr>
+          </a:lnRef>
+          <a:fillRef idx="1">
+            <a:schemeClr val="accent1"/>
+          </a:fillRef>
+          <a:effectRef idx="0">
+            <a:schemeClr val="accent1"/>
+          </a:effectRef>
+          <a:fontRef idx="minor">
+            <a:schemeClr val="lt1"/>
+          </a:fontRef>
+        </p:style>
+      </p:sp>
+      <p:cxnSp>
+        <p:nvCxnSpPr>
+          <p:cNvPr id="26" name="Straight Connector 25">
+            <a:extLst>
+              <a:ext uri="{FF2B5EF4-FFF2-40B4-BE49-F238E27FC236}">
+                <a16:creationId xmlns:a16="http://schemas.microsoft.com/office/drawing/2014/main" id="{C5025DAC-8B93-4160-B017-3A274A5828C0}"/>
+              </a:ext>
+              <a:ext uri="{C183D7F6-B498-43B3-948B-1728B52AA6E4}">
+                <adec:decorative xmlns:adec="http://schemas.microsoft.com/office/drawing/2017/decorative" val="1"/>
+              </a:ext>
+            </a:extLst>
+          </p:cNvPr>
+          <p:cNvCxnSpPr>
+            <a:cxnSpLocks noGrp="1" noRot="1" noChangeAspect="1" noMove="1" noResize="1" noEditPoints="1" noAdjustHandles="1" noChangeArrowheads="1" noChangeShapeType="1"/>
+          </p:cNvCxnSpPr>
+          <p:nvPr>
+            <p:extLst>
+              <p:ext uri="{386F3935-93C4-4BCD-93E2-E3B085C9AB24}">
+                <p16:designElem xmlns:p16="http://schemas.microsoft.com/office/powerpoint/2015/main" val="1"/>
+              </p:ext>
+            </p:extLst>
+          </p:nvPr>
+        </p:nvCxnSpPr>
+        <p:spPr>
+          <a:xfrm>
+            <a:off x="1193532" y="1897380"/>
+            <a:ext cx="9966960" cy="0"/>
+          </a:xfrm>
+          <a:prstGeom prst="line">
+            <a:avLst/>
+          </a:prstGeom>
+          <a:ln w="12700">
+            <a:solidFill>
+              <a:schemeClr val="tx1">
+                <a:lumMod val="75000"/>
+                <a:lumOff val="25000"/>
+              </a:schemeClr>
+            </a:solidFill>
+          </a:ln>
+        </p:spPr>
+        <p:style>
+          <a:lnRef idx="1">
+            <a:schemeClr val="accent1"/>
+          </a:lnRef>
+          <a:fillRef idx="0">
+            <a:schemeClr val="accent1"/>
+          </a:fillRef>
+          <a:effectRef idx="0">
+            <a:schemeClr val="accent1"/>
+          </a:effectRef>
+          <a:fontRef idx="minor">
+            <a:schemeClr val="tx1"/>
+          </a:fontRef>
+        </p:style>
+      </p:cxnSp>
+      <p:sp useBgFill="1">
+        <p:nvSpPr>
+          <p:cNvPr id="28" name="Rectangle 27">
+            <a:extLst>
+              <a:ext uri="{FF2B5EF4-FFF2-40B4-BE49-F238E27FC236}">
+                <a16:creationId xmlns:a16="http://schemas.microsoft.com/office/drawing/2014/main" id="{F64BBAA4-C62B-4146-B49F-FE4CC4655EE0}"/>
+              </a:ext>
+              <a:ext uri="{C183D7F6-B498-43B3-948B-1728B52AA6E4}">
+                <adec:decorative xmlns:adec="http://schemas.microsoft.com/office/drawing/2017/decorative" val="1"/>
+              </a:ext>
+            </a:extLst>
+          </p:cNvPr>
+          <p:cNvSpPr>
+            <a:spLocks noGrp="1" noRot="1" noChangeAspect="1" noMove="1" noResize="1" noEditPoints="1" noAdjustHandles="1" noChangeArrowheads="1" noChangeShapeType="1" noTextEdit="1"/>
+          </p:cNvSpPr>
+          <p:nvPr>
+            <p:extLst>
+              <p:ext uri="{386F3935-93C4-4BCD-93E2-E3B085C9AB24}">
+                <p16:designElem xmlns:p16="http://schemas.microsoft.com/office/powerpoint/2015/main" val="1"/>
+              </p:ext>
+            </p:extLst>
+          </p:nvPr>
+        </p:nvSpPr>
+        <p:spPr>
+          <a:xfrm>
+            <a:off x="0" y="0"/>
+            <a:ext cx="12192001" cy="6858000"/>
+          </a:xfrm>
+          <a:prstGeom prst="rect">
+            <a:avLst/>
+          </a:prstGeom>
+          <a:ln>
+            <a:noFill/>
+          </a:ln>
+        </p:spPr>
+        <p:style>
+          <a:lnRef idx="2">
+            <a:schemeClr val="accent1">
+              <a:shade val="50000"/>
+            </a:schemeClr>
+          </a:lnRef>
+          <a:fillRef idx="1">
+            <a:schemeClr val="accent1"/>
+          </a:fillRef>
+          <a:effectRef idx="0">
+            <a:schemeClr val="accent1"/>
+          </a:effectRef>
+          <a:fontRef idx="minor">
+            <a:schemeClr val="lt1"/>
+          </a:fontRef>
+        </p:style>
+        <p:txBody>
+          <a:bodyPr rtlCol="0" anchor="ctr"/>
+          <a:lstStyle/>
+          <a:p>
+            <a:pPr algn="ctr"/>
+            <a:endParaRPr lang="en-US"/>
+          </a:p>
+        </p:txBody>
+      </p:sp>
+      <p:cxnSp>
+        <p:nvCxnSpPr>
+          <p:cNvPr id="30" name="Straight Connector 29">
+            <a:extLst>
+              <a:ext uri="{FF2B5EF4-FFF2-40B4-BE49-F238E27FC236}">
+                <a16:creationId xmlns:a16="http://schemas.microsoft.com/office/drawing/2014/main" id="{EEB57AA8-F021-480C-A9E2-F89913313611}"/>
+              </a:ext>
+              <a:ext uri="{C183D7F6-B498-43B3-948B-1728B52AA6E4}">
+                <adec:decorative xmlns:adec="http://schemas.microsoft.com/office/drawing/2017/decorative" val="1"/>
+              </a:ext>
+            </a:extLst>
+          </p:cNvPr>
+          <p:cNvCxnSpPr>
+            <a:cxnSpLocks noGrp="1" noRot="1" noChangeAspect="1" noMove="1" noResize="1" noEditPoints="1" noAdjustHandles="1" noChangeArrowheads="1" noChangeShapeType="1"/>
+          </p:cNvCxnSpPr>
+          <p:nvPr>
+            <p:extLst>
+              <p:ext uri="{386F3935-93C4-4BCD-93E2-E3B085C9AB24}">
+                <p16:designElem xmlns:p16="http://schemas.microsoft.com/office/powerpoint/2015/main" val="1"/>
+              </p:ext>
+            </p:extLst>
+          </p:nvPr>
+        </p:nvCxnSpPr>
+        <p:spPr>
+          <a:xfrm>
+            <a:off x="962164" y="2478513"/>
+            <a:ext cx="2926080" cy="0"/>
+          </a:xfrm>
+          <a:prstGeom prst="line">
+            <a:avLst/>
+          </a:prstGeom>
+          <a:ln>
+            <a:solidFill>
+              <a:schemeClr val="tx1">
+                <a:lumMod val="75000"/>
+                <a:lumOff val="25000"/>
+              </a:schemeClr>
+            </a:solidFill>
+          </a:ln>
+        </p:spPr>
+        <p:style>
+          <a:lnRef idx="1">
+            <a:schemeClr val="accent1"/>
+          </a:lnRef>
+          <a:fillRef idx="0">
+            <a:schemeClr val="accent1"/>
+          </a:fillRef>
+          <a:effectRef idx="0">
+            <a:schemeClr val="accent1"/>
+          </a:effectRef>
+          <a:fontRef idx="minor">
+            <a:schemeClr val="tx1"/>
+          </a:fontRef>
+        </p:style>
+      </p:cxnSp>
+      <p:sp>
+        <p:nvSpPr>
+          <p:cNvPr id="32" name="Rectangle 31">
+            <a:extLst>
+              <a:ext uri="{FF2B5EF4-FFF2-40B4-BE49-F238E27FC236}">
+                <a16:creationId xmlns:a16="http://schemas.microsoft.com/office/drawing/2014/main" id="{6BF36B24-6632-4516-9692-731462896C1F}"/>
+              </a:ext>
+              <a:ext uri="{C183D7F6-B498-43B3-948B-1728B52AA6E4}">
+                <adec:decorative xmlns:adec="http://schemas.microsoft.com/office/drawing/2017/decorative" val="1"/>
+              </a:ext>
+            </a:extLst>
+          </p:cNvPr>
+          <p:cNvSpPr>
+            <a:spLocks noGrp="1" noRot="1" noChangeAspect="1" noMove="1" noResize="1" noEditPoints="1" noAdjustHandles="1" noChangeArrowheads="1" noChangeShapeType="1" noTextEdit="1"/>
+          </p:cNvSpPr>
+          <p:nvPr>
+            <p:extLst>
+              <p:ext uri="{386F3935-93C4-4BCD-93E2-E3B085C9AB24}">
+                <p16:designElem xmlns:p16="http://schemas.microsoft.com/office/powerpoint/2015/main" val="1"/>
+              </p:ext>
+            </p:extLst>
+          </p:nvPr>
+        </p:nvSpPr>
+        <p:spPr>
+          <a:xfrm>
+            <a:off x="0" y="6400800"/>
+            <a:ext cx="12192000" cy="457200"/>
+          </a:xfrm>
+          <a:prstGeom prst="rect">
+            <a:avLst/>
+          </a:prstGeom>
+          <a:solidFill>
+            <a:srgbClr val="262626"/>
+          </a:solidFill>
+          <a:ln>
+            <a:noFill/>
+          </a:ln>
+        </p:spPr>
+        <p:style>
+          <a:lnRef idx="2">
+            <a:schemeClr val="accent1">
+              <a:shade val="50000"/>
+            </a:schemeClr>
+          </a:lnRef>
+          <a:fillRef idx="1">
+            <a:schemeClr val="accent1"/>
+          </a:fillRef>
+          <a:effectRef idx="0">
+            <a:schemeClr val="accent1"/>
+          </a:effectRef>
+          <a:fontRef idx="minor">
+            <a:schemeClr val="lt1"/>
+          </a:fontRef>
+        </p:style>
+      </p:sp>
+      <p:pic>
+        <p:nvPicPr>
+          <p:cNvPr id="18" name="Content Placeholder 17" descr="Chart, histogram&#10;&#10;Description automatically generated">
+            <a:extLst>
+              <a:ext uri="{FF2B5EF4-FFF2-40B4-BE49-F238E27FC236}">
+                <a16:creationId xmlns:a16="http://schemas.microsoft.com/office/drawing/2014/main" id="{C58377A1-3ADF-499D-B923-B10EE42C210C}"/>
+              </a:ext>
+            </a:extLst>
+          </p:cNvPr>
+          <p:cNvPicPr>
+            <a:picLocks noGrp="1" noChangeAspect="1"/>
+          </p:cNvPicPr>
+          <p:nvPr>
+            <p:ph idx="1"/>
+          </p:nvPr>
+        </p:nvPicPr>
+        <p:blipFill>
+          <a:blip r:embed="rId2"/>
+          <a:stretch>
+            <a:fillRect/>
+          </a:stretch>
+        </p:blipFill>
+        <p:spPr>
+          <a:xfrm>
+            <a:off x="5791207" y="0"/>
+            <a:ext cx="6400794" cy="6400794"/>
+          </a:xfrm>
+        </p:spPr>
+      </p:pic>
+      <p:pic>
+        <p:nvPicPr>
+          <p:cNvPr id="20" name="Picture 19" descr="Chart, line chart&#10;&#10;Description automatically generated">
+            <a:extLst>
+              <a:ext uri="{FF2B5EF4-FFF2-40B4-BE49-F238E27FC236}">
+                <a16:creationId xmlns:a16="http://schemas.microsoft.com/office/drawing/2014/main" id="{C7B1190B-F50A-48E9-879A-F0DCB779636E}"/>
+              </a:ext>
+            </a:extLst>
+          </p:cNvPr>
+          <p:cNvPicPr>
+            <a:picLocks noChangeAspect="1"/>
+          </p:cNvPicPr>
+          <p:nvPr/>
+        </p:nvPicPr>
+        <p:blipFill>
+          <a:blip r:embed="rId3"/>
+          <a:stretch>
+            <a:fillRect/>
+          </a:stretch>
+        </p:blipFill>
+        <p:spPr>
+          <a:xfrm>
+            <a:off x="45649" y="1003355"/>
+            <a:ext cx="6131363" cy="4851290"/>
+          </a:xfrm>
+          <a:prstGeom prst="rect">
+            <a:avLst/>
+          </a:prstGeom>
+        </p:spPr>
+      </p:pic>
+    </p:spTree>
+    <p:extLst>
+      <p:ext uri="{BB962C8B-B14F-4D97-AF65-F5344CB8AC3E}">
+        <p14:creationId xmlns:p14="http://schemas.microsoft.com/office/powerpoint/2010/main" val="570927385"/>
+      </p:ext>
+    </p:extLst>
+  </p:cSld>
+  <p:clrMapOvr>
+    <a:masterClrMapping/>
+  </p:clrMapOvr>
+</p:sld>
+</file>
+
+<file path=ppt/slides/slide8.xml><?xml version="1.0" encoding="utf-8"?>
+<p:sld xmlns:a="http://schemas.openxmlformats.org/drawingml/2006/main" xmlns:r="http://schemas.openxmlformats.org/officeDocument/2006/relationships" xmlns:p="http://schemas.openxmlformats.org/presentationml/2006/main">
+  <p:cSld>
+    <p:bg>
+      <p:bgPr>
+        <a:solidFill>
+          <a:schemeClr val="bg1"/>
+        </a:solidFill>
+        <a:effectLst/>
+      </p:bgPr>
+    </p:bg>
+    <p:spTree>
+      <p:nvGrpSpPr>
+        <p:cNvPr id="1" name=""/>
+        <p:cNvGrpSpPr/>
+        <p:nvPr/>
+      </p:nvGrpSpPr>
+      <p:grpSpPr>
+        <a:xfrm>
+          <a:off x="0" y="0"/>
+          <a:ext cx="0" cy="0"/>
+          <a:chOff x="0" y="0"/>
+          <a:chExt cx="0" cy="0"/>
+        </a:xfrm>
+      </p:grpSpPr>
+      <p:sp>
+        <p:nvSpPr>
+          <p:cNvPr id="15" name="Rectangle 14">
+            <a:extLst>
+              <a:ext uri="{FF2B5EF4-FFF2-40B4-BE49-F238E27FC236}">
+                <a16:creationId xmlns:a16="http://schemas.microsoft.com/office/drawing/2014/main" id="{416A0E3C-60E6-4F39-BC55-5F7C224E1F7C}"/>
+              </a:ext>
+              <a:ext uri="{C183D7F6-B498-43B3-948B-1728B52AA6E4}">
+                <adec:decorative xmlns:adec="http://schemas.microsoft.com/office/drawing/2017/decorative" val="1"/>
+              </a:ext>
+            </a:extLst>
+          </p:cNvPr>
+          <p:cNvSpPr>
+            <a:spLocks noGrp="1" noRot="1" noChangeAspect="1" noMove="1" noResize="1" noEditPoints="1" noAdjustHandles="1" noChangeArrowheads="1" noChangeShapeType="1" noTextEdit="1"/>
+          </p:cNvSpPr>
+          <p:nvPr>
+            <p:extLst>
+              <p:ext uri="{386F3935-93C4-4BCD-93E2-E3B085C9AB24}">
+                <p16:designElem xmlns:p16="http://schemas.microsoft.com/office/powerpoint/2015/main" val="1"/>
+              </p:ext>
+            </p:extLst>
+          </p:nvPr>
+        </p:nvSpPr>
+        <p:spPr>
+          <a:xfrm>
+            <a:off x="3175" y="6400800"/>
+            <a:ext cx="12188825" cy="457200"/>
+          </a:xfrm>
+          <a:prstGeom prst="rect">
+            <a:avLst/>
+          </a:prstGeom>
+          <a:solidFill>
+            <a:srgbClr val="262626"/>
+          </a:solidFill>
+          <a:ln>
+            <a:noFill/>
+          </a:ln>
+        </p:spPr>
+        <p:style>
+          <a:lnRef idx="2">
+            <a:schemeClr val="accent1">
+              <a:shade val="50000"/>
+            </a:schemeClr>
+          </a:lnRef>
+          <a:fillRef idx="1">
+            <a:schemeClr val="accent1"/>
+          </a:fillRef>
+          <a:effectRef idx="0">
+            <a:schemeClr val="accent1"/>
+          </a:effectRef>
+          <a:fontRef idx="minor">
+            <a:schemeClr val="lt1"/>
+          </a:fontRef>
+        </p:style>
+      </p:sp>
+      <p:cxnSp>
+        <p:nvCxnSpPr>
+          <p:cNvPr id="17" name="Straight Connector 16">
+            <a:extLst>
+              <a:ext uri="{FF2B5EF4-FFF2-40B4-BE49-F238E27FC236}">
+                <a16:creationId xmlns:a16="http://schemas.microsoft.com/office/drawing/2014/main" id="{C5025DAC-8B93-4160-B017-3A274A5828C0}"/>
+              </a:ext>
+              <a:ext uri="{C183D7F6-B498-43B3-948B-1728B52AA6E4}">
+                <adec:decorative xmlns:adec="http://schemas.microsoft.com/office/drawing/2017/decorative" val="1"/>
+              </a:ext>
+            </a:extLst>
+          </p:cNvPr>
+          <p:cNvCxnSpPr>
+            <a:cxnSpLocks noGrp="1" noRot="1" noChangeAspect="1" noMove="1" noResize="1" noEditPoints="1" noAdjustHandles="1" noChangeArrowheads="1" noChangeShapeType="1"/>
+          </p:cNvCxnSpPr>
+          <p:nvPr>
+            <p:extLst>
+              <p:ext uri="{386F3935-93C4-4BCD-93E2-E3B085C9AB24}">
+                <p16:designElem xmlns:p16="http://schemas.microsoft.com/office/powerpoint/2015/main" val="1"/>
+              </p:ext>
+            </p:extLst>
+          </p:nvPr>
+        </p:nvCxnSpPr>
+        <p:spPr>
+          <a:xfrm>
+            <a:off x="1193532" y="1897380"/>
+            <a:ext cx="9966960" cy="0"/>
+          </a:xfrm>
+          <a:prstGeom prst="line">
+            <a:avLst/>
+          </a:prstGeom>
+          <a:ln w="12700">
+            <a:solidFill>
+              <a:schemeClr val="tx1">
+                <a:lumMod val="75000"/>
+                <a:lumOff val="25000"/>
+              </a:schemeClr>
+            </a:solidFill>
+          </a:ln>
+        </p:spPr>
+        <p:style>
+          <a:lnRef idx="1">
+            <a:schemeClr val="accent1"/>
+          </a:lnRef>
+          <a:fillRef idx="0">
+            <a:schemeClr val="accent1"/>
+          </a:fillRef>
+          <a:effectRef idx="0">
+            <a:schemeClr val="accent1"/>
+          </a:effectRef>
+          <a:fontRef idx="minor">
+            <a:schemeClr val="tx1"/>
+          </a:fontRef>
+        </p:style>
+      </p:cxnSp>
+      <p:sp useBgFill="1">
+        <p:nvSpPr>
+          <p:cNvPr id="19" name="Rectangle 18">
+            <a:extLst>
+              <a:ext uri="{FF2B5EF4-FFF2-40B4-BE49-F238E27FC236}">
+                <a16:creationId xmlns:a16="http://schemas.microsoft.com/office/drawing/2014/main" id="{08CB54FC-0B2A-4107-9A70-958B90B76585}"/>
+              </a:ext>
+              <a:ext uri="{C183D7F6-B498-43B3-948B-1728B52AA6E4}">
+                <adec:decorative xmlns:adec="http://schemas.microsoft.com/office/drawing/2017/decorative" val="1"/>
+              </a:ext>
+            </a:extLst>
+          </p:cNvPr>
+          <p:cNvSpPr>
+            <a:spLocks noGrp="1" noRot="1" noChangeAspect="1" noMove="1" noResize="1" noEditPoints="1" noAdjustHandles="1" noChangeArrowheads="1" noChangeShapeType="1" noTextEdit="1"/>
+          </p:cNvSpPr>
+          <p:nvPr>
+            <p:extLst>
+              <p:ext uri="{386F3935-93C4-4BCD-93E2-E3B085C9AB24}">
+                <p16:designElem xmlns:p16="http://schemas.microsoft.com/office/powerpoint/2015/main" val="1"/>
+              </p:ext>
+            </p:extLst>
+          </p:nvPr>
+        </p:nvSpPr>
+        <p:spPr>
+          <a:xfrm>
+            <a:off x="0" y="0"/>
+            <a:ext cx="12192001" cy="6858000"/>
+          </a:xfrm>
+          <a:prstGeom prst="rect">
+            <a:avLst/>
+          </a:prstGeom>
+          <a:ln>
+            <a:noFill/>
+          </a:ln>
+        </p:spPr>
+        <p:style>
+          <a:lnRef idx="2">
+            <a:schemeClr val="accent1">
+              <a:shade val="50000"/>
+            </a:schemeClr>
+          </a:lnRef>
+          <a:fillRef idx="1">
+            <a:schemeClr val="accent1"/>
+          </a:fillRef>
+          <a:effectRef idx="0">
+            <a:schemeClr val="accent1"/>
+          </a:effectRef>
+          <a:fontRef idx="minor">
+            <a:schemeClr val="lt1"/>
+          </a:fontRef>
+        </p:style>
+        <p:txBody>
+          <a:bodyPr rtlCol="0" anchor="ctr"/>
+          <a:lstStyle/>
+          <a:p>
+            <a:pPr algn="ctr"/>
+            <a:endParaRPr lang="en-US"/>
+          </a:p>
+        </p:txBody>
+      </p:sp>
+      <p:pic>
+        <p:nvPicPr>
+          <p:cNvPr id="10" name="Content Placeholder 9" descr="Chart, histogram&#10;&#10;Description automatically generated">
+            <a:extLst>
+              <a:ext uri="{FF2B5EF4-FFF2-40B4-BE49-F238E27FC236}">
+                <a16:creationId xmlns:a16="http://schemas.microsoft.com/office/drawing/2014/main" id="{BB5E521B-B390-484F-B152-453ED8E0C9F3}"/>
+              </a:ext>
+            </a:extLst>
+          </p:cNvPr>
+          <p:cNvPicPr>
+            <a:picLocks noGrp="1" noChangeAspect="1"/>
+          </p:cNvPicPr>
+          <p:nvPr>
+            <p:ph idx="1"/>
+          </p:nvPr>
+        </p:nvPicPr>
+        <p:blipFill>
+          <a:blip r:embed="rId2"/>
+          <a:stretch>
+            <a:fillRect/>
+          </a:stretch>
+        </p:blipFill>
+        <p:spPr>
+          <a:xfrm>
+            <a:off x="-84368" y="92467"/>
+            <a:ext cx="6398388" cy="6536933"/>
+          </a:xfrm>
+          <a:prstGeom prst="rect">
+            <a:avLst/>
+          </a:prstGeom>
+        </p:spPr>
+      </p:pic>
+      <p:cxnSp>
+        <p:nvCxnSpPr>
+          <p:cNvPr id="21" name="Straight Connector 20">
+            <a:extLst>
+              <a:ext uri="{FF2B5EF4-FFF2-40B4-BE49-F238E27FC236}">
+                <a16:creationId xmlns:a16="http://schemas.microsoft.com/office/drawing/2014/main" id="{7855A9B5-1710-4B19-B0F1-CDFDD4ED5B7E}"/>
+              </a:ext>
+              <a:ext uri="{C183D7F6-B498-43B3-948B-1728B52AA6E4}">
+                <adec:decorative xmlns:adec="http://schemas.microsoft.com/office/drawing/2017/decorative" val="1"/>
+              </a:ext>
+            </a:extLst>
+          </p:cNvPr>
+          <p:cNvCxnSpPr>
+            <a:cxnSpLocks noGrp="1" noRot="1" noChangeAspect="1" noMove="1" noResize="1" noEditPoints="1" noAdjustHandles="1" noChangeArrowheads="1" noChangeShapeType="1"/>
+          </p:cNvCxnSpPr>
+          <p:nvPr>
+            <p:extLst>
+              <p:ext uri="{386F3935-93C4-4BCD-93E2-E3B085C9AB24}">
+                <p16:designElem xmlns:p16="http://schemas.microsoft.com/office/powerpoint/2015/main" val="1"/>
+              </p:ext>
+            </p:extLst>
+          </p:nvPr>
+        </p:nvCxnSpPr>
+        <p:spPr>
+          <a:xfrm>
+            <a:off x="6514044" y="2246569"/>
+            <a:ext cx="4572000" cy="0"/>
+          </a:xfrm>
+          <a:prstGeom prst="line">
+            <a:avLst/>
+          </a:prstGeom>
+          <a:ln w="12700">
+            <a:solidFill>
+              <a:schemeClr val="tx1">
+                <a:lumMod val="75000"/>
+                <a:lumOff val="25000"/>
+              </a:schemeClr>
+            </a:solidFill>
+          </a:ln>
+        </p:spPr>
+        <p:style>
+          <a:lnRef idx="1">
+            <a:schemeClr val="accent1"/>
+          </a:lnRef>
+          <a:fillRef idx="0">
+            <a:schemeClr val="accent1"/>
+          </a:fillRef>
+          <a:effectRef idx="0">
+            <a:schemeClr val="accent1"/>
+          </a:effectRef>
+          <a:fontRef idx="minor">
+            <a:schemeClr val="tx1"/>
+          </a:fontRef>
+        </p:style>
+      </p:cxnSp>
+      <p:sp>
+        <p:nvSpPr>
+          <p:cNvPr id="23" name="Rectangle 22">
+            <a:extLst>
+              <a:ext uri="{FF2B5EF4-FFF2-40B4-BE49-F238E27FC236}">
+                <a16:creationId xmlns:a16="http://schemas.microsoft.com/office/drawing/2014/main" id="{9AA76026-5689-4584-8D93-D71D739E61B5}"/>
+              </a:ext>
+              <a:ext uri="{C183D7F6-B498-43B3-948B-1728B52AA6E4}">
+                <adec:decorative xmlns:adec="http://schemas.microsoft.com/office/drawing/2017/decorative" val="1"/>
+              </a:ext>
+            </a:extLst>
+          </p:cNvPr>
+          <p:cNvSpPr>
+            <a:spLocks noGrp="1" noRot="1" noChangeAspect="1" noMove="1" noResize="1" noEditPoints="1" noAdjustHandles="1" noChangeArrowheads="1" noChangeShapeType="1" noTextEdit="1"/>
+          </p:cNvSpPr>
+          <p:nvPr>
+            <p:extLst>
+              <p:ext uri="{386F3935-93C4-4BCD-93E2-E3B085C9AB24}">
+                <p16:designElem xmlns:p16="http://schemas.microsoft.com/office/powerpoint/2015/main" val="1"/>
+              </p:ext>
+            </p:extLst>
+          </p:nvPr>
+        </p:nvSpPr>
+        <p:spPr>
+          <a:xfrm>
+            <a:off x="0" y="6400800"/>
+            <a:ext cx="12192000" cy="457200"/>
+          </a:xfrm>
+          <a:prstGeom prst="rect">
+            <a:avLst/>
+          </a:prstGeom>
+          <a:solidFill>
+            <a:srgbClr val="262626"/>
+          </a:solidFill>
+          <a:ln>
+            <a:noFill/>
+          </a:ln>
+        </p:spPr>
+        <p:style>
+          <a:lnRef idx="2">
+            <a:schemeClr val="accent1">
+              <a:shade val="50000"/>
+            </a:schemeClr>
+          </a:lnRef>
+          <a:fillRef idx="1">
+            <a:schemeClr val="accent1"/>
+          </a:fillRef>
+          <a:effectRef idx="0">
+            <a:schemeClr val="accent1"/>
+          </a:effectRef>
+          <a:fontRef idx="minor">
+            <a:schemeClr val="lt1"/>
+          </a:fontRef>
+        </p:style>
+      </p:sp>
+      <p:pic>
+        <p:nvPicPr>
+          <p:cNvPr id="12" name="Picture 11" descr="Chart, line chart&#10;&#10;Description automatically generated">
+            <a:extLst>
+              <a:ext uri="{FF2B5EF4-FFF2-40B4-BE49-F238E27FC236}">
+                <a16:creationId xmlns:a16="http://schemas.microsoft.com/office/drawing/2014/main" id="{08718DBA-DD68-4A4C-B0E4-0765BD2E997F}"/>
+              </a:ext>
+            </a:extLst>
+          </p:cNvPr>
+          <p:cNvPicPr>
+            <a:picLocks noChangeAspect="1"/>
+          </p:cNvPicPr>
+          <p:nvPr/>
+        </p:nvPicPr>
+        <p:blipFill>
+          <a:blip r:embed="rId3"/>
+          <a:stretch>
+            <a:fillRect/>
+          </a:stretch>
+        </p:blipFill>
+        <p:spPr>
+          <a:xfrm>
+            <a:off x="5895975" y="-1"/>
+            <a:ext cx="6296026" cy="6400797"/>
+          </a:xfrm>
+          <a:prstGeom prst="rect">
+            <a:avLst/>
+          </a:prstGeom>
+        </p:spPr>
+      </p:pic>
+    </p:spTree>
+    <p:extLst>
+      <p:ext uri="{BB962C8B-B14F-4D97-AF65-F5344CB8AC3E}">
+        <p14:creationId xmlns:p14="http://schemas.microsoft.com/office/powerpoint/2010/main" val="1703581049"/>
+      </p:ext>
+    </p:extLst>
+  </p:cSld>
+  <p:clrMapOvr>
+    <a:masterClrMapping/>
+  </p:clrMapOvr>
+</p:sld>
+</file>
+
+<file path=ppt/slides/slide9.xml><?xml version="1.0" encoding="utf-8"?>
+<p:sld xmlns:a="http://schemas.openxmlformats.org/drawingml/2006/main" xmlns:r="http://schemas.openxmlformats.org/officeDocument/2006/relationships" xmlns:p="http://schemas.openxmlformats.org/presentationml/2006/main">
+  <p:cSld>
+    <p:spTree>
+      <p:nvGrpSpPr>
+        <p:cNvPr id="1" name=""/>
+        <p:cNvGrpSpPr/>
+        <p:nvPr/>
+      </p:nvGrpSpPr>
+      <p:grpSpPr>
+        <a:xfrm>
+          <a:off x="0" y="0"/>
+          <a:ext cx="0" cy="0"/>
+          <a:chOff x="0" y="0"/>
+          <a:chExt cx="0" cy="0"/>
+        </a:xfrm>
+      </p:grpSpPr>
+      <p:pic>
+        <p:nvPicPr>
+          <p:cNvPr id="14" name="Content Placeholder 13" descr="Chart, line chart, histogram&#10;&#10;Description automatically generated">
+            <a:extLst>
+              <a:ext uri="{FF2B5EF4-FFF2-40B4-BE49-F238E27FC236}">
+                <a16:creationId xmlns:a16="http://schemas.microsoft.com/office/drawing/2014/main" id="{240FF3C3-C5A3-4574-ABA8-042815D7C3A7}"/>
+              </a:ext>
+            </a:extLst>
+          </p:cNvPr>
+          <p:cNvPicPr>
+            <a:picLocks noGrp="1" noChangeAspect="1"/>
+          </p:cNvPicPr>
+          <p:nvPr>
+            <p:ph sz="half" idx="2"/>
+          </p:nvPr>
+        </p:nvPicPr>
+        <p:blipFill>
+          <a:blip r:embed="rId2"/>
+          <a:stretch>
+            <a:fillRect/>
+          </a:stretch>
+        </p:blipFill>
+        <p:spPr>
+          <a:xfrm>
+            <a:off x="-376333" y="0"/>
+            <a:ext cx="5981266" cy="6370420"/>
+          </a:xfrm>
+        </p:spPr>
+      </p:pic>
+      <p:pic>
+        <p:nvPicPr>
+          <p:cNvPr id="22" name="Content Placeholder 21" descr="Chart, line chart&#10;&#10;Description automatically generated">
+            <a:extLst>
+              <a:ext uri="{FF2B5EF4-FFF2-40B4-BE49-F238E27FC236}">
+                <a16:creationId xmlns:a16="http://schemas.microsoft.com/office/drawing/2014/main" id="{2399B47E-789D-4636-AC30-F4DA4EFCD9D3}"/>
+              </a:ext>
+            </a:extLst>
+          </p:cNvPr>
+          <p:cNvPicPr>
+            <a:picLocks noGrp="1" noChangeAspect="1"/>
+          </p:cNvPicPr>
+          <p:nvPr>
+            <p:ph sz="quarter" idx="4"/>
+          </p:nvPr>
+        </p:nvPicPr>
+        <p:blipFill>
+          <a:blip r:embed="rId3"/>
+          <a:stretch>
+            <a:fillRect/>
+          </a:stretch>
+        </p:blipFill>
+        <p:spPr>
+          <a:xfrm>
+            <a:off x="5604933" y="578229"/>
+            <a:ext cx="6490034" cy="5213961"/>
+          </a:xfrm>
+        </p:spPr>
+      </p:pic>
+    </p:spTree>
+    <p:extLst>
+      <p:ext uri="{BB962C8B-B14F-4D97-AF65-F5344CB8AC3E}">
+        <p14:creationId xmlns:p14="http://schemas.microsoft.com/office/powerpoint/2010/main" val="4189494788"/>
       </p:ext>
     </p:extLst>
   </p:cSld>
@@ -5833,24 +7210,6 @@
 </file>
 
 <file path=customXml/item1.xml><?xml version="1.0" encoding="utf-8"?>
-<?mso-contentType ?>
-<FormTemplates xmlns="http://schemas.microsoft.com/sharepoint/v3/contenttype/forms">
-  <Display>DocumentLibraryForm</Display>
-  <Edit>DocumentLibraryForm</Edit>
-  <New>DocumentLibraryForm</New>
-</FormTemplates>
-</file>
-
-<file path=customXml/item2.xml><?xml version="1.0" encoding="utf-8"?>
-<p:properties xmlns:p="http://schemas.microsoft.com/office/2006/metadata/properties" xmlns:xsi="http://www.w3.org/2001/XMLSchema-instance" xmlns:pc="http://schemas.microsoft.com/office/infopath/2007/PartnerControls">
-  <documentManagement>
-    <Status xmlns="71af3243-3dd4-4a8d-8c0d-dd76da1f02a5">Not started</Status>
-    <MediaServiceKeyPoints xmlns="71af3243-3dd4-4a8d-8c0d-dd76da1f02a5" xsi:nil="true"/>
-  </documentManagement>
-</p:properties>
-</file>
-
-<file path=customXml/item3.xml><?xml version="1.0" encoding="utf-8"?>
 <ct:contentTypeSchema xmlns:ct="http://schemas.microsoft.com/office/2006/metadata/contentType" xmlns:ma="http://schemas.microsoft.com/office/2006/metadata/properties/metaAttributes" ct:_="" ma:_="" ma:contentTypeName="Document" ma:contentTypeID="0x01010079F111ED35F8CC479449609E8A0923A6" ma:contentTypeVersion="12" ma:contentTypeDescription="Create a new document." ma:contentTypeScope="" ma:versionID="a410dd7f93c95333ffa1b60ed6adedd1">
   <xsd:schema xmlns:xsd="http://www.w3.org/2001/XMLSchema" xmlns:xs="http://www.w3.org/2001/XMLSchema" xmlns:p="http://schemas.microsoft.com/office/2006/metadata/properties" xmlns:ns2="71af3243-3dd4-4a8d-8c0d-dd76da1f02a5" xmlns:ns3="16c05727-aa75-4e4a-9b5f-8a80a1165891" targetNamespace="http://schemas.microsoft.com/office/2006/metadata/properties" ma:root="true" ma:fieldsID="a936d9baba76aa3866493feff160faab" ns2:_="" ns3:_="">
     <xsd:import namespace="71af3243-3dd4-4a8d-8c0d-dd76da1f02a5"/>
@@ -6071,25 +7430,25 @@
 </ct:contentTypeSchema>
 </file>
 
-<file path=customXml/itemProps1.xml><?xml version="1.0" encoding="utf-8"?>
-<ds:datastoreItem xmlns:ds="http://schemas.openxmlformats.org/officeDocument/2006/customXml" ds:itemID="{AA3F7EDC-E5B4-4BBC-9D2A-CBE6D46C37AD}">
-  <ds:schemaRefs>
-    <ds:schemaRef ds:uri="http://schemas.microsoft.com/sharepoint/v3/contenttype/forms"/>
-  </ds:schemaRefs>
-</ds:datastoreItem>
+<file path=customXml/item2.xml><?xml version="1.0" encoding="utf-8"?>
+<p:properties xmlns:p="http://schemas.microsoft.com/office/2006/metadata/properties" xmlns:xsi="http://www.w3.org/2001/XMLSchema-instance" xmlns:pc="http://schemas.microsoft.com/office/infopath/2007/PartnerControls">
+  <documentManagement>
+    <Status xmlns="71af3243-3dd4-4a8d-8c0d-dd76da1f02a5">Not started</Status>
+    <MediaServiceKeyPoints xmlns="71af3243-3dd4-4a8d-8c0d-dd76da1f02a5" xsi:nil="true"/>
+  </documentManagement>
+</p:properties>
 </file>
 
-<file path=customXml/itemProps2.xml><?xml version="1.0" encoding="utf-8"?>
-<ds:datastoreItem xmlns:ds="http://schemas.openxmlformats.org/officeDocument/2006/customXml" ds:itemID="{A03EEFF0-FB57-4CB4-8BFC-DF397689E2ED}">
-  <ds:schemaRefs>
-    <ds:schemaRef ds:uri="http://schemas.microsoft.com/office/2006/metadata/properties"/>
-    <ds:schemaRef ds:uri="http://schemas.microsoft.com/office/infopath/2007/PartnerControls"/>
-    <ds:schemaRef ds:uri="71af3243-3dd4-4a8d-8c0d-dd76da1f02a5"/>
-  </ds:schemaRefs>
-</ds:datastoreItem>
+<file path=customXml/item3.xml><?xml version="1.0" encoding="utf-8"?>
+<?mso-contentType ?>
+<FormTemplates xmlns="http://schemas.microsoft.com/sharepoint/v3/contenttype/forms">
+  <Display>DocumentLibraryForm</Display>
+  <Edit>DocumentLibraryForm</Edit>
+  <New>DocumentLibraryForm</New>
+</FormTemplates>
 </file>
 
-<file path=customXml/itemProps3.xml><?xml version="1.0" encoding="utf-8"?>
+<file path=customXml/itemProps1.xml><?xml version="1.0" encoding="utf-8"?>
 <ds:datastoreItem xmlns:ds="http://schemas.openxmlformats.org/officeDocument/2006/customXml" ds:itemID="{93932EF5-314F-409E-8020-FEE5FA0795B9}">
   <ds:schemaRefs>
     <ds:schemaRef ds:uri="http://schemas.microsoft.com/office/2006/metadata/contentType"/>
@@ -6106,4 +7465,22 @@
     <ds:schemaRef ds:uri="http://schemas.microsoft.com/internal/obd"/>
   </ds:schemaRefs>
 </ds:datastoreItem>
+</file>
+
+<file path=customXml/itemProps2.xml><?xml version="1.0" encoding="utf-8"?>
+<ds:datastoreItem xmlns:ds="http://schemas.openxmlformats.org/officeDocument/2006/customXml" ds:itemID="{A03EEFF0-FB57-4CB4-8BFC-DF397689E2ED}">
+  <ds:schemaRefs>
+    <ds:schemaRef ds:uri="http://schemas.microsoft.com/office/2006/metadata/properties"/>
+    <ds:schemaRef ds:uri="http://schemas.microsoft.com/office/infopath/2007/PartnerControls"/>
+    <ds:schemaRef ds:uri="71af3243-3dd4-4a8d-8c0d-dd76da1f02a5"/>
+  </ds:schemaRefs>
+</ds:datastoreItem>
+</file>
+
+<file path=customXml/itemProps3.xml><?xml version="1.0" encoding="utf-8"?>
+<ds:datastoreItem xmlns:ds="http://schemas.openxmlformats.org/officeDocument/2006/customXml" ds:itemID="{AA3F7EDC-E5B4-4BBC-9D2A-CBE6D46C37AD}">
+  <ds:schemaRefs>
+    <ds:schemaRef ds:uri="http://schemas.microsoft.com/sharepoint/v3/contenttype/forms"/>
+  </ds:schemaRefs>
+</ds:datastoreItem>
 </file>